--- a/ponencia_sena_obtencion_visualizacion_modelacion_AMSC/presentacion_yeiner_marco_obtencion_visualizacion_modelacion.pptx
+++ b/ponencia_sena_obtencion_visualizacion_modelacion_AMSC/presentacion_yeiner_marco_obtencion_visualizacion_modelacion.pptx
@@ -1,27 +1,122 @@
 
 <file path=ppt/presentation.xml><?xml version="1.0" encoding="utf-8"?>
-<p:presentation xmlns:a="http://schemas.openxmlformats.org/drawingml/2006/main" xmlns:p="http://schemas.openxmlformats.org/presentationml/2006/main" xmlns:r="http://schemas.openxmlformats.org/officeDocument/2006/relationships" xmlns:p14="http://schemas.microsoft.com/office/powerpoint/2010/main" xmlns:p15="http://schemas.microsoft.com/office/powerpoint/2012/main" xmlns:mc="http://schemas.openxmlformats.org/markup-compatibility/2006">
+<p:presentation xmlns:a="http://schemas.openxmlformats.org/drawingml/2006/main" xmlns:r="http://schemas.openxmlformats.org/officeDocument/2006/relationships" xmlns:p="http://schemas.openxmlformats.org/presentationml/2006/main">
   <p:sldMasterIdLst>
-    <p:sldMasterId id="2147483648" r:id="rId2"/>
+    <p:sldMasterId id="2147483648" r:id="rId1"/>
   </p:sldMasterIdLst>
   <p:sldIdLst>
-    <p:sldId id="256" r:id="rId3"/>
-    <p:sldId id="257" r:id="rId4"/>
-    <p:sldId id="258" r:id="rId5"/>
-    <p:sldId id="259" r:id="rId6"/>
-    <p:sldId id="260" r:id="rId7"/>
-    <p:sldId id="261" r:id="rId8"/>
-    <p:sldId id="262" r:id="rId9"/>
-    <p:sldId id="263" r:id="rId10"/>
-    <p:sldId id="264" r:id="rId11"/>
+    <p:sldId id="256" r:id="rId2"/>
+    <p:sldId id="257" r:id="rId3"/>
+    <p:sldId id="258" r:id="rId4"/>
+    <p:sldId id="259" r:id="rId5"/>
+    <p:sldId id="260" r:id="rId6"/>
+    <p:sldId id="261" r:id="rId7"/>
+    <p:sldId id="262" r:id="rId8"/>
+    <p:sldId id="263" r:id="rId9"/>
+    <p:sldId id="264" r:id="rId10"/>
   </p:sldIdLst>
   <p:sldSz cx="12192000" cy="6858000"/>
   <p:notesSz cx="6858000" cy="9144000"/>
+  <p:defaultTextStyle>
+    <a:defPPr>
+      <a:defRPr lang="es-CO"/>
+    </a:defPPr>
+    <a:lvl1pPr marL="0" algn="l" defTabSz="914400" rtl="0" eaLnBrk="1" latinLnBrk="0" hangingPunct="1">
+      <a:defRPr sz="1800" kern="1200">
+        <a:solidFill>
+          <a:schemeClr val="tx1"/>
+        </a:solidFill>
+        <a:latin typeface="+mn-lt"/>
+        <a:ea typeface="+mn-ea"/>
+        <a:cs typeface="+mn-cs"/>
+      </a:defRPr>
+    </a:lvl1pPr>
+    <a:lvl2pPr marL="457200" algn="l" defTabSz="914400" rtl="0" eaLnBrk="1" latinLnBrk="0" hangingPunct="1">
+      <a:defRPr sz="1800" kern="1200">
+        <a:solidFill>
+          <a:schemeClr val="tx1"/>
+        </a:solidFill>
+        <a:latin typeface="+mn-lt"/>
+        <a:ea typeface="+mn-ea"/>
+        <a:cs typeface="+mn-cs"/>
+      </a:defRPr>
+    </a:lvl2pPr>
+    <a:lvl3pPr marL="914400" algn="l" defTabSz="914400" rtl="0" eaLnBrk="1" latinLnBrk="0" hangingPunct="1">
+      <a:defRPr sz="1800" kern="1200">
+        <a:solidFill>
+          <a:schemeClr val="tx1"/>
+        </a:solidFill>
+        <a:latin typeface="+mn-lt"/>
+        <a:ea typeface="+mn-ea"/>
+        <a:cs typeface="+mn-cs"/>
+      </a:defRPr>
+    </a:lvl3pPr>
+    <a:lvl4pPr marL="1371600" algn="l" defTabSz="914400" rtl="0" eaLnBrk="1" latinLnBrk="0" hangingPunct="1">
+      <a:defRPr sz="1800" kern="1200">
+        <a:solidFill>
+          <a:schemeClr val="tx1"/>
+        </a:solidFill>
+        <a:latin typeface="+mn-lt"/>
+        <a:ea typeface="+mn-ea"/>
+        <a:cs typeface="+mn-cs"/>
+      </a:defRPr>
+    </a:lvl4pPr>
+    <a:lvl5pPr marL="1828800" algn="l" defTabSz="914400" rtl="0" eaLnBrk="1" latinLnBrk="0" hangingPunct="1">
+      <a:defRPr sz="1800" kern="1200">
+        <a:solidFill>
+          <a:schemeClr val="tx1"/>
+        </a:solidFill>
+        <a:latin typeface="+mn-lt"/>
+        <a:ea typeface="+mn-ea"/>
+        <a:cs typeface="+mn-cs"/>
+      </a:defRPr>
+    </a:lvl5pPr>
+    <a:lvl6pPr marL="2286000" algn="l" defTabSz="914400" rtl="0" eaLnBrk="1" latinLnBrk="0" hangingPunct="1">
+      <a:defRPr sz="1800" kern="1200">
+        <a:solidFill>
+          <a:schemeClr val="tx1"/>
+        </a:solidFill>
+        <a:latin typeface="+mn-lt"/>
+        <a:ea typeface="+mn-ea"/>
+        <a:cs typeface="+mn-cs"/>
+      </a:defRPr>
+    </a:lvl6pPr>
+    <a:lvl7pPr marL="2743200" algn="l" defTabSz="914400" rtl="0" eaLnBrk="1" latinLnBrk="0" hangingPunct="1">
+      <a:defRPr sz="1800" kern="1200">
+        <a:solidFill>
+          <a:schemeClr val="tx1"/>
+        </a:solidFill>
+        <a:latin typeface="+mn-lt"/>
+        <a:ea typeface="+mn-ea"/>
+        <a:cs typeface="+mn-cs"/>
+      </a:defRPr>
+    </a:lvl7pPr>
+    <a:lvl8pPr marL="3200400" algn="l" defTabSz="914400" rtl="0" eaLnBrk="1" latinLnBrk="0" hangingPunct="1">
+      <a:defRPr sz="1800" kern="1200">
+        <a:solidFill>
+          <a:schemeClr val="tx1"/>
+        </a:solidFill>
+        <a:latin typeface="+mn-lt"/>
+        <a:ea typeface="+mn-ea"/>
+        <a:cs typeface="+mn-cs"/>
+      </a:defRPr>
+    </a:lvl8pPr>
+    <a:lvl9pPr marL="3657600" algn="l" defTabSz="914400" rtl="0" eaLnBrk="1" latinLnBrk="0" hangingPunct="1">
+      <a:defRPr sz="1800" kern="1200">
+        <a:solidFill>
+          <a:schemeClr val="tx1"/>
+        </a:solidFill>
+        <a:latin typeface="+mn-lt"/>
+        <a:ea typeface="+mn-ea"/>
+        <a:cs typeface="+mn-cs"/>
+      </a:defRPr>
+    </a:lvl9pPr>
+  </p:defaultTextStyle>
 </p:presentation>
 </file>
 
 <file path=ppt/slideLayouts/slideLayout1.xml><?xml version="1.0" encoding="utf-8"?>
-<p:sldLayout xmlns:a="http://schemas.openxmlformats.org/drawingml/2006/main" xmlns:p="http://schemas.openxmlformats.org/presentationml/2006/main" xmlns:r="http://schemas.openxmlformats.org/officeDocument/2006/relationships" xmlns:p14="http://schemas.microsoft.com/office/powerpoint/2010/main" xmlns:p15="http://schemas.microsoft.com/office/powerpoint/2012/main" xmlns:mc="http://schemas.openxmlformats.org/markup-compatibility/2006" type="blank" preserve="1">
+<p:sldLayout xmlns:a="http://schemas.openxmlformats.org/drawingml/2006/main" xmlns:r="http://schemas.openxmlformats.org/officeDocument/2006/relationships" xmlns:p="http://schemas.openxmlformats.org/presentationml/2006/main" type="blank" preserve="1">
   <p:cSld name="Blank Slide">
     <p:spTree>
       <p:nvGrpSpPr>
@@ -50,6 +145,7 @@
         <p:spPr/>
         <p:txBody>
           <a:bodyPr/>
+          <a:lstStyle/>
           <a:p>
             <a:r>
               <a:t>Footer</a:t>
@@ -70,10 +166,12 @@
         <p:spPr/>
         <p:txBody>
           <a:bodyPr/>
+          <a:lstStyle/>
           <a:p>
             <a:fld id="{DF2DC79C-50C9-404C-9DC6-1C44FFC4429C}" type="slidenum">
-              <a:t>&lt;#&gt;</a:t>
+              <a:t>‹Nº›</a:t>
             </a:fld>
+            <a:endParaRPr/>
           </a:p>
         </p:txBody>
       </p:sp>
@@ -90,21 +188,22 @@
         <p:spPr/>
         <p:txBody>
           <a:bodyPr/>
-          <a:p>
-            <a:r>
-              <a:rPr lang="es-CO"/>
-              <a:t/>
-            </a:r>
+          <a:lstStyle/>
+          <a:p>
+            <a:endParaRPr/>
           </a:p>
         </p:txBody>
       </p:sp>
     </p:spTree>
   </p:cSld>
+  <p:clrMapOvr>
+    <a:masterClrMapping/>
+  </p:clrMapOvr>
 </p:sldLayout>
 </file>
 
 <file path=ppt/slideLayouts/slideLayout10.xml><?xml version="1.0" encoding="utf-8"?>
-<p:sldLayout xmlns:a="http://schemas.openxmlformats.org/drawingml/2006/main" xmlns:p="http://schemas.openxmlformats.org/presentationml/2006/main" xmlns:r="http://schemas.openxmlformats.org/officeDocument/2006/relationships" xmlns:p14="http://schemas.microsoft.com/office/powerpoint/2010/main" xmlns:p15="http://schemas.microsoft.com/office/powerpoint/2012/main" xmlns:mc="http://schemas.openxmlformats.org/markup-compatibility/2006" type="objOverTx" preserve="1">
+<p:sldLayout xmlns:a="http://schemas.openxmlformats.org/drawingml/2006/main" xmlns:r="http://schemas.openxmlformats.org/officeDocument/2006/relationships" xmlns:p="http://schemas.openxmlformats.org/presentationml/2006/main" type="objOverTx" preserve="1">
   <p:cSld name="Title, Content over Content">
     <p:spTree>
       <p:nvGrpSpPr>
@@ -144,14 +243,15 @@
           </a:ln>
         </p:spPr>
         <p:txBody>
-          <a:bodyPr lIns="0" rIns="0" tIns="0" bIns="0" anchor="ctr">
+          <a:bodyPr lIns="0" tIns="0" rIns="0" bIns="0" anchor="ctr">
             <a:noAutofit/>
           </a:bodyPr>
+          <a:lstStyle/>
           <a:p>
             <a:pPr indent="0">
               <a:buNone/>
             </a:pPr>
-            <a:endParaRPr b="0" lang="es-CO" sz="1400" spc="-1" strike="noStrike">
+            <a:endParaRPr lang="es-CO" sz="1400" b="0" strike="noStrike" spc="-1">
               <a:solidFill>
                 <a:srgbClr val="000000"/>
               </a:solidFill>
@@ -184,9 +284,10 @@
           </a:ln>
         </p:spPr>
         <p:txBody>
-          <a:bodyPr lIns="0" rIns="0" tIns="0" bIns="0" anchor="t">
+          <a:bodyPr lIns="0" tIns="0" rIns="0" bIns="0" anchor="t">
             <a:normAutofit/>
           </a:bodyPr>
+          <a:lstStyle/>
           <a:p>
             <a:pPr indent="0">
               <a:spcBef>
@@ -194,7 +295,7 @@
               </a:spcBef>
               <a:buNone/>
             </a:pPr>
-            <a:endParaRPr b="0" lang="es-CO" sz="1400" spc="-1" strike="noStrike">
+            <a:endParaRPr lang="es-CO" sz="1400" b="0" strike="noStrike" spc="-1">
               <a:solidFill>
                 <a:srgbClr val="000000"/>
               </a:solidFill>
@@ -227,9 +328,10 @@
           </a:ln>
         </p:spPr>
         <p:txBody>
-          <a:bodyPr lIns="0" rIns="0" tIns="0" bIns="0" anchor="t">
+          <a:bodyPr lIns="0" tIns="0" rIns="0" bIns="0" anchor="t">
             <a:normAutofit/>
           </a:bodyPr>
+          <a:lstStyle/>
           <a:p>
             <a:pPr indent="0">
               <a:spcBef>
@@ -237,7 +339,7 @@
               </a:spcBef>
               <a:buNone/>
             </a:pPr>
-            <a:endParaRPr b="0" lang="es-CO" sz="1400" spc="-1" strike="noStrike">
+            <a:endParaRPr lang="es-CO" sz="1400" b="0" strike="noStrike" spc="-1">
               <a:solidFill>
                 <a:srgbClr val="000000"/>
               </a:solidFill>
@@ -259,6 +361,7 @@
         <p:spPr/>
         <p:txBody>
           <a:bodyPr/>
+          <a:lstStyle/>
           <a:p>
             <a:r>
               <a:t>Footer</a:t>
@@ -279,10 +382,12 @@
         <p:spPr/>
         <p:txBody>
           <a:bodyPr/>
+          <a:lstStyle/>
           <a:p>
             <a:fld id="{E64B3CA8-83D0-47B4-A5E9-F5D85A6EBB35}" type="slidenum">
-              <a:t>&lt;#&gt;</a:t>
+              <a:t>‹Nº›</a:t>
             </a:fld>
+            <a:endParaRPr/>
           </a:p>
         </p:txBody>
       </p:sp>
@@ -299,21 +404,22 @@
         <p:spPr/>
         <p:txBody>
           <a:bodyPr/>
-          <a:p>
-            <a:r>
-              <a:rPr lang="es-CO"/>
-              <a:t/>
-            </a:r>
+          <a:lstStyle/>
+          <a:p>
+            <a:endParaRPr/>
           </a:p>
         </p:txBody>
       </p:sp>
     </p:spTree>
   </p:cSld>
+  <p:clrMapOvr>
+    <a:masterClrMapping/>
+  </p:clrMapOvr>
 </p:sldLayout>
 </file>
 
 <file path=ppt/slideLayouts/slideLayout11.xml><?xml version="1.0" encoding="utf-8"?>
-<p:sldLayout xmlns:a="http://schemas.openxmlformats.org/drawingml/2006/main" xmlns:p="http://schemas.openxmlformats.org/presentationml/2006/main" xmlns:r="http://schemas.openxmlformats.org/officeDocument/2006/relationships" xmlns:p14="http://schemas.microsoft.com/office/powerpoint/2010/main" xmlns:p15="http://schemas.microsoft.com/office/powerpoint/2012/main" xmlns:mc="http://schemas.openxmlformats.org/markup-compatibility/2006" type="fourObj" preserve="1">
+<p:sldLayout xmlns:a="http://schemas.openxmlformats.org/drawingml/2006/main" xmlns:r="http://schemas.openxmlformats.org/officeDocument/2006/relationships" xmlns:p="http://schemas.openxmlformats.org/presentationml/2006/main" type="fourObj" preserve="1">
   <p:cSld name="Title, 4 Content">
     <p:spTree>
       <p:nvGrpSpPr>
@@ -353,14 +459,15 @@
           </a:ln>
         </p:spPr>
         <p:txBody>
-          <a:bodyPr lIns="0" rIns="0" tIns="0" bIns="0" anchor="ctr">
+          <a:bodyPr lIns="0" tIns="0" rIns="0" bIns="0" anchor="ctr">
             <a:noAutofit/>
           </a:bodyPr>
+          <a:lstStyle/>
           <a:p>
             <a:pPr indent="0">
               <a:buNone/>
             </a:pPr>
-            <a:endParaRPr b="0" lang="es-CO" sz="1400" spc="-1" strike="noStrike">
+            <a:endParaRPr lang="es-CO" sz="1400" b="0" strike="noStrike" spc="-1">
               <a:solidFill>
                 <a:srgbClr val="000000"/>
               </a:solidFill>
@@ -393,9 +500,10 @@
           </a:ln>
         </p:spPr>
         <p:txBody>
-          <a:bodyPr lIns="0" rIns="0" tIns="0" bIns="0" anchor="t">
+          <a:bodyPr lIns="0" tIns="0" rIns="0" bIns="0" anchor="t">
             <a:normAutofit/>
           </a:bodyPr>
+          <a:lstStyle/>
           <a:p>
             <a:pPr indent="0">
               <a:spcBef>
@@ -403,7 +511,7 @@
               </a:spcBef>
               <a:buNone/>
             </a:pPr>
-            <a:endParaRPr b="0" lang="es-CO" sz="1400" spc="-1" strike="noStrike">
+            <a:endParaRPr lang="es-CO" sz="1400" b="0" strike="noStrike" spc="-1">
               <a:solidFill>
                 <a:srgbClr val="000000"/>
               </a:solidFill>
@@ -436,9 +544,10 @@
           </a:ln>
         </p:spPr>
         <p:txBody>
-          <a:bodyPr lIns="0" rIns="0" tIns="0" bIns="0" anchor="t">
+          <a:bodyPr lIns="0" tIns="0" rIns="0" bIns="0" anchor="t">
             <a:normAutofit/>
           </a:bodyPr>
+          <a:lstStyle/>
           <a:p>
             <a:pPr indent="0">
               <a:spcBef>
@@ -446,7 +555,7 @@
               </a:spcBef>
               <a:buNone/>
             </a:pPr>
-            <a:endParaRPr b="0" lang="es-CO" sz="1400" spc="-1" strike="noStrike">
+            <a:endParaRPr lang="es-CO" sz="1400" b="0" strike="noStrike" spc="-1">
               <a:solidFill>
                 <a:srgbClr val="000000"/>
               </a:solidFill>
@@ -479,9 +588,10 @@
           </a:ln>
         </p:spPr>
         <p:txBody>
-          <a:bodyPr lIns="0" rIns="0" tIns="0" bIns="0" anchor="t">
+          <a:bodyPr lIns="0" tIns="0" rIns="0" bIns="0" anchor="t">
             <a:normAutofit/>
           </a:bodyPr>
+          <a:lstStyle/>
           <a:p>
             <a:pPr indent="0">
               <a:spcBef>
@@ -489,7 +599,7 @@
               </a:spcBef>
               <a:buNone/>
             </a:pPr>
-            <a:endParaRPr b="0" lang="es-CO" sz="1400" spc="-1" strike="noStrike">
+            <a:endParaRPr lang="es-CO" sz="1400" b="0" strike="noStrike" spc="-1">
               <a:solidFill>
                 <a:srgbClr val="000000"/>
               </a:solidFill>
@@ -522,9 +632,10 @@
           </a:ln>
         </p:spPr>
         <p:txBody>
-          <a:bodyPr lIns="0" rIns="0" tIns="0" bIns="0" anchor="t">
+          <a:bodyPr lIns="0" tIns="0" rIns="0" bIns="0" anchor="t">
             <a:normAutofit/>
           </a:bodyPr>
+          <a:lstStyle/>
           <a:p>
             <a:pPr indent="0">
               <a:spcBef>
@@ -532,7 +643,7 @@
               </a:spcBef>
               <a:buNone/>
             </a:pPr>
-            <a:endParaRPr b="0" lang="es-CO" sz="1400" spc="-1" strike="noStrike">
+            <a:endParaRPr lang="es-CO" sz="1400" b="0" strike="noStrike" spc="-1">
               <a:solidFill>
                 <a:srgbClr val="000000"/>
               </a:solidFill>
@@ -554,6 +665,7 @@
         <p:spPr/>
         <p:txBody>
           <a:bodyPr/>
+          <a:lstStyle/>
           <a:p>
             <a:r>
               <a:t>Footer</a:t>
@@ -574,10 +686,12 @@
         <p:spPr/>
         <p:txBody>
           <a:bodyPr/>
+          <a:lstStyle/>
           <a:p>
             <a:fld id="{6769DFDB-6D23-40DF-9718-983AD5D0E5C7}" type="slidenum">
-              <a:t>&lt;#&gt;</a:t>
+              <a:t>‹Nº›</a:t>
             </a:fld>
+            <a:endParaRPr/>
           </a:p>
         </p:txBody>
       </p:sp>
@@ -594,21 +708,22 @@
         <p:spPr/>
         <p:txBody>
           <a:bodyPr/>
-          <a:p>
-            <a:r>
-              <a:rPr lang="es-CO"/>
-              <a:t/>
-            </a:r>
+          <a:lstStyle/>
+          <a:p>
+            <a:endParaRPr/>
           </a:p>
         </p:txBody>
       </p:sp>
     </p:spTree>
   </p:cSld>
+  <p:clrMapOvr>
+    <a:masterClrMapping/>
+  </p:clrMapOvr>
 </p:sldLayout>
 </file>
 
 <file path=ppt/slideLayouts/slideLayout12.xml><?xml version="1.0" encoding="utf-8"?>
-<p:sldLayout xmlns:a="http://schemas.openxmlformats.org/drawingml/2006/main" xmlns:p="http://schemas.openxmlformats.org/presentationml/2006/main" xmlns:r="http://schemas.openxmlformats.org/officeDocument/2006/relationships" xmlns:p14="http://schemas.microsoft.com/office/powerpoint/2010/main" xmlns:p15="http://schemas.microsoft.com/office/powerpoint/2012/main" xmlns:mc="http://schemas.openxmlformats.org/markup-compatibility/2006" type="blank" preserve="1">
+<p:sldLayout xmlns:a="http://schemas.openxmlformats.org/drawingml/2006/main" xmlns:r="http://schemas.openxmlformats.org/officeDocument/2006/relationships" xmlns:p="http://schemas.openxmlformats.org/presentationml/2006/main" type="blank" preserve="1">
   <p:cSld name="Title, 6 Content">
     <p:spTree>
       <p:nvGrpSpPr>
@@ -648,14 +763,15 @@
           </a:ln>
         </p:spPr>
         <p:txBody>
-          <a:bodyPr lIns="0" rIns="0" tIns="0" bIns="0" anchor="ctr">
+          <a:bodyPr lIns="0" tIns="0" rIns="0" bIns="0" anchor="ctr">
             <a:noAutofit/>
           </a:bodyPr>
+          <a:lstStyle/>
           <a:p>
             <a:pPr indent="0">
               <a:buNone/>
             </a:pPr>
-            <a:endParaRPr b="0" lang="es-CO" sz="1400" spc="-1" strike="noStrike">
+            <a:endParaRPr lang="es-CO" sz="1400" b="0" strike="noStrike" spc="-1">
               <a:solidFill>
                 <a:srgbClr val="000000"/>
               </a:solidFill>
@@ -688,9 +804,10 @@
           </a:ln>
         </p:spPr>
         <p:txBody>
-          <a:bodyPr lIns="0" rIns="0" tIns="0" bIns="0" anchor="t">
+          <a:bodyPr lIns="0" tIns="0" rIns="0" bIns="0" anchor="t">
             <a:normAutofit/>
           </a:bodyPr>
+          <a:lstStyle/>
           <a:p>
             <a:pPr indent="0">
               <a:spcBef>
@@ -698,7 +815,7 @@
               </a:spcBef>
               <a:buNone/>
             </a:pPr>
-            <a:endParaRPr b="0" lang="es-CO" sz="1400" spc="-1" strike="noStrike">
+            <a:endParaRPr lang="es-CO" sz="1400" b="0" strike="noStrike" spc="-1">
               <a:solidFill>
                 <a:srgbClr val="000000"/>
               </a:solidFill>
@@ -731,9 +848,10 @@
           </a:ln>
         </p:spPr>
         <p:txBody>
-          <a:bodyPr lIns="0" rIns="0" tIns="0" bIns="0" anchor="t">
+          <a:bodyPr lIns="0" tIns="0" rIns="0" bIns="0" anchor="t">
             <a:normAutofit/>
           </a:bodyPr>
+          <a:lstStyle/>
           <a:p>
             <a:pPr indent="0">
               <a:spcBef>
@@ -741,7 +859,7 @@
               </a:spcBef>
               <a:buNone/>
             </a:pPr>
-            <a:endParaRPr b="0" lang="es-CO" sz="1400" spc="-1" strike="noStrike">
+            <a:endParaRPr lang="es-CO" sz="1400" b="0" strike="noStrike" spc="-1">
               <a:solidFill>
                 <a:srgbClr val="000000"/>
               </a:solidFill>
@@ -774,9 +892,10 @@
           </a:ln>
         </p:spPr>
         <p:txBody>
-          <a:bodyPr lIns="0" rIns="0" tIns="0" bIns="0" anchor="t">
+          <a:bodyPr lIns="0" tIns="0" rIns="0" bIns="0" anchor="t">
             <a:normAutofit/>
           </a:bodyPr>
+          <a:lstStyle/>
           <a:p>
             <a:pPr indent="0">
               <a:spcBef>
@@ -784,7 +903,7 @@
               </a:spcBef>
               <a:buNone/>
             </a:pPr>
-            <a:endParaRPr b="0" lang="es-CO" sz="1400" spc="-1" strike="noStrike">
+            <a:endParaRPr lang="es-CO" sz="1400" b="0" strike="noStrike" spc="-1">
               <a:solidFill>
                 <a:srgbClr val="000000"/>
               </a:solidFill>
@@ -817,9 +936,10 @@
           </a:ln>
         </p:spPr>
         <p:txBody>
-          <a:bodyPr lIns="0" rIns="0" tIns="0" bIns="0" anchor="t">
+          <a:bodyPr lIns="0" tIns="0" rIns="0" bIns="0" anchor="t">
             <a:normAutofit/>
           </a:bodyPr>
+          <a:lstStyle/>
           <a:p>
             <a:pPr indent="0">
               <a:spcBef>
@@ -827,7 +947,7 @@
               </a:spcBef>
               <a:buNone/>
             </a:pPr>
-            <a:endParaRPr b="0" lang="es-CO" sz="1400" spc="-1" strike="noStrike">
+            <a:endParaRPr lang="es-CO" sz="1400" b="0" strike="noStrike" spc="-1">
               <a:solidFill>
                 <a:srgbClr val="000000"/>
               </a:solidFill>
@@ -860,9 +980,10 @@
           </a:ln>
         </p:spPr>
         <p:txBody>
-          <a:bodyPr lIns="0" rIns="0" tIns="0" bIns="0" anchor="t">
+          <a:bodyPr lIns="0" tIns="0" rIns="0" bIns="0" anchor="t">
             <a:normAutofit/>
           </a:bodyPr>
+          <a:lstStyle/>
           <a:p>
             <a:pPr indent="0">
               <a:spcBef>
@@ -870,7 +991,7 @@
               </a:spcBef>
               <a:buNone/>
             </a:pPr>
-            <a:endParaRPr b="0" lang="es-CO" sz="1400" spc="-1" strike="noStrike">
+            <a:endParaRPr lang="es-CO" sz="1400" b="0" strike="noStrike" spc="-1">
               <a:solidFill>
                 <a:srgbClr val="000000"/>
               </a:solidFill>
@@ -903,9 +1024,10 @@
           </a:ln>
         </p:spPr>
         <p:txBody>
-          <a:bodyPr lIns="0" rIns="0" tIns="0" bIns="0" anchor="t">
+          <a:bodyPr lIns="0" tIns="0" rIns="0" bIns="0" anchor="t">
             <a:normAutofit/>
           </a:bodyPr>
+          <a:lstStyle/>
           <a:p>
             <a:pPr indent="0">
               <a:spcBef>
@@ -913,7 +1035,7 @@
               </a:spcBef>
               <a:buNone/>
             </a:pPr>
-            <a:endParaRPr b="0" lang="es-CO" sz="1400" spc="-1" strike="noStrike">
+            <a:endParaRPr lang="es-CO" sz="1400" b="0" strike="noStrike" spc="-1">
               <a:solidFill>
                 <a:srgbClr val="000000"/>
               </a:solidFill>
@@ -935,6 +1057,7 @@
         <p:spPr/>
         <p:txBody>
           <a:bodyPr/>
+          <a:lstStyle/>
           <a:p>
             <a:r>
               <a:t>Footer</a:t>
@@ -955,10 +1078,12 @@
         <p:spPr/>
         <p:txBody>
           <a:bodyPr/>
+          <a:lstStyle/>
           <a:p>
             <a:fld id="{E93F1FFC-13CE-4435-91A7-BE9BC7EFBEAB}" type="slidenum">
-              <a:t>&lt;#&gt;</a:t>
+              <a:t>‹Nº›</a:t>
             </a:fld>
+            <a:endParaRPr/>
           </a:p>
         </p:txBody>
       </p:sp>
@@ -975,21 +1100,22 @@
         <p:spPr/>
         <p:txBody>
           <a:bodyPr/>
-          <a:p>
-            <a:r>
-              <a:rPr lang="es-CO"/>
-              <a:t/>
-            </a:r>
+          <a:lstStyle/>
+          <a:p>
+            <a:endParaRPr/>
           </a:p>
         </p:txBody>
       </p:sp>
     </p:spTree>
   </p:cSld>
+  <p:clrMapOvr>
+    <a:masterClrMapping/>
+  </p:clrMapOvr>
 </p:sldLayout>
 </file>
 
 <file path=ppt/slideLayouts/slideLayout2.xml><?xml version="1.0" encoding="utf-8"?>
-<p:sldLayout xmlns:a="http://schemas.openxmlformats.org/drawingml/2006/main" xmlns:p="http://schemas.openxmlformats.org/presentationml/2006/main" xmlns:r="http://schemas.openxmlformats.org/officeDocument/2006/relationships" xmlns:p14="http://schemas.microsoft.com/office/powerpoint/2010/main" xmlns:p15="http://schemas.microsoft.com/office/powerpoint/2012/main" xmlns:mc="http://schemas.openxmlformats.org/markup-compatibility/2006" type="tx" preserve="1">
+<p:sldLayout xmlns:a="http://schemas.openxmlformats.org/drawingml/2006/main" xmlns:r="http://schemas.openxmlformats.org/officeDocument/2006/relationships" xmlns:p="http://schemas.openxmlformats.org/presentationml/2006/main" type="tx" preserve="1">
   <p:cSld name="Title Slide">
     <p:spTree>
       <p:nvGrpSpPr>
@@ -1029,14 +1155,15 @@
           </a:ln>
         </p:spPr>
         <p:txBody>
-          <a:bodyPr lIns="0" rIns="0" tIns="0" bIns="0" anchor="ctr">
+          <a:bodyPr lIns="0" tIns="0" rIns="0" bIns="0" anchor="ctr">
             <a:noAutofit/>
           </a:bodyPr>
+          <a:lstStyle/>
           <a:p>
             <a:pPr indent="0">
               <a:buNone/>
             </a:pPr>
-            <a:endParaRPr b="0" lang="es-CO" sz="1400" spc="-1" strike="noStrike">
+            <a:endParaRPr lang="es-CO" sz="1400" b="0" strike="noStrike" spc="-1">
               <a:solidFill>
                 <a:srgbClr val="000000"/>
               </a:solidFill>
@@ -1069,14 +1196,15 @@
           </a:ln>
         </p:spPr>
         <p:txBody>
-          <a:bodyPr lIns="0" rIns="0" tIns="0" bIns="0" anchor="ctr">
+          <a:bodyPr lIns="0" tIns="0" rIns="0" bIns="0" anchor="ctr">
             <a:noAutofit/>
           </a:bodyPr>
+          <a:lstStyle/>
           <a:p>
             <a:pPr indent="0" algn="ctr">
               <a:buNone/>
             </a:pPr>
-            <a:endParaRPr b="0" lang="es-CO" sz="3200" spc="-1" strike="noStrike">
+            <a:endParaRPr lang="es-CO" sz="3200" b="0" strike="noStrike" spc="-1">
               <a:solidFill>
                 <a:srgbClr val="000000"/>
               </a:solidFill>
@@ -1098,6 +1226,7 @@
         <p:spPr/>
         <p:txBody>
           <a:bodyPr/>
+          <a:lstStyle/>
           <a:p>
             <a:r>
               <a:t>Footer</a:t>
@@ -1107,7 +1236,7 @@
       </p:sp>
       <p:sp>
         <p:nvSpPr>
-          <p:cNvPr id="5" name="PlaceHolder 4"/>
+          <p:cNvPr id="2" name="PlaceHolder 4"/>
           <p:cNvSpPr>
             <a:spLocks noGrp="1"/>
           </p:cNvSpPr>
@@ -1118,16 +1247,18 @@
         <p:spPr/>
         <p:txBody>
           <a:bodyPr/>
+          <a:lstStyle/>
           <a:p>
             <a:fld id="{023CA3B7-D02B-4E07-910A-C467D62D40F6}" type="slidenum">
-              <a:t>&lt;#&gt;</a:t>
+              <a:t>‹Nº›</a:t>
             </a:fld>
-          </a:p>
-        </p:txBody>
-      </p:sp>
-      <p:sp>
-        <p:nvSpPr>
-          <p:cNvPr id="6" name="PlaceHolder 5"/>
+            <a:endParaRPr/>
+          </a:p>
+        </p:txBody>
+      </p:sp>
+      <p:sp>
+        <p:nvSpPr>
+          <p:cNvPr id="3" name="PlaceHolder 5"/>
           <p:cNvSpPr>
             <a:spLocks noGrp="1"/>
           </p:cNvSpPr>
@@ -1138,21 +1269,22 @@
         <p:spPr/>
         <p:txBody>
           <a:bodyPr/>
-          <a:p>
-            <a:r>
-              <a:rPr lang="es-CO"/>
-              <a:t/>
-            </a:r>
+          <a:lstStyle/>
+          <a:p>
+            <a:endParaRPr/>
           </a:p>
         </p:txBody>
       </p:sp>
     </p:spTree>
   </p:cSld>
+  <p:clrMapOvr>
+    <a:masterClrMapping/>
+  </p:clrMapOvr>
 </p:sldLayout>
 </file>
 
 <file path=ppt/slideLayouts/slideLayout3.xml><?xml version="1.0" encoding="utf-8"?>
-<p:sldLayout xmlns:a="http://schemas.openxmlformats.org/drawingml/2006/main" xmlns:p="http://schemas.openxmlformats.org/presentationml/2006/main" xmlns:r="http://schemas.openxmlformats.org/officeDocument/2006/relationships" xmlns:p14="http://schemas.microsoft.com/office/powerpoint/2010/main" xmlns:p15="http://schemas.microsoft.com/office/powerpoint/2012/main" xmlns:mc="http://schemas.openxmlformats.org/markup-compatibility/2006" type="obj" preserve="1">
+<p:sldLayout xmlns:a="http://schemas.openxmlformats.org/drawingml/2006/main" xmlns:r="http://schemas.openxmlformats.org/officeDocument/2006/relationships" xmlns:p="http://schemas.openxmlformats.org/presentationml/2006/main" type="obj" preserve="1">
   <p:cSld name="Title, Content">
     <p:spTree>
       <p:nvGrpSpPr>
@@ -1192,14 +1324,15 @@
           </a:ln>
         </p:spPr>
         <p:txBody>
-          <a:bodyPr lIns="0" rIns="0" tIns="0" bIns="0" anchor="ctr">
+          <a:bodyPr lIns="0" tIns="0" rIns="0" bIns="0" anchor="ctr">
             <a:noAutofit/>
           </a:bodyPr>
+          <a:lstStyle/>
           <a:p>
             <a:pPr indent="0">
               <a:buNone/>
             </a:pPr>
-            <a:endParaRPr b="0" lang="es-CO" sz="1400" spc="-1" strike="noStrike">
+            <a:endParaRPr lang="es-CO" sz="1400" b="0" strike="noStrike" spc="-1">
               <a:solidFill>
                 <a:srgbClr val="000000"/>
               </a:solidFill>
@@ -1232,9 +1365,10 @@
           </a:ln>
         </p:spPr>
         <p:txBody>
-          <a:bodyPr lIns="0" rIns="0" tIns="0" bIns="0" anchor="t">
+          <a:bodyPr lIns="0" tIns="0" rIns="0" bIns="0" anchor="t">
             <a:normAutofit/>
           </a:bodyPr>
+          <a:lstStyle/>
           <a:p>
             <a:pPr indent="0">
               <a:spcBef>
@@ -1242,7 +1376,7 @@
               </a:spcBef>
               <a:buNone/>
             </a:pPr>
-            <a:endParaRPr b="0" lang="es-CO" sz="1400" spc="-1" strike="noStrike">
+            <a:endParaRPr lang="es-CO" sz="1400" b="0" strike="noStrike" spc="-1">
               <a:solidFill>
                 <a:srgbClr val="000000"/>
               </a:solidFill>
@@ -1264,6 +1398,7 @@
         <p:spPr/>
         <p:txBody>
           <a:bodyPr/>
+          <a:lstStyle/>
           <a:p>
             <a:r>
               <a:t>Footer</a:t>
@@ -1284,10 +1419,12 @@
         <p:spPr/>
         <p:txBody>
           <a:bodyPr/>
+          <a:lstStyle/>
           <a:p>
             <a:fld id="{FF29502E-0850-4732-9825-D8BF34FC0C9F}" type="slidenum">
-              <a:t>&lt;#&gt;</a:t>
+              <a:t>‹Nº›</a:t>
             </a:fld>
+            <a:endParaRPr/>
           </a:p>
         </p:txBody>
       </p:sp>
@@ -1304,21 +1441,22 @@
         <p:spPr/>
         <p:txBody>
           <a:bodyPr/>
-          <a:p>
-            <a:r>
-              <a:rPr lang="es-CO"/>
-              <a:t/>
-            </a:r>
+          <a:lstStyle/>
+          <a:p>
+            <a:endParaRPr/>
           </a:p>
         </p:txBody>
       </p:sp>
     </p:spTree>
   </p:cSld>
+  <p:clrMapOvr>
+    <a:masterClrMapping/>
+  </p:clrMapOvr>
 </p:sldLayout>
 </file>
 
 <file path=ppt/slideLayouts/slideLayout4.xml><?xml version="1.0" encoding="utf-8"?>
-<p:sldLayout xmlns:a="http://schemas.openxmlformats.org/drawingml/2006/main" xmlns:p="http://schemas.openxmlformats.org/presentationml/2006/main" xmlns:r="http://schemas.openxmlformats.org/officeDocument/2006/relationships" xmlns:p14="http://schemas.microsoft.com/office/powerpoint/2010/main" xmlns:p15="http://schemas.microsoft.com/office/powerpoint/2012/main" xmlns:mc="http://schemas.openxmlformats.org/markup-compatibility/2006" type="twoObj" preserve="1">
+<p:sldLayout xmlns:a="http://schemas.openxmlformats.org/drawingml/2006/main" xmlns:r="http://schemas.openxmlformats.org/officeDocument/2006/relationships" xmlns:p="http://schemas.openxmlformats.org/presentationml/2006/main" type="twoObj" preserve="1">
   <p:cSld name="Title, 2 Content">
     <p:spTree>
       <p:nvGrpSpPr>
@@ -1358,14 +1496,15 @@
           </a:ln>
         </p:spPr>
         <p:txBody>
-          <a:bodyPr lIns="0" rIns="0" tIns="0" bIns="0" anchor="ctr">
+          <a:bodyPr lIns="0" tIns="0" rIns="0" bIns="0" anchor="ctr">
             <a:noAutofit/>
           </a:bodyPr>
+          <a:lstStyle/>
           <a:p>
             <a:pPr indent="0">
               <a:buNone/>
             </a:pPr>
-            <a:endParaRPr b="0" lang="es-CO" sz="1400" spc="-1" strike="noStrike">
+            <a:endParaRPr lang="es-CO" sz="1400" b="0" strike="noStrike" spc="-1">
               <a:solidFill>
                 <a:srgbClr val="000000"/>
               </a:solidFill>
@@ -1398,9 +1537,10 @@
           </a:ln>
         </p:spPr>
         <p:txBody>
-          <a:bodyPr lIns="0" rIns="0" tIns="0" bIns="0" anchor="t">
+          <a:bodyPr lIns="0" tIns="0" rIns="0" bIns="0" anchor="t">
             <a:normAutofit/>
           </a:bodyPr>
+          <a:lstStyle/>
           <a:p>
             <a:pPr indent="0">
               <a:spcBef>
@@ -1408,7 +1548,7 @@
               </a:spcBef>
               <a:buNone/>
             </a:pPr>
-            <a:endParaRPr b="0" lang="es-CO" sz="1400" spc="-1" strike="noStrike">
+            <a:endParaRPr lang="es-CO" sz="1400" b="0" strike="noStrike" spc="-1">
               <a:solidFill>
                 <a:srgbClr val="000000"/>
               </a:solidFill>
@@ -1441,9 +1581,10 @@
           </a:ln>
         </p:spPr>
         <p:txBody>
-          <a:bodyPr lIns="0" rIns="0" tIns="0" bIns="0" anchor="t">
+          <a:bodyPr lIns="0" tIns="0" rIns="0" bIns="0" anchor="t">
             <a:normAutofit/>
           </a:bodyPr>
+          <a:lstStyle/>
           <a:p>
             <a:pPr indent="0">
               <a:spcBef>
@@ -1451,7 +1592,7 @@
               </a:spcBef>
               <a:buNone/>
             </a:pPr>
-            <a:endParaRPr b="0" lang="es-CO" sz="1400" spc="-1" strike="noStrike">
+            <a:endParaRPr lang="es-CO" sz="1400" b="0" strike="noStrike" spc="-1">
               <a:solidFill>
                 <a:srgbClr val="000000"/>
               </a:solidFill>
@@ -1473,6 +1614,7 @@
         <p:spPr/>
         <p:txBody>
           <a:bodyPr/>
+          <a:lstStyle/>
           <a:p>
             <a:r>
               <a:t>Footer</a:t>
@@ -1493,10 +1635,12 @@
         <p:spPr/>
         <p:txBody>
           <a:bodyPr/>
+          <a:lstStyle/>
           <a:p>
             <a:fld id="{3733333D-7575-420E-85AD-D2185805204B}" type="slidenum">
-              <a:t>&lt;#&gt;</a:t>
+              <a:t>‹Nº›</a:t>
             </a:fld>
+            <a:endParaRPr/>
           </a:p>
         </p:txBody>
       </p:sp>
@@ -1513,21 +1657,22 @@
         <p:spPr/>
         <p:txBody>
           <a:bodyPr/>
-          <a:p>
-            <a:r>
-              <a:rPr lang="es-CO"/>
-              <a:t/>
-            </a:r>
+          <a:lstStyle/>
+          <a:p>
+            <a:endParaRPr/>
           </a:p>
         </p:txBody>
       </p:sp>
     </p:spTree>
   </p:cSld>
+  <p:clrMapOvr>
+    <a:masterClrMapping/>
+  </p:clrMapOvr>
 </p:sldLayout>
 </file>
 
 <file path=ppt/slideLayouts/slideLayout5.xml><?xml version="1.0" encoding="utf-8"?>
-<p:sldLayout xmlns:a="http://schemas.openxmlformats.org/drawingml/2006/main" xmlns:p="http://schemas.openxmlformats.org/presentationml/2006/main" xmlns:r="http://schemas.openxmlformats.org/officeDocument/2006/relationships" xmlns:p14="http://schemas.microsoft.com/office/powerpoint/2010/main" xmlns:p15="http://schemas.microsoft.com/office/powerpoint/2012/main" xmlns:mc="http://schemas.openxmlformats.org/markup-compatibility/2006" type="titleOnly" preserve="1">
+<p:sldLayout xmlns:a="http://schemas.openxmlformats.org/drawingml/2006/main" xmlns:r="http://schemas.openxmlformats.org/officeDocument/2006/relationships" xmlns:p="http://schemas.openxmlformats.org/presentationml/2006/main" type="titleOnly" preserve="1">
   <p:cSld name="Title Only">
     <p:spTree>
       <p:nvGrpSpPr>
@@ -1567,14 +1712,15 @@
           </a:ln>
         </p:spPr>
         <p:txBody>
-          <a:bodyPr lIns="0" rIns="0" tIns="0" bIns="0" anchor="ctr">
+          <a:bodyPr lIns="0" tIns="0" rIns="0" bIns="0" anchor="ctr">
             <a:noAutofit/>
           </a:bodyPr>
+          <a:lstStyle/>
           <a:p>
             <a:pPr indent="0">
               <a:buNone/>
             </a:pPr>
-            <a:endParaRPr b="0" lang="es-CO" sz="1400" spc="-1" strike="noStrike">
+            <a:endParaRPr lang="es-CO" sz="1400" b="0" strike="noStrike" spc="-1">
               <a:solidFill>
                 <a:srgbClr val="000000"/>
               </a:solidFill>
@@ -1596,6 +1742,7 @@
         <p:spPr/>
         <p:txBody>
           <a:bodyPr/>
+          <a:lstStyle/>
           <a:p>
             <a:r>
               <a:t>Footer</a:t>
@@ -1616,10 +1763,12 @@
         <p:spPr/>
         <p:txBody>
           <a:bodyPr/>
+          <a:lstStyle/>
           <a:p>
             <a:fld id="{86F0A9A7-2B1B-4107-91F1-426A09C76EF4}" type="slidenum">
-              <a:t>&lt;#&gt;</a:t>
+              <a:t>‹Nº›</a:t>
             </a:fld>
+            <a:endParaRPr/>
           </a:p>
         </p:txBody>
       </p:sp>
@@ -1636,21 +1785,22 @@
         <p:spPr/>
         <p:txBody>
           <a:bodyPr/>
-          <a:p>
-            <a:r>
-              <a:rPr lang="es-CO"/>
-              <a:t/>
-            </a:r>
+          <a:lstStyle/>
+          <a:p>
+            <a:endParaRPr/>
           </a:p>
         </p:txBody>
       </p:sp>
     </p:spTree>
   </p:cSld>
+  <p:clrMapOvr>
+    <a:masterClrMapping/>
+  </p:clrMapOvr>
 </p:sldLayout>
 </file>
 
 <file path=ppt/slideLayouts/slideLayout6.xml><?xml version="1.0" encoding="utf-8"?>
-<p:sldLayout xmlns:a="http://schemas.openxmlformats.org/drawingml/2006/main" xmlns:p="http://schemas.openxmlformats.org/presentationml/2006/main" xmlns:r="http://schemas.openxmlformats.org/officeDocument/2006/relationships" xmlns:p14="http://schemas.microsoft.com/office/powerpoint/2010/main" xmlns:p15="http://schemas.microsoft.com/office/powerpoint/2012/main" xmlns:mc="http://schemas.openxmlformats.org/markup-compatibility/2006" type="objOnly" preserve="1">
+<p:sldLayout xmlns:a="http://schemas.openxmlformats.org/drawingml/2006/main" xmlns:r="http://schemas.openxmlformats.org/officeDocument/2006/relationships" xmlns:p="http://schemas.openxmlformats.org/presentationml/2006/main" type="objOnly" preserve="1">
   <p:cSld name="Centered Text">
     <p:spTree>
       <p:nvGrpSpPr>
@@ -1690,12 +1840,13 @@
           </a:ln>
         </p:spPr>
         <p:txBody>
-          <a:bodyPr lIns="0" rIns="0" tIns="0" bIns="0" anchor="ctr">
+          <a:bodyPr lIns="0" tIns="0" rIns="0" bIns="0" anchor="ctr">
             <a:noAutofit/>
           </a:bodyPr>
+          <a:lstStyle/>
           <a:p>
             <a:pPr algn="ctr"/>
-            <a:endParaRPr b="0" lang="es-CO" sz="3200" spc="-1" strike="noStrike">
+            <a:endParaRPr lang="es-CO" sz="3200" b="0" strike="noStrike" spc="-1">
               <a:solidFill>
                 <a:srgbClr val="000000"/>
               </a:solidFill>
@@ -1717,6 +1868,7 @@
         <p:spPr/>
         <p:txBody>
           <a:bodyPr/>
+          <a:lstStyle/>
           <a:p>
             <a:r>
               <a:t>Footer</a:t>
@@ -1737,10 +1889,12 @@
         <p:spPr/>
         <p:txBody>
           <a:bodyPr/>
+          <a:lstStyle/>
           <a:p>
             <a:fld id="{0E069980-877F-4C95-8F56-9937CF4F24A2}" type="slidenum">
-              <a:t>&lt;#&gt;</a:t>
+              <a:t>‹Nº›</a:t>
             </a:fld>
+            <a:endParaRPr/>
           </a:p>
         </p:txBody>
       </p:sp>
@@ -1757,21 +1911,22 @@
         <p:spPr/>
         <p:txBody>
           <a:bodyPr/>
-          <a:p>
-            <a:r>
-              <a:rPr lang="es-CO"/>
-              <a:t/>
-            </a:r>
+          <a:lstStyle/>
+          <a:p>
+            <a:endParaRPr/>
           </a:p>
         </p:txBody>
       </p:sp>
     </p:spTree>
   </p:cSld>
+  <p:clrMapOvr>
+    <a:masterClrMapping/>
+  </p:clrMapOvr>
 </p:sldLayout>
 </file>
 
 <file path=ppt/slideLayouts/slideLayout7.xml><?xml version="1.0" encoding="utf-8"?>
-<p:sldLayout xmlns:a="http://schemas.openxmlformats.org/drawingml/2006/main" xmlns:p="http://schemas.openxmlformats.org/presentationml/2006/main" xmlns:r="http://schemas.openxmlformats.org/officeDocument/2006/relationships" xmlns:p14="http://schemas.microsoft.com/office/powerpoint/2010/main" xmlns:p15="http://schemas.microsoft.com/office/powerpoint/2012/main" xmlns:mc="http://schemas.openxmlformats.org/markup-compatibility/2006" type="twoObjAndObj" preserve="1">
+<p:sldLayout xmlns:a="http://schemas.openxmlformats.org/drawingml/2006/main" xmlns:r="http://schemas.openxmlformats.org/officeDocument/2006/relationships" xmlns:p="http://schemas.openxmlformats.org/presentationml/2006/main" type="twoObjAndObj" preserve="1">
   <p:cSld name="Title, 2 Content and Content">
     <p:spTree>
       <p:nvGrpSpPr>
@@ -1811,14 +1966,15 @@
           </a:ln>
         </p:spPr>
         <p:txBody>
-          <a:bodyPr lIns="0" rIns="0" tIns="0" bIns="0" anchor="ctr">
+          <a:bodyPr lIns="0" tIns="0" rIns="0" bIns="0" anchor="ctr">
             <a:noAutofit/>
           </a:bodyPr>
+          <a:lstStyle/>
           <a:p>
             <a:pPr indent="0">
               <a:buNone/>
             </a:pPr>
-            <a:endParaRPr b="0" lang="es-CO" sz="1400" spc="-1" strike="noStrike">
+            <a:endParaRPr lang="es-CO" sz="1400" b="0" strike="noStrike" spc="-1">
               <a:solidFill>
                 <a:srgbClr val="000000"/>
               </a:solidFill>
@@ -1851,9 +2007,10 @@
           </a:ln>
         </p:spPr>
         <p:txBody>
-          <a:bodyPr lIns="0" rIns="0" tIns="0" bIns="0" anchor="t">
+          <a:bodyPr lIns="0" tIns="0" rIns="0" bIns="0" anchor="t">
             <a:normAutofit/>
           </a:bodyPr>
+          <a:lstStyle/>
           <a:p>
             <a:pPr indent="0">
               <a:spcBef>
@@ -1861,7 +2018,7 @@
               </a:spcBef>
               <a:buNone/>
             </a:pPr>
-            <a:endParaRPr b="0" lang="es-CO" sz="1400" spc="-1" strike="noStrike">
+            <a:endParaRPr lang="es-CO" sz="1400" b="0" strike="noStrike" spc="-1">
               <a:solidFill>
                 <a:srgbClr val="000000"/>
               </a:solidFill>
@@ -1894,9 +2051,10 @@
           </a:ln>
         </p:spPr>
         <p:txBody>
-          <a:bodyPr lIns="0" rIns="0" tIns="0" bIns="0" anchor="t">
+          <a:bodyPr lIns="0" tIns="0" rIns="0" bIns="0" anchor="t">
             <a:normAutofit/>
           </a:bodyPr>
+          <a:lstStyle/>
           <a:p>
             <a:pPr indent="0">
               <a:spcBef>
@@ -1904,7 +2062,7 @@
               </a:spcBef>
               <a:buNone/>
             </a:pPr>
-            <a:endParaRPr b="0" lang="es-CO" sz="1400" spc="-1" strike="noStrike">
+            <a:endParaRPr lang="es-CO" sz="1400" b="0" strike="noStrike" spc="-1">
               <a:solidFill>
                 <a:srgbClr val="000000"/>
               </a:solidFill>
@@ -1937,9 +2095,10 @@
           </a:ln>
         </p:spPr>
         <p:txBody>
-          <a:bodyPr lIns="0" rIns="0" tIns="0" bIns="0" anchor="t">
+          <a:bodyPr lIns="0" tIns="0" rIns="0" bIns="0" anchor="t">
             <a:normAutofit/>
           </a:bodyPr>
+          <a:lstStyle/>
           <a:p>
             <a:pPr indent="0">
               <a:spcBef>
@@ -1947,7 +2106,7 @@
               </a:spcBef>
               <a:buNone/>
             </a:pPr>
-            <a:endParaRPr b="0" lang="es-CO" sz="1400" spc="-1" strike="noStrike">
+            <a:endParaRPr lang="es-CO" sz="1400" b="0" strike="noStrike" spc="-1">
               <a:solidFill>
                 <a:srgbClr val="000000"/>
               </a:solidFill>
@@ -1969,6 +2128,7 @@
         <p:spPr/>
         <p:txBody>
           <a:bodyPr/>
+          <a:lstStyle/>
           <a:p>
             <a:r>
               <a:t>Footer</a:t>
@@ -1989,10 +2149,12 @@
         <p:spPr/>
         <p:txBody>
           <a:bodyPr/>
+          <a:lstStyle/>
           <a:p>
             <a:fld id="{69E61B9A-99C5-4AE8-84B0-C065817032CF}" type="slidenum">
-              <a:t>&lt;#&gt;</a:t>
+              <a:t>‹Nº›</a:t>
             </a:fld>
+            <a:endParaRPr/>
           </a:p>
         </p:txBody>
       </p:sp>
@@ -2009,21 +2171,22 @@
         <p:spPr/>
         <p:txBody>
           <a:bodyPr/>
-          <a:p>
-            <a:r>
-              <a:rPr lang="es-CO"/>
-              <a:t/>
-            </a:r>
+          <a:lstStyle/>
+          <a:p>
+            <a:endParaRPr/>
           </a:p>
         </p:txBody>
       </p:sp>
     </p:spTree>
   </p:cSld>
+  <p:clrMapOvr>
+    <a:masterClrMapping/>
+  </p:clrMapOvr>
 </p:sldLayout>
 </file>
 
 <file path=ppt/slideLayouts/slideLayout8.xml><?xml version="1.0" encoding="utf-8"?>
-<p:sldLayout xmlns:a="http://schemas.openxmlformats.org/drawingml/2006/main" xmlns:p="http://schemas.openxmlformats.org/presentationml/2006/main" xmlns:r="http://schemas.openxmlformats.org/officeDocument/2006/relationships" xmlns:p14="http://schemas.microsoft.com/office/powerpoint/2010/main" xmlns:p15="http://schemas.microsoft.com/office/powerpoint/2012/main" xmlns:mc="http://schemas.openxmlformats.org/markup-compatibility/2006" type="objAndTwoObj" preserve="1">
+<p:sldLayout xmlns:a="http://schemas.openxmlformats.org/drawingml/2006/main" xmlns:r="http://schemas.openxmlformats.org/officeDocument/2006/relationships" xmlns:p="http://schemas.openxmlformats.org/presentationml/2006/main" type="objAndTwoObj" preserve="1">
   <p:cSld name="Title Content and 2 Content">
     <p:spTree>
       <p:nvGrpSpPr>
@@ -2063,14 +2226,15 @@
           </a:ln>
         </p:spPr>
         <p:txBody>
-          <a:bodyPr lIns="0" rIns="0" tIns="0" bIns="0" anchor="ctr">
+          <a:bodyPr lIns="0" tIns="0" rIns="0" bIns="0" anchor="ctr">
             <a:noAutofit/>
           </a:bodyPr>
+          <a:lstStyle/>
           <a:p>
             <a:pPr indent="0">
               <a:buNone/>
             </a:pPr>
-            <a:endParaRPr b="0" lang="es-CO" sz="1400" spc="-1" strike="noStrike">
+            <a:endParaRPr lang="es-CO" sz="1400" b="0" strike="noStrike" spc="-1">
               <a:solidFill>
                 <a:srgbClr val="000000"/>
               </a:solidFill>
@@ -2103,9 +2267,10 @@
           </a:ln>
         </p:spPr>
         <p:txBody>
-          <a:bodyPr lIns="0" rIns="0" tIns="0" bIns="0" anchor="t">
+          <a:bodyPr lIns="0" tIns="0" rIns="0" bIns="0" anchor="t">
             <a:normAutofit/>
           </a:bodyPr>
+          <a:lstStyle/>
           <a:p>
             <a:pPr indent="0">
               <a:spcBef>
@@ -2113,7 +2278,7 @@
               </a:spcBef>
               <a:buNone/>
             </a:pPr>
-            <a:endParaRPr b="0" lang="es-CO" sz="1400" spc="-1" strike="noStrike">
+            <a:endParaRPr lang="es-CO" sz="1400" b="0" strike="noStrike" spc="-1">
               <a:solidFill>
                 <a:srgbClr val="000000"/>
               </a:solidFill>
@@ -2146,9 +2311,10 @@
           </a:ln>
         </p:spPr>
         <p:txBody>
-          <a:bodyPr lIns="0" rIns="0" tIns="0" bIns="0" anchor="t">
+          <a:bodyPr lIns="0" tIns="0" rIns="0" bIns="0" anchor="t">
             <a:normAutofit/>
           </a:bodyPr>
+          <a:lstStyle/>
           <a:p>
             <a:pPr indent="0">
               <a:spcBef>
@@ -2156,7 +2322,7 @@
               </a:spcBef>
               <a:buNone/>
             </a:pPr>
-            <a:endParaRPr b="0" lang="es-CO" sz="1400" spc="-1" strike="noStrike">
+            <a:endParaRPr lang="es-CO" sz="1400" b="0" strike="noStrike" spc="-1">
               <a:solidFill>
                 <a:srgbClr val="000000"/>
               </a:solidFill>
@@ -2189,9 +2355,10 @@
           </a:ln>
         </p:spPr>
         <p:txBody>
-          <a:bodyPr lIns="0" rIns="0" tIns="0" bIns="0" anchor="t">
+          <a:bodyPr lIns="0" tIns="0" rIns="0" bIns="0" anchor="t">
             <a:normAutofit/>
           </a:bodyPr>
+          <a:lstStyle/>
           <a:p>
             <a:pPr indent="0">
               <a:spcBef>
@@ -2199,7 +2366,7 @@
               </a:spcBef>
               <a:buNone/>
             </a:pPr>
-            <a:endParaRPr b="0" lang="es-CO" sz="1400" spc="-1" strike="noStrike">
+            <a:endParaRPr lang="es-CO" sz="1400" b="0" strike="noStrike" spc="-1">
               <a:solidFill>
                 <a:srgbClr val="000000"/>
               </a:solidFill>
@@ -2221,6 +2388,7 @@
         <p:spPr/>
         <p:txBody>
           <a:bodyPr/>
+          <a:lstStyle/>
           <a:p>
             <a:r>
               <a:t>Footer</a:t>
@@ -2241,10 +2409,12 @@
         <p:spPr/>
         <p:txBody>
           <a:bodyPr/>
+          <a:lstStyle/>
           <a:p>
             <a:fld id="{5CCA55D5-A79B-4076-A13C-AE59AE7DCF5E}" type="slidenum">
-              <a:t>&lt;#&gt;</a:t>
+              <a:t>‹Nº›</a:t>
             </a:fld>
+            <a:endParaRPr/>
           </a:p>
         </p:txBody>
       </p:sp>
@@ -2261,21 +2431,22 @@
         <p:spPr/>
         <p:txBody>
           <a:bodyPr/>
-          <a:p>
-            <a:r>
-              <a:rPr lang="es-CO"/>
-              <a:t/>
-            </a:r>
+          <a:lstStyle/>
+          <a:p>
+            <a:endParaRPr/>
           </a:p>
         </p:txBody>
       </p:sp>
     </p:spTree>
   </p:cSld>
+  <p:clrMapOvr>
+    <a:masterClrMapping/>
+  </p:clrMapOvr>
 </p:sldLayout>
 </file>
 
 <file path=ppt/slideLayouts/slideLayout9.xml><?xml version="1.0" encoding="utf-8"?>
-<p:sldLayout xmlns:a="http://schemas.openxmlformats.org/drawingml/2006/main" xmlns:p="http://schemas.openxmlformats.org/presentationml/2006/main" xmlns:r="http://schemas.openxmlformats.org/officeDocument/2006/relationships" xmlns:p14="http://schemas.microsoft.com/office/powerpoint/2010/main" xmlns:p15="http://schemas.microsoft.com/office/powerpoint/2012/main" xmlns:mc="http://schemas.openxmlformats.org/markup-compatibility/2006" type="twoObjOverTx" preserve="1">
+<p:sldLayout xmlns:a="http://schemas.openxmlformats.org/drawingml/2006/main" xmlns:r="http://schemas.openxmlformats.org/officeDocument/2006/relationships" xmlns:p="http://schemas.openxmlformats.org/presentationml/2006/main" type="twoObjOverTx" preserve="1">
   <p:cSld name="Title, 2 Content over Content">
     <p:spTree>
       <p:nvGrpSpPr>
@@ -2315,14 +2486,15 @@
           </a:ln>
         </p:spPr>
         <p:txBody>
-          <a:bodyPr lIns="0" rIns="0" tIns="0" bIns="0" anchor="ctr">
+          <a:bodyPr lIns="0" tIns="0" rIns="0" bIns="0" anchor="ctr">
             <a:noAutofit/>
           </a:bodyPr>
+          <a:lstStyle/>
           <a:p>
             <a:pPr indent="0">
               <a:buNone/>
             </a:pPr>
-            <a:endParaRPr b="0" lang="es-CO" sz="1400" spc="-1" strike="noStrike">
+            <a:endParaRPr lang="es-CO" sz="1400" b="0" strike="noStrike" spc="-1">
               <a:solidFill>
                 <a:srgbClr val="000000"/>
               </a:solidFill>
@@ -2355,9 +2527,10 @@
           </a:ln>
         </p:spPr>
         <p:txBody>
-          <a:bodyPr lIns="0" rIns="0" tIns="0" bIns="0" anchor="t">
+          <a:bodyPr lIns="0" tIns="0" rIns="0" bIns="0" anchor="t">
             <a:normAutofit/>
           </a:bodyPr>
+          <a:lstStyle/>
           <a:p>
             <a:pPr indent="0">
               <a:spcBef>
@@ -2365,7 +2538,7 @@
               </a:spcBef>
               <a:buNone/>
             </a:pPr>
-            <a:endParaRPr b="0" lang="es-CO" sz="1400" spc="-1" strike="noStrike">
+            <a:endParaRPr lang="es-CO" sz="1400" b="0" strike="noStrike" spc="-1">
               <a:solidFill>
                 <a:srgbClr val="000000"/>
               </a:solidFill>
@@ -2398,9 +2571,10 @@
           </a:ln>
         </p:spPr>
         <p:txBody>
-          <a:bodyPr lIns="0" rIns="0" tIns="0" bIns="0" anchor="t">
+          <a:bodyPr lIns="0" tIns="0" rIns="0" bIns="0" anchor="t">
             <a:normAutofit/>
           </a:bodyPr>
+          <a:lstStyle/>
           <a:p>
             <a:pPr indent="0">
               <a:spcBef>
@@ -2408,7 +2582,7 @@
               </a:spcBef>
               <a:buNone/>
             </a:pPr>
-            <a:endParaRPr b="0" lang="es-CO" sz="1400" spc="-1" strike="noStrike">
+            <a:endParaRPr lang="es-CO" sz="1400" b="0" strike="noStrike" spc="-1">
               <a:solidFill>
                 <a:srgbClr val="000000"/>
               </a:solidFill>
@@ -2441,9 +2615,10 @@
           </a:ln>
         </p:spPr>
         <p:txBody>
-          <a:bodyPr lIns="0" rIns="0" tIns="0" bIns="0" anchor="t">
+          <a:bodyPr lIns="0" tIns="0" rIns="0" bIns="0" anchor="t">
             <a:normAutofit/>
           </a:bodyPr>
+          <a:lstStyle/>
           <a:p>
             <a:pPr indent="0">
               <a:spcBef>
@@ -2451,7 +2626,7 @@
               </a:spcBef>
               <a:buNone/>
             </a:pPr>
-            <a:endParaRPr b="0" lang="es-CO" sz="1400" spc="-1" strike="noStrike">
+            <a:endParaRPr lang="es-CO" sz="1400" b="0" strike="noStrike" spc="-1">
               <a:solidFill>
                 <a:srgbClr val="000000"/>
               </a:solidFill>
@@ -2473,6 +2648,7 @@
         <p:spPr/>
         <p:txBody>
           <a:bodyPr/>
+          <a:lstStyle/>
           <a:p>
             <a:r>
               <a:t>Footer</a:t>
@@ -2493,10 +2669,12 @@
         <p:spPr/>
         <p:txBody>
           <a:bodyPr/>
+          <a:lstStyle/>
           <a:p>
             <a:fld id="{0E4C5925-968A-467F-9AFA-961513F234E1}" type="slidenum">
-              <a:t>&lt;#&gt;</a:t>
+              <a:t>‹Nº›</a:t>
             </a:fld>
+            <a:endParaRPr/>
           </a:p>
         </p:txBody>
       </p:sp>
@@ -2513,27 +2691,29 @@
         <p:spPr/>
         <p:txBody>
           <a:bodyPr/>
-          <a:p>
-            <a:r>
-              <a:rPr lang="es-CO"/>
-              <a:t/>
-            </a:r>
+          <a:lstStyle/>
+          <a:p>
+            <a:endParaRPr/>
           </a:p>
         </p:txBody>
       </p:sp>
     </p:spTree>
   </p:cSld>
+  <p:clrMapOvr>
+    <a:masterClrMapping/>
+  </p:clrMapOvr>
 </p:sldLayout>
 </file>
 
 <file path=ppt/slideMasters/slideMaster1.xml><?xml version="1.0" encoding="utf-8"?>
-<p:sldMaster xmlns:a="http://schemas.openxmlformats.org/drawingml/2006/main" xmlns:p="http://schemas.openxmlformats.org/presentationml/2006/main" xmlns:r="http://schemas.openxmlformats.org/officeDocument/2006/relationships" xmlns:p14="http://schemas.microsoft.com/office/powerpoint/2010/main" xmlns:p15="http://schemas.microsoft.com/office/powerpoint/2012/main" xmlns:mc="http://schemas.openxmlformats.org/markup-compatibility/2006">
+<p:sldMaster xmlns:a="http://schemas.openxmlformats.org/drawingml/2006/main" xmlns:r="http://schemas.openxmlformats.org/officeDocument/2006/relationships" xmlns:p="http://schemas.openxmlformats.org/presentationml/2006/main">
   <p:cSld>
     <p:bg>
       <p:bgPr>
         <a:solidFill>
           <a:schemeClr val="lt1"/>
         </a:solidFill>
+        <a:effectLst/>
       </p:bgPr>
     </p:bg>
     <p:spTree>
@@ -2552,7 +2732,7 @@
       </p:grpSpPr>
       <p:sp>
         <p:nvSpPr>
-          <p:cNvPr id="0" name="PlaceHolder 1"/>
+          <p:cNvPr id="5" name="PlaceHolder 1"/>
           <p:cNvSpPr>
             <a:spLocks noGrp="1"/>
           </p:cNvSpPr>
@@ -2574,13 +2754,13 @@
           </a:ln>
         </p:spPr>
         <p:txBody>
-          <a:bodyPr lIns="91440" rIns="91440" tIns="45720" bIns="45720" anchor="ctr">
+          <a:bodyPr lIns="91440" tIns="45720" rIns="91440" bIns="45720" anchor="ctr">
             <a:noAutofit/>
           </a:bodyPr>
           <a:lstStyle>
             <a:lvl1pPr indent="0">
               <a:buNone/>
-              <a:defRPr b="0" lang="es-CO" sz="1400" spc="-1" strike="noStrike">
+              <a:defRPr lang="es-CO" sz="1400" b="0" strike="noStrike" spc="-1">
                 <a:solidFill>
                   <a:srgbClr val="000000"/>
                 </a:solidFill>
@@ -2593,7 +2773,7 @@
               <a:buNone/>
             </a:pPr>
             <a:r>
-              <a:rPr b="0" lang="es-CO" sz="1400" spc="-1" strike="noStrike">
+              <a:rPr lang="es-CO" sz="1400" b="0" strike="noStrike" spc="-1">
                 <a:solidFill>
                   <a:srgbClr val="000000"/>
                 </a:solidFill>
@@ -2601,18 +2781,12 @@
               </a:rPr>
               <a:t>&lt;fecha/hora&gt;</a:t>
             </a:r>
-            <a:endParaRPr b="0" lang="es-CO" sz="1400" spc="-1" strike="noStrike">
-              <a:solidFill>
-                <a:srgbClr val="000000"/>
-              </a:solidFill>
-              <a:latin typeface="Times New Roman"/>
-            </a:endParaRPr>
-          </a:p>
-        </p:txBody>
-      </p:sp>
-      <p:sp>
-        <p:nvSpPr>
-          <p:cNvPr id="1" name="PlaceHolder 2"/>
+          </a:p>
+        </p:txBody>
+      </p:sp>
+      <p:sp>
+        <p:nvSpPr>
+          <p:cNvPr id="6" name="PlaceHolder 2"/>
           <p:cNvSpPr>
             <a:spLocks noGrp="1"/>
           </p:cNvSpPr>
@@ -2634,13 +2808,13 @@
           </a:ln>
         </p:spPr>
         <p:txBody>
-          <a:bodyPr lIns="91440" rIns="91440" tIns="45720" bIns="45720" anchor="ctr">
+          <a:bodyPr lIns="91440" tIns="45720" rIns="91440" bIns="45720" anchor="ctr">
             <a:noAutofit/>
           </a:bodyPr>
           <a:lstStyle>
             <a:lvl1pPr indent="0" algn="ctr">
               <a:buNone/>
-              <a:defRPr b="0" lang="es-CO" sz="1400" spc="-1" strike="noStrike">
+              <a:defRPr lang="es-CO" sz="1400" b="0" strike="noStrike" spc="-1">
                 <a:solidFill>
                   <a:srgbClr val="000000"/>
                 </a:solidFill>
@@ -2653,7 +2827,7 @@
               <a:buNone/>
             </a:pPr>
             <a:r>
-              <a:rPr b="0" lang="es-CO" sz="1400" spc="-1" strike="noStrike">
+              <a:rPr lang="es-CO" sz="1400" b="0" strike="noStrike" spc="-1">
                 <a:solidFill>
                   <a:srgbClr val="000000"/>
                 </a:solidFill>
@@ -2661,12 +2835,6 @@
               </a:rPr>
               <a:t>&lt;pie de página&gt;</a:t>
             </a:r>
-            <a:endParaRPr b="0" lang="es-CO" sz="1400" spc="-1" strike="noStrike">
-              <a:solidFill>
-                <a:srgbClr val="000000"/>
-              </a:solidFill>
-              <a:latin typeface="Times New Roman"/>
-            </a:endParaRPr>
           </a:p>
         </p:txBody>
       </p:sp>
@@ -2694,7 +2862,7 @@
           </a:ln>
         </p:spPr>
         <p:txBody>
-          <a:bodyPr lIns="91440" rIns="91440" tIns="45720" bIns="45720" anchor="ctr">
+          <a:bodyPr lIns="91440" tIns="45720" rIns="91440" bIns="45720" anchor="ctr">
             <a:noAutofit/>
           </a:bodyPr>
           <a:lstStyle>
@@ -2704,9 +2872,9 @@
               </a:lnSpc>
               <a:buNone/>
               <a:tabLst>
-                <a:tab algn="l" pos="0"/>
+                <a:tab pos="0" algn="l"/>
               </a:tabLst>
-              <a:defRPr b="0" lang="es-CO" sz="1200" spc="-1" strike="noStrike">
+              <a:defRPr lang="es-CO" sz="1200" b="0" strike="noStrike" spc="-1">
                 <a:solidFill>
                   <a:srgbClr val="888888"/>
                 </a:solidFill>
@@ -2722,20 +2890,20 @@
               </a:lnSpc>
               <a:buNone/>
               <a:tabLst>
-                <a:tab algn="l" pos="0"/>
+                <a:tab pos="0" algn="l"/>
               </a:tabLst>
             </a:pPr>
             <a:fld id="{8FFC820E-D59A-4594-8FBF-1CF7D6AF24FC}" type="slidenum">
-              <a:rPr b="0" lang="es-CO" sz="1200" spc="-1" strike="noStrike">
+              <a:rPr lang="es-CO" sz="1200" b="0" strike="noStrike" spc="-1">
                 <a:solidFill>
                   <a:srgbClr val="888888"/>
                 </a:solidFill>
                 <a:latin typeface="Calibri"/>
                 <a:ea typeface="Calibri"/>
               </a:rPr>
-              <a:t>&lt;número&gt;</a:t>
+              <a:t>‹Nº›</a:t>
             </a:fld>
-            <a:endParaRPr b="0" lang="es-CO" sz="1200" spc="-1" strike="noStrike">
+            <a:endParaRPr lang="es-CO" sz="1200" b="0" strike="noStrike" spc="-1">
               <a:solidFill>
                 <a:srgbClr val="000000"/>
               </a:solidFill>
@@ -2768,15 +2936,16 @@
           </a:ln>
         </p:spPr>
         <p:txBody>
-          <a:bodyPr lIns="0" rIns="0" tIns="0" bIns="0" anchor="ctr">
+          <a:bodyPr lIns="0" tIns="0" rIns="0" bIns="0" anchor="ctr">
             <a:noAutofit/>
           </a:bodyPr>
+          <a:lstStyle/>
           <a:p>
             <a:pPr indent="0">
               <a:buNone/>
             </a:pPr>
             <a:r>
-              <a:rPr b="0" lang="es-CO" sz="1400" spc="-1" strike="noStrike">
+              <a:rPr lang="es-CO" sz="1400" b="0" strike="noStrike" spc="-1">
                 <a:solidFill>
                   <a:srgbClr val="000000"/>
                 </a:solidFill>
@@ -2784,12 +2953,6 @@
               </a:rPr>
               <a:t>Pulse para editar el formato del texto de título</a:t>
             </a:r>
-            <a:endParaRPr b="0" lang="es-CO" sz="1400" spc="-1" strike="noStrike">
-              <a:solidFill>
-                <a:srgbClr val="000000"/>
-              </a:solidFill>
-              <a:latin typeface="Arial"/>
-            </a:endParaRPr>
           </a:p>
         </p:txBody>
       </p:sp>
@@ -2817,9 +2980,10 @@
           </a:ln>
         </p:spPr>
         <p:txBody>
-          <a:bodyPr lIns="0" rIns="0" tIns="0" bIns="0" anchor="t">
+          <a:bodyPr lIns="0" tIns="0" rIns="0" bIns="0" anchor="t">
             <a:normAutofit/>
           </a:bodyPr>
+          <a:lstStyle/>
           <a:p>
             <a:pPr marL="432000" indent="-324000">
               <a:spcBef>
@@ -2833,7 +2997,7 @@
               <a:buChar char=""/>
             </a:pPr>
             <a:r>
-              <a:rPr b="0" lang="es-CO" sz="1400" spc="-1" strike="noStrike">
+              <a:rPr lang="es-CO" sz="1400" b="0" strike="noStrike" spc="-1">
                 <a:solidFill>
                   <a:srgbClr val="000000"/>
                 </a:solidFill>
@@ -2841,15 +3005,9 @@
               </a:rPr>
               <a:t>Pulse para editar el formato de texto del esquema</a:t>
             </a:r>
-            <a:endParaRPr b="0" lang="es-CO" sz="1400" spc="-1" strike="noStrike">
-              <a:solidFill>
-                <a:srgbClr val="000000"/>
-              </a:solidFill>
-              <a:latin typeface="Arial"/>
-            </a:endParaRPr>
-          </a:p>
-          <a:p>
-            <a:pPr lvl="1" marL="864000" indent="-324000">
+          </a:p>
+          <a:p>
+            <a:pPr marL="864000" lvl="1" indent="-324000">
               <a:spcBef>
                 <a:spcPts val="1134"/>
               </a:spcBef>
@@ -2861,7 +3019,7 @@
               <a:buChar char=""/>
             </a:pPr>
             <a:r>
-              <a:rPr b="0" lang="es-CO" sz="1400" spc="-1" strike="noStrike">
+              <a:rPr lang="es-CO" sz="1400" b="0" strike="noStrike" spc="-1">
                 <a:solidFill>
                   <a:srgbClr val="000000"/>
                 </a:solidFill>
@@ -2869,15 +3027,9 @@
               </a:rPr>
               <a:t>Segundo nivel del esquema</a:t>
             </a:r>
-            <a:endParaRPr b="0" lang="es-CO" sz="1400" spc="-1" strike="noStrike">
-              <a:solidFill>
-                <a:srgbClr val="000000"/>
-              </a:solidFill>
-              <a:latin typeface="Arial"/>
-            </a:endParaRPr>
-          </a:p>
-          <a:p>
-            <a:pPr lvl="2" marL="1296000" indent="-288000">
+          </a:p>
+          <a:p>
+            <a:pPr marL="1296000" lvl="2" indent="-288000">
               <a:spcBef>
                 <a:spcPts val="850"/>
               </a:spcBef>
@@ -2889,7 +3041,7 @@
               <a:buChar char=""/>
             </a:pPr>
             <a:r>
-              <a:rPr b="0" lang="es-CO" sz="1400" spc="-1" strike="noStrike">
+              <a:rPr lang="es-CO" sz="1400" b="0" strike="noStrike" spc="-1">
                 <a:solidFill>
                   <a:srgbClr val="000000"/>
                 </a:solidFill>
@@ -2897,15 +3049,9 @@
               </a:rPr>
               <a:t>Tercer nivel del esquema</a:t>
             </a:r>
-            <a:endParaRPr b="0" lang="es-CO" sz="1400" spc="-1" strike="noStrike">
-              <a:solidFill>
-                <a:srgbClr val="000000"/>
-              </a:solidFill>
-              <a:latin typeface="Arial"/>
-            </a:endParaRPr>
-          </a:p>
-          <a:p>
-            <a:pPr lvl="3" marL="1728000" indent="-216000">
+          </a:p>
+          <a:p>
+            <a:pPr marL="1728000" lvl="3" indent="-216000">
               <a:spcBef>
                 <a:spcPts val="567"/>
               </a:spcBef>
@@ -2917,7 +3063,7 @@
               <a:buChar char=""/>
             </a:pPr>
             <a:r>
-              <a:rPr b="0" lang="es-CO" sz="1400" spc="-1" strike="noStrike">
+              <a:rPr lang="es-CO" sz="1400" b="0" strike="noStrike" spc="-1">
                 <a:solidFill>
                   <a:srgbClr val="000000"/>
                 </a:solidFill>
@@ -2925,15 +3071,9 @@
               </a:rPr>
               <a:t>Cuarto nivel del esquema</a:t>
             </a:r>
-            <a:endParaRPr b="0" lang="es-CO" sz="1400" spc="-1" strike="noStrike">
-              <a:solidFill>
-                <a:srgbClr val="000000"/>
-              </a:solidFill>
-              <a:latin typeface="Arial"/>
-            </a:endParaRPr>
-          </a:p>
-          <a:p>
-            <a:pPr lvl="4" marL="2160000" indent="-216000">
+          </a:p>
+          <a:p>
+            <a:pPr marL="2160000" lvl="4" indent="-216000">
               <a:spcBef>
                 <a:spcPts val="283"/>
               </a:spcBef>
@@ -2945,7 +3085,7 @@
               <a:buChar char=""/>
             </a:pPr>
             <a:r>
-              <a:rPr b="0" lang="es-CO" sz="2000" spc="-1" strike="noStrike">
+              <a:rPr lang="es-CO" sz="2000" b="0" strike="noStrike" spc="-1">
                 <a:solidFill>
                   <a:srgbClr val="000000"/>
                 </a:solidFill>
@@ -2953,15 +3093,9 @@
               </a:rPr>
               <a:t>Quinto nivel del esquema</a:t>
             </a:r>
-            <a:endParaRPr b="0" lang="es-CO" sz="2000" spc="-1" strike="noStrike">
-              <a:solidFill>
-                <a:srgbClr val="000000"/>
-              </a:solidFill>
-              <a:latin typeface="Arial"/>
-            </a:endParaRPr>
-          </a:p>
-          <a:p>
-            <a:pPr lvl="5" marL="2592000" indent="-216000">
+          </a:p>
+          <a:p>
+            <a:pPr marL="2592000" lvl="5" indent="-216000">
               <a:spcBef>
                 <a:spcPts val="283"/>
               </a:spcBef>
@@ -2973,7 +3107,7 @@
               <a:buChar char=""/>
             </a:pPr>
             <a:r>
-              <a:rPr b="0" lang="es-CO" sz="2000" spc="-1" strike="noStrike">
+              <a:rPr lang="es-CO" sz="2000" b="0" strike="noStrike" spc="-1">
                 <a:solidFill>
                   <a:srgbClr val="000000"/>
                 </a:solidFill>
@@ -2981,15 +3115,9 @@
               </a:rPr>
               <a:t>Sexto nivel del esquema</a:t>
             </a:r>
-            <a:endParaRPr b="0" lang="es-CO" sz="2000" spc="-1" strike="noStrike">
-              <a:solidFill>
-                <a:srgbClr val="000000"/>
-              </a:solidFill>
-              <a:latin typeface="Arial"/>
-            </a:endParaRPr>
-          </a:p>
-          <a:p>
-            <a:pPr lvl="6" marL="3024000" indent="-216000">
+          </a:p>
+          <a:p>
+            <a:pPr marL="3024000" lvl="6" indent="-216000">
               <a:spcBef>
                 <a:spcPts val="283"/>
               </a:spcBef>
@@ -3001,7 +3129,7 @@
               <a:buChar char=""/>
             </a:pPr>
             <a:r>
-              <a:rPr b="0" lang="es-CO" sz="2000" spc="-1" strike="noStrike">
+              <a:rPr lang="es-CO" sz="2000" b="0" strike="noStrike" spc="-1">
                 <a:solidFill>
                   <a:srgbClr val="000000"/>
                 </a:solidFill>
@@ -3009,44 +3137,318 @@
               </a:rPr>
               <a:t>Séptimo nivel del esquema</a:t>
             </a:r>
-            <a:endParaRPr b="0" lang="es-CO" sz="2000" spc="-1" strike="noStrike">
-              <a:solidFill>
-                <a:srgbClr val="000000"/>
-              </a:solidFill>
-              <a:latin typeface="Arial"/>
-            </a:endParaRPr>
           </a:p>
         </p:txBody>
       </p:sp>
     </p:spTree>
   </p:cSld>
-  <p:clrMap bg1="lt1" bg2="lt2" tx1="dk1" tx2="dk2" accent1="accent1" accent2="accent2" accent3="accent3" accent4="accent4" accent5="accent5" accent6="accent6" hlink="hlink" folHlink="folHlink"/>
+  <p:clrMap bg1="lt1" tx1="dk1" bg2="lt2" tx2="dk2" accent1="accent1" accent2="accent2" accent3="accent3" accent4="accent4" accent5="accent5" accent6="accent6" hlink="hlink" folHlink="folHlink"/>
   <p:sldLayoutIdLst>
-    <p:sldLayoutId id="2147483649" r:id="rId2"/>
-    <p:sldLayoutId id="2147483650" r:id="rId3"/>
-    <p:sldLayoutId id="2147483651" r:id="rId4"/>
-    <p:sldLayoutId id="2147483652" r:id="rId5"/>
-    <p:sldLayoutId id="2147483653" r:id="rId6"/>
-    <p:sldLayoutId id="2147483654" r:id="rId7"/>
-    <p:sldLayoutId id="2147483655" r:id="rId8"/>
-    <p:sldLayoutId id="2147483656" r:id="rId9"/>
-    <p:sldLayoutId id="2147483657" r:id="rId10"/>
-    <p:sldLayoutId id="2147483658" r:id="rId11"/>
-    <p:sldLayoutId id="2147483659" r:id="rId12"/>
-    <p:sldLayoutId id="2147483660" r:id="rId13"/>
+    <p:sldLayoutId id="2147483649" r:id="rId1"/>
+    <p:sldLayoutId id="2147483650" r:id="rId2"/>
+    <p:sldLayoutId id="2147483651" r:id="rId3"/>
+    <p:sldLayoutId id="2147483652" r:id="rId4"/>
+    <p:sldLayoutId id="2147483653" r:id="rId5"/>
+    <p:sldLayoutId id="2147483654" r:id="rId6"/>
+    <p:sldLayoutId id="2147483655" r:id="rId7"/>
+    <p:sldLayoutId id="2147483656" r:id="rId8"/>
+    <p:sldLayoutId id="2147483657" r:id="rId9"/>
+    <p:sldLayoutId id="2147483658" r:id="rId10"/>
+    <p:sldLayoutId id="2147483659" r:id="rId11"/>
+    <p:sldLayoutId id="2147483660" r:id="rId12"/>
   </p:sldLayoutIdLst>
+  <p:txStyles>
+    <p:titleStyle>
+      <a:lvl1pPr algn="l" defTabSz="914400" rtl="0" eaLnBrk="1" latinLnBrk="0" hangingPunct="1">
+        <a:lnSpc>
+          <a:spcPct val="90000"/>
+        </a:lnSpc>
+        <a:spcBef>
+          <a:spcPct val="0"/>
+        </a:spcBef>
+        <a:buNone/>
+        <a:defRPr sz="4400" kern="1200">
+          <a:solidFill>
+            <a:schemeClr val="tx1"/>
+          </a:solidFill>
+          <a:latin typeface="+mj-lt"/>
+          <a:ea typeface="+mj-ea"/>
+          <a:cs typeface="+mj-cs"/>
+        </a:defRPr>
+      </a:lvl1pPr>
+    </p:titleStyle>
+    <p:bodyStyle>
+      <a:lvl1pPr marL="228600" indent="-228600" algn="l" defTabSz="914400" rtl="0" eaLnBrk="1" latinLnBrk="0" hangingPunct="1">
+        <a:lnSpc>
+          <a:spcPct val="90000"/>
+        </a:lnSpc>
+        <a:spcBef>
+          <a:spcPts val="1000"/>
+        </a:spcBef>
+        <a:buFont typeface="Arial" panose="020B0604020202020204" pitchFamily="34" charset="0"/>
+        <a:buChar char="•"/>
+        <a:defRPr sz="2800" kern="1200">
+          <a:solidFill>
+            <a:schemeClr val="tx1"/>
+          </a:solidFill>
+          <a:latin typeface="+mn-lt"/>
+          <a:ea typeface="+mn-ea"/>
+          <a:cs typeface="+mn-cs"/>
+        </a:defRPr>
+      </a:lvl1pPr>
+      <a:lvl2pPr marL="685800" indent="-228600" algn="l" defTabSz="914400" rtl="0" eaLnBrk="1" latinLnBrk="0" hangingPunct="1">
+        <a:lnSpc>
+          <a:spcPct val="90000"/>
+        </a:lnSpc>
+        <a:spcBef>
+          <a:spcPts val="500"/>
+        </a:spcBef>
+        <a:buFont typeface="Arial" panose="020B0604020202020204" pitchFamily="34" charset="0"/>
+        <a:buChar char="•"/>
+        <a:defRPr sz="2400" kern="1200">
+          <a:solidFill>
+            <a:schemeClr val="tx1"/>
+          </a:solidFill>
+          <a:latin typeface="+mn-lt"/>
+          <a:ea typeface="+mn-ea"/>
+          <a:cs typeface="+mn-cs"/>
+        </a:defRPr>
+      </a:lvl2pPr>
+      <a:lvl3pPr marL="1143000" indent="-228600" algn="l" defTabSz="914400" rtl="0" eaLnBrk="1" latinLnBrk="0" hangingPunct="1">
+        <a:lnSpc>
+          <a:spcPct val="90000"/>
+        </a:lnSpc>
+        <a:spcBef>
+          <a:spcPts val="500"/>
+        </a:spcBef>
+        <a:buFont typeface="Arial" panose="020B0604020202020204" pitchFamily="34" charset="0"/>
+        <a:buChar char="•"/>
+        <a:defRPr sz="2000" kern="1200">
+          <a:solidFill>
+            <a:schemeClr val="tx1"/>
+          </a:solidFill>
+          <a:latin typeface="+mn-lt"/>
+          <a:ea typeface="+mn-ea"/>
+          <a:cs typeface="+mn-cs"/>
+        </a:defRPr>
+      </a:lvl3pPr>
+      <a:lvl4pPr marL="1600200" indent="-228600" algn="l" defTabSz="914400" rtl="0" eaLnBrk="1" latinLnBrk="0" hangingPunct="1">
+        <a:lnSpc>
+          <a:spcPct val="90000"/>
+        </a:lnSpc>
+        <a:spcBef>
+          <a:spcPts val="500"/>
+        </a:spcBef>
+        <a:buFont typeface="Arial" panose="020B0604020202020204" pitchFamily="34" charset="0"/>
+        <a:buChar char="•"/>
+        <a:defRPr sz="1800" kern="1200">
+          <a:solidFill>
+            <a:schemeClr val="tx1"/>
+          </a:solidFill>
+          <a:latin typeface="+mn-lt"/>
+          <a:ea typeface="+mn-ea"/>
+          <a:cs typeface="+mn-cs"/>
+        </a:defRPr>
+      </a:lvl4pPr>
+      <a:lvl5pPr marL="2057400" indent="-228600" algn="l" defTabSz="914400" rtl="0" eaLnBrk="1" latinLnBrk="0" hangingPunct="1">
+        <a:lnSpc>
+          <a:spcPct val="90000"/>
+        </a:lnSpc>
+        <a:spcBef>
+          <a:spcPts val="500"/>
+        </a:spcBef>
+        <a:buFont typeface="Arial" panose="020B0604020202020204" pitchFamily="34" charset="0"/>
+        <a:buChar char="•"/>
+        <a:defRPr sz="1800" kern="1200">
+          <a:solidFill>
+            <a:schemeClr val="tx1"/>
+          </a:solidFill>
+          <a:latin typeface="+mn-lt"/>
+          <a:ea typeface="+mn-ea"/>
+          <a:cs typeface="+mn-cs"/>
+        </a:defRPr>
+      </a:lvl5pPr>
+      <a:lvl6pPr marL="2514600" indent="-228600" algn="l" defTabSz="914400" rtl="0" eaLnBrk="1" latinLnBrk="0" hangingPunct="1">
+        <a:lnSpc>
+          <a:spcPct val="90000"/>
+        </a:lnSpc>
+        <a:spcBef>
+          <a:spcPts val="500"/>
+        </a:spcBef>
+        <a:buFont typeface="Arial" panose="020B0604020202020204" pitchFamily="34" charset="0"/>
+        <a:buChar char="•"/>
+        <a:defRPr sz="1800" kern="1200">
+          <a:solidFill>
+            <a:schemeClr val="tx1"/>
+          </a:solidFill>
+          <a:latin typeface="+mn-lt"/>
+          <a:ea typeface="+mn-ea"/>
+          <a:cs typeface="+mn-cs"/>
+        </a:defRPr>
+      </a:lvl6pPr>
+      <a:lvl7pPr marL="2971800" indent="-228600" algn="l" defTabSz="914400" rtl="0" eaLnBrk="1" latinLnBrk="0" hangingPunct="1">
+        <a:lnSpc>
+          <a:spcPct val="90000"/>
+        </a:lnSpc>
+        <a:spcBef>
+          <a:spcPts val="500"/>
+        </a:spcBef>
+        <a:buFont typeface="Arial" panose="020B0604020202020204" pitchFamily="34" charset="0"/>
+        <a:buChar char="•"/>
+        <a:defRPr sz="1800" kern="1200">
+          <a:solidFill>
+            <a:schemeClr val="tx1"/>
+          </a:solidFill>
+          <a:latin typeface="+mn-lt"/>
+          <a:ea typeface="+mn-ea"/>
+          <a:cs typeface="+mn-cs"/>
+        </a:defRPr>
+      </a:lvl7pPr>
+      <a:lvl8pPr marL="3429000" indent="-228600" algn="l" defTabSz="914400" rtl="0" eaLnBrk="1" latinLnBrk="0" hangingPunct="1">
+        <a:lnSpc>
+          <a:spcPct val="90000"/>
+        </a:lnSpc>
+        <a:spcBef>
+          <a:spcPts val="500"/>
+        </a:spcBef>
+        <a:buFont typeface="Arial" panose="020B0604020202020204" pitchFamily="34" charset="0"/>
+        <a:buChar char="•"/>
+        <a:defRPr sz="1800" kern="1200">
+          <a:solidFill>
+            <a:schemeClr val="tx1"/>
+          </a:solidFill>
+          <a:latin typeface="+mn-lt"/>
+          <a:ea typeface="+mn-ea"/>
+          <a:cs typeface="+mn-cs"/>
+        </a:defRPr>
+      </a:lvl8pPr>
+      <a:lvl9pPr marL="3886200" indent="-228600" algn="l" defTabSz="914400" rtl="0" eaLnBrk="1" latinLnBrk="0" hangingPunct="1">
+        <a:lnSpc>
+          <a:spcPct val="90000"/>
+        </a:lnSpc>
+        <a:spcBef>
+          <a:spcPts val="500"/>
+        </a:spcBef>
+        <a:buFont typeface="Arial" panose="020B0604020202020204" pitchFamily="34" charset="0"/>
+        <a:buChar char="•"/>
+        <a:defRPr sz="1800" kern="1200">
+          <a:solidFill>
+            <a:schemeClr val="tx1"/>
+          </a:solidFill>
+          <a:latin typeface="+mn-lt"/>
+          <a:ea typeface="+mn-ea"/>
+          <a:cs typeface="+mn-cs"/>
+        </a:defRPr>
+      </a:lvl9pPr>
+    </p:bodyStyle>
+    <p:otherStyle>
+      <a:defPPr>
+        <a:defRPr lang="es-CO"/>
+      </a:defPPr>
+      <a:lvl1pPr marL="0" algn="l" defTabSz="914400" rtl="0" eaLnBrk="1" latinLnBrk="0" hangingPunct="1">
+        <a:defRPr sz="1800" kern="1200">
+          <a:solidFill>
+            <a:schemeClr val="tx1"/>
+          </a:solidFill>
+          <a:latin typeface="+mn-lt"/>
+          <a:ea typeface="+mn-ea"/>
+          <a:cs typeface="+mn-cs"/>
+        </a:defRPr>
+      </a:lvl1pPr>
+      <a:lvl2pPr marL="457200" algn="l" defTabSz="914400" rtl="0" eaLnBrk="1" latinLnBrk="0" hangingPunct="1">
+        <a:defRPr sz="1800" kern="1200">
+          <a:solidFill>
+            <a:schemeClr val="tx1"/>
+          </a:solidFill>
+          <a:latin typeface="+mn-lt"/>
+          <a:ea typeface="+mn-ea"/>
+          <a:cs typeface="+mn-cs"/>
+        </a:defRPr>
+      </a:lvl2pPr>
+      <a:lvl3pPr marL="914400" algn="l" defTabSz="914400" rtl="0" eaLnBrk="1" latinLnBrk="0" hangingPunct="1">
+        <a:defRPr sz="1800" kern="1200">
+          <a:solidFill>
+            <a:schemeClr val="tx1"/>
+          </a:solidFill>
+          <a:latin typeface="+mn-lt"/>
+          <a:ea typeface="+mn-ea"/>
+          <a:cs typeface="+mn-cs"/>
+        </a:defRPr>
+      </a:lvl3pPr>
+      <a:lvl4pPr marL="1371600" algn="l" defTabSz="914400" rtl="0" eaLnBrk="1" latinLnBrk="0" hangingPunct="1">
+        <a:defRPr sz="1800" kern="1200">
+          <a:solidFill>
+            <a:schemeClr val="tx1"/>
+          </a:solidFill>
+          <a:latin typeface="+mn-lt"/>
+          <a:ea typeface="+mn-ea"/>
+          <a:cs typeface="+mn-cs"/>
+        </a:defRPr>
+      </a:lvl4pPr>
+      <a:lvl5pPr marL="1828800" algn="l" defTabSz="914400" rtl="0" eaLnBrk="1" latinLnBrk="0" hangingPunct="1">
+        <a:defRPr sz="1800" kern="1200">
+          <a:solidFill>
+            <a:schemeClr val="tx1"/>
+          </a:solidFill>
+          <a:latin typeface="+mn-lt"/>
+          <a:ea typeface="+mn-ea"/>
+          <a:cs typeface="+mn-cs"/>
+        </a:defRPr>
+      </a:lvl5pPr>
+      <a:lvl6pPr marL="2286000" algn="l" defTabSz="914400" rtl="0" eaLnBrk="1" latinLnBrk="0" hangingPunct="1">
+        <a:defRPr sz="1800" kern="1200">
+          <a:solidFill>
+            <a:schemeClr val="tx1"/>
+          </a:solidFill>
+          <a:latin typeface="+mn-lt"/>
+          <a:ea typeface="+mn-ea"/>
+          <a:cs typeface="+mn-cs"/>
+        </a:defRPr>
+      </a:lvl6pPr>
+      <a:lvl7pPr marL="2743200" algn="l" defTabSz="914400" rtl="0" eaLnBrk="1" latinLnBrk="0" hangingPunct="1">
+        <a:defRPr sz="1800" kern="1200">
+          <a:solidFill>
+            <a:schemeClr val="tx1"/>
+          </a:solidFill>
+          <a:latin typeface="+mn-lt"/>
+          <a:ea typeface="+mn-ea"/>
+          <a:cs typeface="+mn-cs"/>
+        </a:defRPr>
+      </a:lvl7pPr>
+      <a:lvl8pPr marL="3200400" algn="l" defTabSz="914400" rtl="0" eaLnBrk="1" latinLnBrk="0" hangingPunct="1">
+        <a:defRPr sz="1800" kern="1200">
+          <a:solidFill>
+            <a:schemeClr val="tx1"/>
+          </a:solidFill>
+          <a:latin typeface="+mn-lt"/>
+          <a:ea typeface="+mn-ea"/>
+          <a:cs typeface="+mn-cs"/>
+        </a:defRPr>
+      </a:lvl8pPr>
+      <a:lvl9pPr marL="3657600" algn="l" defTabSz="914400" rtl="0" eaLnBrk="1" latinLnBrk="0" hangingPunct="1">
+        <a:defRPr sz="1800" kern="1200">
+          <a:solidFill>
+            <a:schemeClr val="tx1"/>
+          </a:solidFill>
+          <a:latin typeface="+mn-lt"/>
+          <a:ea typeface="+mn-ea"/>
+          <a:cs typeface="+mn-cs"/>
+        </a:defRPr>
+      </a:lvl9pPr>
+    </p:otherStyle>
+  </p:txStyles>
 </p:sldMaster>
 </file>
 
 <file path=ppt/slides/slide1.xml><?xml version="1.0" encoding="utf-8"?>
-<p:sld xmlns:a="http://schemas.openxmlformats.org/drawingml/2006/main" xmlns:p="http://schemas.openxmlformats.org/presentationml/2006/main" xmlns:r="http://schemas.openxmlformats.org/officeDocument/2006/relationships" xmlns:p14="http://schemas.microsoft.com/office/powerpoint/2010/main" xmlns:p15="http://schemas.microsoft.com/office/powerpoint/2012/main" xmlns:mc="http://schemas.openxmlformats.org/markup-compatibility/2006">
+<p:sld xmlns:a="http://schemas.openxmlformats.org/drawingml/2006/main" xmlns:r="http://schemas.openxmlformats.org/officeDocument/2006/relationships" xmlns:p="http://schemas.openxmlformats.org/presentationml/2006/main">
   <p:cSld>
     <p:bg>
       <p:bgPr>
-        <a:blipFill rotWithShape="0">
-          <a:blip r:embed="rId1"/>
-          <a:stretch/>
-        </a:blipFill>
+        <a:solidFill>
+          <a:schemeClr val="bg1"/>
+        </a:solidFill>
+        <a:effectLst/>
       </p:bgPr>
     </p:bg>
     <p:spTree>
@@ -3063,6 +3465,529 @@
           <a:chExt cx="0" cy="0"/>
         </a:xfrm>
       </p:grpSpPr>
+      <p:sp useBgFill="1">
+        <p:nvSpPr>
+          <p:cNvPr id="73" name="Rectangle 58">
+            <a:extLst>
+              <a:ext uri="{FF2B5EF4-FFF2-40B4-BE49-F238E27FC236}">
+                <a16:creationId xmlns:a16="http://schemas.microsoft.com/office/drawing/2014/main" id="{AAAE94E3-A7DB-4868-B1E3-E49703488BBC}"/>
+              </a:ext>
+              <a:ext uri="{C183D7F6-B498-43B3-948B-1728B52AA6E4}">
+                <adec:decorative xmlns:adec="http://schemas.microsoft.com/office/drawing/2017/decorative" val="1"/>
+              </a:ext>
+            </a:extLst>
+          </p:cNvPr>
+          <p:cNvSpPr>
+            <a:spLocks noGrp="1" noRot="1" noChangeAspect="1" noMove="1" noResize="1" noEditPoints="1" noAdjustHandles="1" noChangeArrowheads="1" noChangeShapeType="1" noTextEdit="1"/>
+          </p:cNvSpPr>
+          <p:nvPr>
+            <p:extLst>
+              <p:ext uri="{386F3935-93C4-4BCD-93E2-E3B085C9AB24}">
+                <p16:designElem xmlns:p16="http://schemas.microsoft.com/office/powerpoint/2015/main" val="1"/>
+              </p:ext>
+            </p:extLst>
+          </p:nvPr>
+        </p:nvSpPr>
+        <p:spPr>
+          <a:xfrm>
+            <a:off x="0" y="0"/>
+            <a:ext cx="12191999" cy="6857365"/>
+          </a:xfrm>
+          <a:prstGeom prst="rect">
+            <a:avLst/>
+          </a:prstGeom>
+          <a:ln>
+            <a:noFill/>
+          </a:ln>
+        </p:spPr>
+        <p:style>
+          <a:lnRef idx="2">
+            <a:schemeClr val="accent1">
+              <a:shade val="50000"/>
+            </a:schemeClr>
+          </a:lnRef>
+          <a:fillRef idx="1">
+            <a:schemeClr val="accent1"/>
+          </a:fillRef>
+          <a:effectRef idx="0">
+            <a:schemeClr val="accent1"/>
+          </a:effectRef>
+          <a:fontRef idx="minor">
+            <a:schemeClr val="lt1"/>
+          </a:fontRef>
+        </p:style>
+        <p:txBody>
+          <a:bodyPr rtlCol="0" anchor="ctr"/>
+          <a:lstStyle/>
+          <a:p>
+            <a:pPr algn="ctr"/>
+            <a:endParaRPr lang="en-US"/>
+          </a:p>
+        </p:txBody>
+      </p:sp>
+      <p:sp>
+        <p:nvSpPr>
+          <p:cNvPr id="5" name="CuadroTexto 4">
+            <a:extLst>
+              <a:ext uri="{FF2B5EF4-FFF2-40B4-BE49-F238E27FC236}">
+                <a16:creationId xmlns:a16="http://schemas.microsoft.com/office/drawing/2014/main" id="{0BF87E7E-E6A6-9BAA-4F03-C9D09A94CD83}"/>
+              </a:ext>
+            </a:extLst>
+          </p:cNvPr>
+          <p:cNvSpPr txBox="1"/>
+          <p:nvPr/>
+        </p:nvSpPr>
+        <p:spPr>
+          <a:xfrm>
+            <a:off x="589560" y="856180"/>
+            <a:ext cx="5279408" cy="1128068"/>
+          </a:xfrm>
+          <a:prstGeom prst="rect">
+            <a:avLst/>
+          </a:prstGeom>
+        </p:spPr>
+        <p:txBody>
+          <a:bodyPr vert="horz" lIns="91440" tIns="45720" rIns="91440" bIns="45720" rtlCol="0" anchor="ctr">
+            <a:noAutofit/>
+          </a:bodyPr>
+          <a:lstStyle/>
+          <a:p>
+            <a:pPr>
+              <a:lnSpc>
+                <a:spcPct val="90000"/>
+              </a:lnSpc>
+              <a:spcBef>
+                <a:spcPct val="0"/>
+              </a:spcBef>
+              <a:spcAft>
+                <a:spcPts val="600"/>
+              </a:spcAft>
+            </a:pPr>
+            <a:r>
+              <a:rPr lang="en-US" sz="2800" b="1" strike="noStrike" spc="-1" dirty="0" err="1">
+                <a:effectLst>
+                  <a:outerShdw blurRad="38100" dist="38100" dir="2700000" algn="tl">
+                    <a:srgbClr val="000000">
+                      <a:alpha val="43137"/>
+                    </a:srgbClr>
+                  </a:outerShdw>
+                </a:effectLst>
+                <a:latin typeface="+mj-lt"/>
+                <a:ea typeface="+mj-ea"/>
+                <a:cs typeface="+mj-cs"/>
+              </a:rPr>
+              <a:t>Obtención</a:t>
+            </a:r>
+            <a:r>
+              <a:rPr lang="en-US" sz="2800" b="1" strike="noStrike" spc="-1" dirty="0">
+                <a:effectLst>
+                  <a:outerShdw blurRad="38100" dist="38100" dir="2700000" algn="tl">
+                    <a:srgbClr val="000000">
+                      <a:alpha val="43137"/>
+                    </a:srgbClr>
+                  </a:outerShdw>
+                </a:effectLst>
+                <a:latin typeface="+mj-lt"/>
+                <a:ea typeface="+mj-ea"/>
+                <a:cs typeface="+mj-cs"/>
+              </a:rPr>
+              <a:t>, </a:t>
+            </a:r>
+            <a:r>
+              <a:rPr lang="en-US" sz="2800" b="1" strike="noStrike" spc="-1" dirty="0" err="1">
+                <a:effectLst>
+                  <a:outerShdw blurRad="38100" dist="38100" dir="2700000" algn="tl">
+                    <a:srgbClr val="000000">
+                      <a:alpha val="43137"/>
+                    </a:srgbClr>
+                  </a:outerShdw>
+                </a:effectLst>
+                <a:latin typeface="+mj-lt"/>
+                <a:ea typeface="+mj-ea"/>
+                <a:cs typeface="+mj-cs"/>
+              </a:rPr>
+              <a:t>visualización</a:t>
+            </a:r>
+            <a:r>
+              <a:rPr lang="en-US" sz="2800" b="1" strike="noStrike" spc="-1" dirty="0">
+                <a:effectLst>
+                  <a:outerShdw blurRad="38100" dist="38100" dir="2700000" algn="tl">
+                    <a:srgbClr val="000000">
+                      <a:alpha val="43137"/>
+                    </a:srgbClr>
+                  </a:outerShdw>
+                </a:effectLst>
+                <a:latin typeface="+mj-lt"/>
+                <a:ea typeface="+mj-ea"/>
+                <a:cs typeface="+mj-cs"/>
+              </a:rPr>
+              <a:t> y </a:t>
+            </a:r>
+            <a:r>
+              <a:rPr lang="en-US" sz="2800" b="1" strike="noStrike" spc="-1" dirty="0" err="1">
+                <a:effectLst>
+                  <a:outerShdw blurRad="38100" dist="38100" dir="2700000" algn="tl">
+                    <a:srgbClr val="000000">
+                      <a:alpha val="43137"/>
+                    </a:srgbClr>
+                  </a:outerShdw>
+                </a:effectLst>
+                <a:latin typeface="+mj-lt"/>
+                <a:ea typeface="+mj-ea"/>
+                <a:cs typeface="+mj-cs"/>
+              </a:rPr>
+              <a:t>modelación</a:t>
+            </a:r>
+            <a:r>
+              <a:rPr lang="en-US" sz="2800" b="1" strike="noStrike" spc="-1" dirty="0">
+                <a:effectLst>
+                  <a:outerShdw blurRad="38100" dist="38100" dir="2700000" algn="tl">
+                    <a:srgbClr val="000000">
+                      <a:alpha val="43137"/>
+                    </a:srgbClr>
+                  </a:outerShdw>
+                </a:effectLst>
+                <a:latin typeface="+mj-lt"/>
+                <a:ea typeface="+mj-ea"/>
+                <a:cs typeface="+mj-cs"/>
+              </a:rPr>
+              <a:t> de </a:t>
+            </a:r>
+            <a:r>
+              <a:rPr lang="en-US" sz="2800" b="1" strike="noStrike" spc="-1" dirty="0" err="1">
+                <a:effectLst>
+                  <a:outerShdw blurRad="38100" dist="38100" dir="2700000" algn="tl">
+                    <a:srgbClr val="000000">
+                      <a:alpha val="43137"/>
+                    </a:srgbClr>
+                  </a:outerShdw>
+                </a:effectLst>
+                <a:latin typeface="+mj-lt"/>
+                <a:ea typeface="+mj-ea"/>
+                <a:cs typeface="+mj-cs"/>
+              </a:rPr>
+              <a:t>datos</a:t>
+            </a:r>
+            <a:r>
+              <a:rPr lang="en-US" sz="2800" b="1" strike="noStrike" spc="-1" dirty="0">
+                <a:effectLst>
+                  <a:outerShdw blurRad="38100" dist="38100" dir="2700000" algn="tl">
+                    <a:srgbClr val="000000">
+                      <a:alpha val="43137"/>
+                    </a:srgbClr>
+                  </a:outerShdw>
+                </a:effectLst>
+                <a:latin typeface="+mj-lt"/>
+                <a:ea typeface="+mj-ea"/>
+                <a:cs typeface="+mj-cs"/>
+              </a:rPr>
+              <a:t> del </a:t>
+            </a:r>
+            <a:r>
+              <a:rPr lang="en-US" sz="2800" b="1" strike="noStrike" spc="-1" dirty="0" err="1">
+                <a:effectLst>
+                  <a:outerShdw blurRad="38100" dist="38100" dir="2700000" algn="tl">
+                    <a:srgbClr val="000000">
+                      <a:alpha val="43137"/>
+                    </a:srgbClr>
+                  </a:outerShdw>
+                </a:effectLst>
+                <a:latin typeface="+mj-lt"/>
+                <a:ea typeface="+mj-ea"/>
+                <a:cs typeface="+mj-cs"/>
+              </a:rPr>
+              <a:t>proyecto</a:t>
+            </a:r>
+            <a:r>
+              <a:rPr lang="en-US" sz="2800" b="1" strike="noStrike" spc="-1" dirty="0">
+                <a:effectLst>
+                  <a:outerShdw blurRad="38100" dist="38100" dir="2700000" algn="tl">
+                    <a:srgbClr val="000000">
+                      <a:alpha val="43137"/>
+                    </a:srgbClr>
+                  </a:outerShdw>
+                </a:effectLst>
+                <a:latin typeface="+mj-lt"/>
+                <a:ea typeface="+mj-ea"/>
+                <a:cs typeface="+mj-cs"/>
+              </a:rPr>
+              <a:t> </a:t>
+            </a:r>
+            <a:r>
+              <a:rPr lang="en-US" sz="2800" b="1" strike="noStrike" spc="-1" dirty="0" err="1">
+                <a:effectLst>
+                  <a:outerShdw blurRad="38100" dist="38100" dir="2700000" algn="tl">
+                    <a:srgbClr val="000000">
+                      <a:alpha val="43137"/>
+                    </a:srgbClr>
+                  </a:outerShdw>
+                </a:effectLst>
+                <a:latin typeface="+mj-lt"/>
+                <a:ea typeface="+mj-ea"/>
+                <a:cs typeface="+mj-cs"/>
+              </a:rPr>
+              <a:t>investigativo</a:t>
+            </a:r>
+            <a:r>
+              <a:rPr lang="en-US" sz="2800" b="1" strike="noStrike" spc="-1" dirty="0">
+                <a:effectLst>
+                  <a:outerShdw blurRad="38100" dist="38100" dir="2700000" algn="tl">
+                    <a:srgbClr val="000000">
+                      <a:alpha val="43137"/>
+                    </a:srgbClr>
+                  </a:outerShdw>
+                </a:effectLst>
+                <a:latin typeface="+mj-lt"/>
+                <a:ea typeface="+mj-ea"/>
+                <a:cs typeface="+mj-cs"/>
+              </a:rPr>
+              <a:t> AMSC</a:t>
+            </a:r>
+          </a:p>
+          <a:p>
+            <a:pPr>
+              <a:lnSpc>
+                <a:spcPct val="90000"/>
+              </a:lnSpc>
+              <a:spcBef>
+                <a:spcPct val="0"/>
+              </a:spcBef>
+              <a:spcAft>
+                <a:spcPts val="600"/>
+              </a:spcAft>
+            </a:pPr>
+            <a:endParaRPr lang="en-US" sz="2800" b="1" dirty="0">
+              <a:effectLst>
+                <a:outerShdw blurRad="38100" dist="38100" dir="2700000" algn="tl">
+                  <a:srgbClr val="000000">
+                    <a:alpha val="43137"/>
+                  </a:srgbClr>
+                </a:outerShdw>
+              </a:effectLst>
+              <a:latin typeface="+mj-lt"/>
+              <a:ea typeface="+mj-ea"/>
+              <a:cs typeface="+mj-cs"/>
+            </a:endParaRPr>
+          </a:p>
+        </p:txBody>
+      </p:sp>
+      <p:grpSp>
+        <p:nvGrpSpPr>
+          <p:cNvPr id="74" name="Group 60">
+            <a:extLst>
+              <a:ext uri="{FF2B5EF4-FFF2-40B4-BE49-F238E27FC236}">
+                <a16:creationId xmlns:a16="http://schemas.microsoft.com/office/drawing/2014/main" id="{1DE889C7-FAD6-4397-98E2-05D503484459}"/>
+              </a:ext>
+              <a:ext uri="{C183D7F6-B498-43B3-948B-1728B52AA6E4}">
+                <adec:decorative xmlns:adec="http://schemas.microsoft.com/office/drawing/2017/decorative" val="1"/>
+              </a:ext>
+            </a:extLst>
+          </p:cNvPr>
+          <p:cNvGrpSpPr>
+            <a:grpSpLocks noGrp="1" noUngrp="1" noRot="1" noChangeAspect="1" noMove="1" noResize="1"/>
+          </p:cNvGrpSpPr>
+          <p:nvPr>
+            <p:extLst>
+              <p:ext uri="{386F3935-93C4-4BCD-93E2-E3B085C9AB24}">
+                <p16:designElem xmlns:p16="http://schemas.microsoft.com/office/powerpoint/2015/main" val="1"/>
+              </p:ext>
+            </p:extLst>
+          </p:nvPr>
+        </p:nvGrpSpPr>
+        <p:grpSpPr>
+          <a:xfrm>
+            <a:off x="0" y="1083484"/>
+            <a:ext cx="355196" cy="673460"/>
+            <a:chOff x="0" y="823811"/>
+            <a:chExt cx="355196" cy="673460"/>
+          </a:xfrm>
+        </p:grpSpPr>
+        <p:sp>
+          <p:nvSpPr>
+            <p:cNvPr id="75" name="Rectangle 61">
+              <a:extLst>
+                <a:ext uri="{FF2B5EF4-FFF2-40B4-BE49-F238E27FC236}">
+                  <a16:creationId xmlns:a16="http://schemas.microsoft.com/office/drawing/2014/main" id="{F399A70F-F8CD-4992-9EF5-6CF15472E73F}"/>
+                </a:ext>
+                <a:ext uri="{C183D7F6-B498-43B3-948B-1728B52AA6E4}">
+                  <adec:decorative xmlns:adec="http://schemas.microsoft.com/office/drawing/2017/decorative" val="1"/>
+                </a:ext>
+              </a:extLst>
+            </p:cNvPr>
+            <p:cNvSpPr/>
+            <p:nvPr>
+              <p:extLst>
+                <p:ext uri="{386F3935-93C4-4BCD-93E2-E3B085C9AB24}">
+                  <p16:designElem xmlns:p16="http://schemas.microsoft.com/office/powerpoint/2015/main" val="1"/>
+                </p:ext>
+              </p:extLst>
+            </p:nvPr>
+          </p:nvSpPr>
+          <p:spPr>
+            <a:xfrm>
+              <a:off x="0" y="823811"/>
+              <a:ext cx="87363" cy="673460"/>
+            </a:xfrm>
+            <a:prstGeom prst="rect">
+              <a:avLst/>
+            </a:prstGeom>
+            <a:solidFill>
+              <a:schemeClr val="accent4"/>
+            </a:solidFill>
+            <a:ln>
+              <a:noFill/>
+            </a:ln>
+          </p:spPr>
+          <p:style>
+            <a:lnRef idx="2">
+              <a:schemeClr val="accent1">
+                <a:shade val="50000"/>
+              </a:schemeClr>
+            </a:lnRef>
+            <a:fillRef idx="1">
+              <a:schemeClr val="accent1"/>
+            </a:fillRef>
+            <a:effectRef idx="0">
+              <a:schemeClr val="accent1"/>
+            </a:effectRef>
+            <a:fontRef idx="minor">
+              <a:schemeClr val="lt1"/>
+            </a:fontRef>
+          </p:style>
+          <p:txBody>
+            <a:bodyPr rtlCol="0" anchor="ctr"/>
+            <a:lstStyle/>
+            <a:p>
+              <a:pPr algn="ctr"/>
+              <a:endParaRPr lang="en-US"/>
+            </a:p>
+          </p:txBody>
+        </p:sp>
+        <p:sp>
+          <p:nvSpPr>
+            <p:cNvPr id="76" name="Rectangle 62">
+              <a:extLst>
+                <a:ext uri="{FF2B5EF4-FFF2-40B4-BE49-F238E27FC236}">
+                  <a16:creationId xmlns:a16="http://schemas.microsoft.com/office/drawing/2014/main" id="{48F4FEDC-6D80-458C-A665-075D9B9500FD}"/>
+                </a:ext>
+                <a:ext uri="{C183D7F6-B498-43B3-948B-1728B52AA6E4}">
+                  <adec:decorative xmlns:adec="http://schemas.microsoft.com/office/drawing/2017/decorative" val="1"/>
+                </a:ext>
+              </a:extLst>
+            </p:cNvPr>
+            <p:cNvSpPr/>
+            <p:nvPr>
+              <p:extLst>
+                <p:ext uri="{386F3935-93C4-4BCD-93E2-E3B085C9AB24}">
+                  <p16:designElem xmlns:p16="http://schemas.microsoft.com/office/powerpoint/2015/main" val="1"/>
+                </p:ext>
+              </p:extLst>
+            </p:nvPr>
+          </p:nvSpPr>
+          <p:spPr>
+            <a:xfrm>
+              <a:off x="159341" y="823811"/>
+              <a:ext cx="195855" cy="673460"/>
+            </a:xfrm>
+            <a:prstGeom prst="rect">
+              <a:avLst/>
+            </a:prstGeom>
+            <a:solidFill>
+              <a:schemeClr val="accent4"/>
+            </a:solidFill>
+            <a:ln>
+              <a:noFill/>
+            </a:ln>
+          </p:spPr>
+          <p:style>
+            <a:lnRef idx="2">
+              <a:schemeClr val="accent1">
+                <a:shade val="50000"/>
+              </a:schemeClr>
+            </a:lnRef>
+            <a:fillRef idx="1">
+              <a:schemeClr val="accent1"/>
+            </a:fillRef>
+            <a:effectRef idx="0">
+              <a:schemeClr val="accent1"/>
+            </a:effectRef>
+            <a:fontRef idx="minor">
+              <a:schemeClr val="lt1"/>
+            </a:fontRef>
+          </p:style>
+          <p:txBody>
+            <a:bodyPr rtlCol="0" anchor="ctr"/>
+            <a:lstStyle/>
+            <a:p>
+              <a:pPr algn="ctr"/>
+              <a:endParaRPr lang="en-US"/>
+            </a:p>
+          </p:txBody>
+        </p:sp>
+      </p:grpSp>
+      <p:sp>
+        <p:nvSpPr>
+          <p:cNvPr id="77" name="Rectangle 64">
+            <a:extLst>
+              <a:ext uri="{FF2B5EF4-FFF2-40B4-BE49-F238E27FC236}">
+                <a16:creationId xmlns:a16="http://schemas.microsoft.com/office/drawing/2014/main" id="{3873B707-463F-40B0-8227-E8CC6C67EB25}"/>
+              </a:ext>
+              <a:ext uri="{C183D7F6-B498-43B3-948B-1728B52AA6E4}">
+                <adec:decorative xmlns:adec="http://schemas.microsoft.com/office/drawing/2017/decorative" val="1"/>
+              </a:ext>
+            </a:extLst>
+          </p:cNvPr>
+          <p:cNvSpPr>
+            <a:spLocks noGrp="1" noRot="1" noChangeAspect="1" noMove="1" noResize="1" noEditPoints="1" noAdjustHandles="1" noChangeArrowheads="1" noChangeShapeType="1" noTextEdit="1"/>
+          </p:cNvSpPr>
+          <p:nvPr>
+            <p:extLst>
+              <p:ext uri="{386F3935-93C4-4BCD-93E2-E3B085C9AB24}">
+                <p16:designElem xmlns:p16="http://schemas.microsoft.com/office/powerpoint/2015/main" val="1"/>
+              </p:ext>
+            </p:extLst>
+          </p:nvPr>
+        </p:nvSpPr>
+        <p:spPr>
+          <a:xfrm flipH="1">
+            <a:off x="665085" y="2123821"/>
+            <a:ext cx="4975066" cy="27432"/>
+          </a:xfrm>
+          <a:prstGeom prst="rect">
+            <a:avLst/>
+          </a:prstGeom>
+          <a:solidFill>
+            <a:schemeClr val="accent4"/>
+          </a:solidFill>
+          <a:ln>
+            <a:noFill/>
+          </a:ln>
+        </p:spPr>
+        <p:style>
+          <a:lnRef idx="2">
+            <a:schemeClr val="accent1">
+              <a:shade val="50000"/>
+            </a:schemeClr>
+          </a:lnRef>
+          <a:fillRef idx="1">
+            <a:schemeClr val="accent1"/>
+          </a:fillRef>
+          <a:effectRef idx="0">
+            <a:schemeClr val="accent1"/>
+          </a:effectRef>
+          <a:fontRef idx="minor">
+            <a:schemeClr val="lt1"/>
+          </a:fontRef>
+        </p:style>
+        <p:txBody>
+          <a:bodyPr rtlCol="0" anchor="ctr"/>
+          <a:lstStyle/>
+          <a:p>
+            <a:pPr algn="ctr"/>
+            <a:endParaRPr lang="en-US"/>
+          </a:p>
+        </p:txBody>
+      </p:sp>
       <p:sp>
         <p:nvSpPr>
           <p:cNvPr id="41" name="Google Shape;93;p1"/>
@@ -3071,155 +3996,431 @@
         </p:nvSpPr>
         <p:spPr>
           <a:xfrm>
-            <a:off x="995400" y="2340000"/>
-            <a:ext cx="10164600" cy="3566160"/>
-          </a:xfrm>
-          <a:prstGeom prst="rect">
-            <a:avLst/>
-          </a:prstGeom>
-          <a:noFill/>
-          <a:ln w="0">
+            <a:off x="590718" y="2330505"/>
+            <a:ext cx="6044649" cy="3979585"/>
+          </a:xfrm>
+          <a:prstGeom prst="rect">
+            <a:avLst/>
+          </a:prstGeom>
+        </p:spPr>
+        <p:style>
+          <a:lnRef idx="0">
+            <a:scrgbClr r="0" g="0" b="0"/>
+          </a:lnRef>
+          <a:fillRef idx="0">
+            <a:scrgbClr r="0" g="0" b="0"/>
+          </a:fillRef>
+          <a:effectRef idx="0">
+            <a:scrgbClr r="0" g="0" b="0"/>
+          </a:effectRef>
+          <a:fontRef idx="minor"/>
+        </p:style>
+        <p:txBody>
+          <a:bodyPr vert="horz" lIns="91440" tIns="45720" rIns="91440" bIns="45720" rtlCol="0" anchor="ctr">
+            <a:normAutofit/>
+          </a:bodyPr>
+          <a:lstStyle/>
+          <a:p>
+            <a:pPr>
+              <a:lnSpc>
+                <a:spcPct val="90000"/>
+              </a:lnSpc>
+              <a:spcAft>
+                <a:spcPts val="600"/>
+              </a:spcAft>
+              <a:tabLst>
+                <a:tab pos="0" algn="l"/>
+              </a:tabLst>
+            </a:pPr>
+            <a:r>
+              <a:rPr lang="en-US" sz="1600" b="1" spc="-1" dirty="0" err="1"/>
+              <a:t>Autores</a:t>
+            </a:r>
+            <a:r>
+              <a:rPr lang="en-US" sz="1600" b="1" spc="-1" dirty="0"/>
+              <a:t>: Marco Julio </a:t>
+            </a:r>
+            <a:r>
+              <a:rPr lang="en-US" sz="1600" b="1" spc="-1" dirty="0" err="1"/>
+              <a:t>Cañas</a:t>
+            </a:r>
+            <a:r>
+              <a:rPr lang="en-US" sz="1600" b="1" spc="-1" dirty="0"/>
+              <a:t> [1], Yeiner David Pájaro Otero[2]</a:t>
+            </a:r>
+            <a:endParaRPr lang="en-US" sz="1600" b="1" strike="noStrike" spc="-1" dirty="0"/>
+          </a:p>
+          <a:p>
+            <a:pPr>
+              <a:lnSpc>
+                <a:spcPct val="90000"/>
+              </a:lnSpc>
+              <a:spcAft>
+                <a:spcPts val="600"/>
+              </a:spcAft>
+              <a:tabLst>
+                <a:tab pos="0" algn="l"/>
+              </a:tabLst>
+            </a:pPr>
+            <a:r>
+              <a:rPr lang="en-US" sz="1600" b="1" strike="noStrike" spc="-1" dirty="0"/>
+              <a:t>[1] </a:t>
+            </a:r>
+            <a:r>
+              <a:rPr lang="en-US" sz="1600" b="1" strike="noStrike" spc="-1" dirty="0" err="1"/>
+              <a:t>Docente</a:t>
+            </a:r>
+            <a:r>
+              <a:rPr lang="en-US" sz="1600" b="1" strike="noStrike" spc="-1" dirty="0"/>
+              <a:t> de </a:t>
+            </a:r>
+            <a:r>
+              <a:rPr lang="en-US" sz="1600" b="1" strike="noStrike" spc="-1" dirty="0" err="1"/>
+              <a:t>matemática</a:t>
+            </a:r>
+            <a:r>
+              <a:rPr lang="en-US" sz="1600" b="1" spc="-1" dirty="0" err="1"/>
+              <a:t>s</a:t>
+            </a:r>
+            <a:r>
+              <a:rPr lang="en-US" sz="1600" b="1" strike="noStrike" spc="-1" dirty="0"/>
+              <a:t>	</a:t>
+            </a:r>
+            <a:endParaRPr lang="en-US" sz="1600" b="1" spc="-1" dirty="0"/>
+          </a:p>
+          <a:p>
+            <a:pPr>
+              <a:lnSpc>
+                <a:spcPct val="90000"/>
+              </a:lnSpc>
+              <a:spcAft>
+                <a:spcPts val="600"/>
+              </a:spcAft>
+              <a:tabLst>
+                <a:tab pos="0" algn="l"/>
+              </a:tabLst>
+            </a:pPr>
+            <a:r>
+              <a:rPr lang="en-US" sz="1600" b="1" spc="-1" dirty="0"/>
+              <a:t>[2] </a:t>
+            </a:r>
+            <a:r>
+              <a:rPr lang="en-US" sz="1600" b="1" spc="-1" dirty="0" err="1"/>
+              <a:t>Estudiante</a:t>
+            </a:r>
+            <a:r>
+              <a:rPr lang="en-US" sz="1600" b="1" spc="-1" dirty="0"/>
+              <a:t> de </a:t>
+            </a:r>
+            <a:r>
+              <a:rPr lang="en-US" sz="1600" b="1" spc="-1" dirty="0" err="1"/>
+              <a:t>ingeniería</a:t>
+            </a:r>
+            <a:r>
+              <a:rPr lang="en-US" sz="1600" b="1" spc="-1" dirty="0"/>
+              <a:t> de </a:t>
+            </a:r>
+            <a:r>
+              <a:rPr lang="en-US" sz="1600" b="1" spc="-1" dirty="0" err="1"/>
+              <a:t>Telecomunicaciones</a:t>
+            </a:r>
+            <a:endParaRPr lang="en-US" sz="1600" b="1" spc="-1" dirty="0"/>
+          </a:p>
+        </p:txBody>
+      </p:sp>
+      <p:sp>
+        <p:nvSpPr>
+          <p:cNvPr id="78" name="Rectangle 66">
+            <a:extLst>
+              <a:ext uri="{FF2B5EF4-FFF2-40B4-BE49-F238E27FC236}">
+                <a16:creationId xmlns:a16="http://schemas.microsoft.com/office/drawing/2014/main" id="{C13237C8-E62C-4F0D-A318-BD6FB6C2D138}"/>
+              </a:ext>
+              <a:ext uri="{C183D7F6-B498-43B3-948B-1728B52AA6E4}">
+                <adec:decorative xmlns:adec="http://schemas.microsoft.com/office/drawing/2017/decorative" val="1"/>
+              </a:ext>
+            </a:extLst>
+          </p:cNvPr>
+          <p:cNvSpPr>
+            <a:spLocks noGrp="1" noRot="1" noChangeAspect="1" noMove="1" noResize="1" noEditPoints="1" noAdjustHandles="1" noChangeArrowheads="1" noChangeShapeType="1" noTextEdit="1"/>
+          </p:cNvSpPr>
+          <p:nvPr>
+            <p:extLst>
+              <p:ext uri="{386F3935-93C4-4BCD-93E2-E3B085C9AB24}">
+                <p16:designElem xmlns:p16="http://schemas.microsoft.com/office/powerpoint/2015/main" val="1"/>
+              </p:ext>
+            </p:extLst>
+          </p:nvPr>
+        </p:nvSpPr>
+        <p:spPr>
+          <a:xfrm flipH="1">
+            <a:off x="10697670" y="0"/>
+            <a:ext cx="1494330" cy="6858000"/>
+          </a:xfrm>
+          <a:prstGeom prst="rect">
+            <a:avLst/>
+          </a:prstGeom>
+          <a:solidFill>
+            <a:schemeClr val="accent4"/>
+          </a:solidFill>
+          <a:ln>
             <a:noFill/>
           </a:ln>
         </p:spPr>
         <p:style>
-          <a:lnRef idx="0"/>
-          <a:fillRef idx="0"/>
-          <a:effectRef idx="0"/>
-          <a:fontRef idx="minor"/>
+          <a:lnRef idx="2">
+            <a:schemeClr val="accent1">
+              <a:shade val="50000"/>
+            </a:schemeClr>
+          </a:lnRef>
+          <a:fillRef idx="1">
+            <a:schemeClr val="accent1"/>
+          </a:fillRef>
+          <a:effectRef idx="0">
+            <a:schemeClr val="accent1"/>
+          </a:effectRef>
+          <a:fontRef idx="minor">
+            <a:schemeClr val="lt1"/>
+          </a:fontRef>
         </p:style>
         <p:txBody>
-          <a:bodyPr anchor="t">
-            <a:spAutoFit/>
-          </a:bodyPr>
-          <a:p>
-            <a:pPr>
-              <a:lnSpc>
-                <a:spcPct val="100000"/>
-              </a:lnSpc>
-              <a:tabLst>
-                <a:tab algn="l" pos="0"/>
-              </a:tabLst>
-            </a:pPr>
-            <a:r>
-              <a:rPr b="1" lang="es-CO" sz="4000" spc="-1" strike="noStrike">
-                <a:solidFill>
-                  <a:srgbClr val="3f3f3f"/>
-                </a:solidFill>
-                <a:latin typeface="Work Sans"/>
-                <a:ea typeface="Work Sans"/>
-              </a:rPr>
-              <a:t>Obtención, visualización y modelacion de datos del proyecto investigativo AMSC</a:t>
-            </a:r>
-            <a:endParaRPr b="0" lang="es-CO" sz="4000" spc="-1" strike="noStrike">
-              <a:solidFill>
-                <a:srgbClr val="000000"/>
-              </a:solidFill>
-              <a:latin typeface="Arial"/>
-            </a:endParaRPr>
-          </a:p>
-          <a:p>
-            <a:pPr>
-              <a:lnSpc>
-                <a:spcPct val="100000"/>
-              </a:lnSpc>
-              <a:tabLst>
-                <a:tab algn="l" pos="0"/>
-              </a:tabLst>
-            </a:pPr>
-            <a:r>
-              <a:rPr b="1" lang="es-CO" sz="3600" spc="-1" strike="noStrike">
-                <a:solidFill>
-                  <a:srgbClr val="3f3f3f"/>
-                </a:solidFill>
-                <a:latin typeface="Work Sans"/>
-                <a:ea typeface="Work Sans"/>
-              </a:rPr>
-              <a:t>Yeiner Pajaro Otero</a:t>
-            </a:r>
-            <a:endParaRPr b="0" lang="es-CO" sz="3600" spc="-1" strike="noStrike">
-              <a:solidFill>
-                <a:srgbClr val="000000"/>
-              </a:solidFill>
-              <a:latin typeface="Arial"/>
-            </a:endParaRPr>
-          </a:p>
-          <a:p>
-            <a:pPr>
-              <a:lnSpc>
-                <a:spcPct val="100000"/>
-              </a:lnSpc>
-              <a:tabLst>
-                <a:tab algn="l" pos="0"/>
-              </a:tabLst>
-            </a:pPr>
-            <a:r>
-              <a:rPr b="1" lang="es-CO" sz="3600" spc="-1" strike="noStrike">
-                <a:solidFill>
-                  <a:srgbClr val="3f3f3f"/>
-                </a:solidFill>
-                <a:latin typeface="Work Sans"/>
-                <a:ea typeface="Work Sans"/>
-              </a:rPr>
-              <a:t>Marco Julio Cañas</a:t>
-            </a:r>
-            <a:endParaRPr b="0" lang="es-CO" sz="3600" spc="-1" strike="noStrike">
-              <a:solidFill>
-                <a:srgbClr val="000000"/>
-              </a:solidFill>
-              <a:latin typeface="Arial"/>
-            </a:endParaRPr>
-          </a:p>
-          <a:p>
-            <a:pPr>
-              <a:lnSpc>
-                <a:spcPct val="100000"/>
-              </a:lnSpc>
-              <a:tabLst>
-                <a:tab algn="l" pos="0"/>
-              </a:tabLst>
-            </a:pPr>
-            <a:r>
-              <a:rPr b="1" lang="es-CO" sz="3600" spc="-1" strike="noStrike">
-                <a:solidFill>
-                  <a:srgbClr val="3f3f3f"/>
-                </a:solidFill>
-                <a:latin typeface="Work Sans"/>
-                <a:ea typeface="Work Sans"/>
-              </a:rPr>
-              <a:t>Universidad de Antioquia</a:t>
-            </a:r>
-            <a:endParaRPr b="0" lang="es-CO" sz="3600" spc="-1" strike="noStrike">
-              <a:solidFill>
-                <a:srgbClr val="000000"/>
-              </a:solidFill>
-              <a:latin typeface="Arial"/>
-            </a:endParaRPr>
-          </a:p>
-        </p:txBody>
-      </p:sp>
+          <a:bodyPr rtlCol="0" anchor="ctr"/>
+          <a:lstStyle/>
+          <a:p>
+            <a:pPr algn="ctr"/>
+            <a:endParaRPr lang="en-US"/>
+          </a:p>
+        </p:txBody>
+      </p:sp>
+      <p:sp>
+        <p:nvSpPr>
+          <p:cNvPr id="79" name="Rectangle 68">
+            <a:extLst>
+              <a:ext uri="{FF2B5EF4-FFF2-40B4-BE49-F238E27FC236}">
+                <a16:creationId xmlns:a16="http://schemas.microsoft.com/office/drawing/2014/main" id="{19C9EAEA-39D0-4B0E-A0EB-51E7B26740B1}"/>
+              </a:ext>
+              <a:ext uri="{C183D7F6-B498-43B3-948B-1728B52AA6E4}">
+                <adec:decorative xmlns:adec="http://schemas.microsoft.com/office/drawing/2017/decorative" val="1"/>
+              </a:ext>
+            </a:extLst>
+          </p:cNvPr>
+          <p:cNvSpPr>
+            <a:spLocks noGrp="1" noRot="1" noChangeAspect="1" noMove="1" noResize="1" noEditPoints="1" noAdjustHandles="1" noChangeArrowheads="1" noChangeShapeType="1" noTextEdit="1"/>
+          </p:cNvSpPr>
+          <p:nvPr>
+            <p:extLst>
+              <p:ext uri="{386F3935-93C4-4BCD-93E2-E3B085C9AB24}">
+                <p16:designElem xmlns:p16="http://schemas.microsoft.com/office/powerpoint/2015/main" val="1"/>
+              </p:ext>
+            </p:extLst>
+          </p:nvPr>
+        </p:nvSpPr>
+        <p:spPr>
+          <a:xfrm>
+            <a:off x="6849687" y="357447"/>
+            <a:ext cx="4845488" cy="2923587"/>
+          </a:xfrm>
+          <a:prstGeom prst="rect">
+            <a:avLst/>
+          </a:prstGeom>
+          <a:solidFill>
+            <a:schemeClr val="bg1"/>
+          </a:solidFill>
+          <a:ln>
+            <a:noFill/>
+          </a:ln>
+          <a:effectLst>
+            <a:outerShdw blurRad="139700" dist="127000" dir="5400000" algn="t" rotWithShape="0">
+              <a:prstClr val="black">
+                <a:alpha val="15000"/>
+              </a:prstClr>
+            </a:outerShdw>
+          </a:effectLst>
+        </p:spPr>
+        <p:style>
+          <a:lnRef idx="2">
+            <a:schemeClr val="accent1">
+              <a:shade val="50000"/>
+            </a:schemeClr>
+          </a:lnRef>
+          <a:fillRef idx="1">
+            <a:schemeClr val="accent1"/>
+          </a:fillRef>
+          <a:effectRef idx="0">
+            <a:schemeClr val="accent1"/>
+          </a:effectRef>
+          <a:fontRef idx="minor">
+            <a:schemeClr val="lt1"/>
+          </a:fontRef>
+        </p:style>
+        <p:txBody>
+          <a:bodyPr rtlCol="0" anchor="ctr"/>
+          <a:lstStyle/>
+          <a:p>
+            <a:pPr algn="ctr"/>
+            <a:endParaRPr lang="en-US"/>
+          </a:p>
+        </p:txBody>
+      </p:sp>
+      <p:pic>
+        <p:nvPicPr>
+          <p:cNvPr id="7" name="Imagen 6" descr="Imagen que contiene objeto, reloj, firmar&#10;&#10;Descripción generada automáticamente">
+            <a:extLst>
+              <a:ext uri="{FF2B5EF4-FFF2-40B4-BE49-F238E27FC236}">
+                <a16:creationId xmlns:a16="http://schemas.microsoft.com/office/drawing/2014/main" id="{9762A65F-EE3C-22EB-9C9A-CA30025D8D88}"/>
+              </a:ext>
+            </a:extLst>
+          </p:cNvPr>
+          <p:cNvPicPr>
+            <a:picLocks noChangeAspect="1"/>
+          </p:cNvPicPr>
+          <p:nvPr/>
+        </p:nvPicPr>
+        <p:blipFill>
+          <a:blip r:embed="rId2" cstate="print">
+            <a:extLst>
+              <a:ext uri="{28A0092B-C50C-407E-A947-70E740481C1C}">
+                <a14:useLocalDpi xmlns:a14="http://schemas.microsoft.com/office/drawing/2010/main" val="0"/>
+              </a:ext>
+            </a:extLst>
+          </a:blip>
+          <a:stretch>
+            <a:fillRect/>
+          </a:stretch>
+        </p:blipFill>
+        <p:spPr>
+          <a:xfrm>
+            <a:off x="7083423" y="1286093"/>
+            <a:ext cx="4397433" cy="1110354"/>
+          </a:xfrm>
+          <a:prstGeom prst="rect">
+            <a:avLst/>
+          </a:prstGeom>
+        </p:spPr>
+      </p:pic>
+      <p:sp>
+        <p:nvSpPr>
+          <p:cNvPr id="80" name="Rectangle 70">
+            <a:extLst>
+              <a:ext uri="{FF2B5EF4-FFF2-40B4-BE49-F238E27FC236}">
+                <a16:creationId xmlns:a16="http://schemas.microsoft.com/office/drawing/2014/main" id="{8CB5D2D7-DF65-4E86-BFBA-FFB9B5ACEB64}"/>
+              </a:ext>
+              <a:ext uri="{C183D7F6-B498-43B3-948B-1728B52AA6E4}">
+                <adec:decorative xmlns:adec="http://schemas.microsoft.com/office/drawing/2017/decorative" val="1"/>
+              </a:ext>
+            </a:extLst>
+          </p:cNvPr>
+          <p:cNvSpPr>
+            <a:spLocks noGrp="1" noRot="1" noChangeAspect="1" noMove="1" noResize="1" noEditPoints="1" noAdjustHandles="1" noChangeArrowheads="1" noChangeShapeType="1" noTextEdit="1"/>
+          </p:cNvSpPr>
+          <p:nvPr>
+            <p:extLst>
+              <p:ext uri="{386F3935-93C4-4BCD-93E2-E3B085C9AB24}">
+                <p16:designElem xmlns:p16="http://schemas.microsoft.com/office/powerpoint/2015/main" val="1"/>
+              </p:ext>
+            </p:extLst>
+          </p:nvPr>
+        </p:nvSpPr>
+        <p:spPr>
+          <a:xfrm>
+            <a:off x="6849687" y="3505479"/>
+            <a:ext cx="4845488" cy="2923587"/>
+          </a:xfrm>
+          <a:prstGeom prst="rect">
+            <a:avLst/>
+          </a:prstGeom>
+          <a:solidFill>
+            <a:schemeClr val="bg1"/>
+          </a:solidFill>
+          <a:ln>
+            <a:noFill/>
+          </a:ln>
+          <a:effectLst>
+            <a:outerShdw blurRad="139700" dist="127000" dir="5400000" algn="t" rotWithShape="0">
+              <a:prstClr val="black">
+                <a:alpha val="15000"/>
+              </a:prstClr>
+            </a:outerShdw>
+          </a:effectLst>
+        </p:spPr>
+        <p:style>
+          <a:lnRef idx="2">
+            <a:schemeClr val="accent1">
+              <a:shade val="50000"/>
+            </a:schemeClr>
+          </a:lnRef>
+          <a:fillRef idx="1">
+            <a:schemeClr val="accent1"/>
+          </a:fillRef>
+          <a:effectRef idx="0">
+            <a:schemeClr val="accent1"/>
+          </a:effectRef>
+          <a:fontRef idx="minor">
+            <a:schemeClr val="lt1"/>
+          </a:fontRef>
+        </p:style>
+        <p:txBody>
+          <a:bodyPr rtlCol="0" anchor="ctr"/>
+          <a:lstStyle/>
+          <a:p>
+            <a:pPr algn="ctr"/>
+            <a:endParaRPr lang="en-US"/>
+          </a:p>
+        </p:txBody>
+      </p:sp>
+      <p:pic>
+        <p:nvPicPr>
+          <p:cNvPr id="3" name="Imagen 2" descr="Imagen que contiene equipo&#10;&#10;Descripción generada automáticamente">
+            <a:extLst>
+              <a:ext uri="{FF2B5EF4-FFF2-40B4-BE49-F238E27FC236}">
+                <a16:creationId xmlns:a16="http://schemas.microsoft.com/office/drawing/2014/main" id="{4A6B8502-65DF-619C-7479-B419C27B6C0C}"/>
+              </a:ext>
+            </a:extLst>
+          </p:cNvPr>
+          <p:cNvPicPr>
+            <a:picLocks noChangeAspect="1"/>
+          </p:cNvPicPr>
+          <p:nvPr/>
+        </p:nvPicPr>
+        <p:blipFill>
+          <a:blip r:embed="rId3">
+            <a:extLst>
+              <a:ext uri="{28A0092B-C50C-407E-A947-70E740481C1C}">
+                <a14:useLocalDpi xmlns:a14="http://schemas.microsoft.com/office/drawing/2010/main" val="0"/>
+              </a:ext>
+            </a:extLst>
+          </a:blip>
+          <a:stretch>
+            <a:fillRect/>
+          </a:stretch>
+        </p:blipFill>
+        <p:spPr>
+          <a:xfrm>
+            <a:off x="8021829" y="3707894"/>
+            <a:ext cx="2518756" cy="2518756"/>
+          </a:xfrm>
+          <a:prstGeom prst="rect">
+            <a:avLst/>
+          </a:prstGeom>
+        </p:spPr>
+      </p:pic>
     </p:spTree>
   </p:cSld>
-  <mc:AlternateContent>
-    <mc:Choice Requires="p14">
-      <p:transition spd="slow" p14:dur="2000"/>
-    </mc:Choice>
-    <mc:Fallback>
-      <p:transition spd="slow"/>
-    </mc:Fallback>
-  </mc:AlternateContent>
+  <p:clrMapOvr>
+    <a:masterClrMapping/>
+  </p:clrMapOvr>
 </p:sld>
 </file>
 
 <file path=ppt/slides/slide2.xml><?xml version="1.0" encoding="utf-8"?>
-<p:sld xmlns:a="http://schemas.openxmlformats.org/drawingml/2006/main" xmlns:p="http://schemas.openxmlformats.org/presentationml/2006/main" xmlns:r="http://schemas.openxmlformats.org/officeDocument/2006/relationships" xmlns:p14="http://schemas.microsoft.com/office/powerpoint/2010/main" xmlns:p15="http://schemas.microsoft.com/office/powerpoint/2012/main" xmlns:mc="http://schemas.openxmlformats.org/markup-compatibility/2006">
+<p:sld xmlns:a="http://schemas.openxmlformats.org/drawingml/2006/main" xmlns:r="http://schemas.openxmlformats.org/officeDocument/2006/relationships" xmlns:p="http://schemas.openxmlformats.org/presentationml/2006/main">
   <p:cSld>
     <p:bg>
       <p:bgPr>
         <a:blipFill rotWithShape="0">
-          <a:blip r:embed="rId1"/>
+          <a:blip r:embed="rId2"/>
           <a:stretch/>
         </a:blipFill>
+        <a:effectLst/>
       </p:bgPr>
     </p:bg>
     <p:spTree>
@@ -3256,35 +4457,42 @@
           </a:ln>
         </p:spPr>
         <p:style>
-          <a:lnRef idx="0"/>
-          <a:fillRef idx="0"/>
-          <a:effectRef idx="0"/>
+          <a:lnRef idx="0">
+            <a:scrgbClr r="0" g="0" b="0"/>
+          </a:lnRef>
+          <a:fillRef idx="0">
+            <a:scrgbClr r="0" g="0" b="0"/>
+          </a:fillRef>
+          <a:effectRef idx="0">
+            <a:scrgbClr r="0" g="0" b="0"/>
+          </a:effectRef>
           <a:fontRef idx="minor"/>
         </p:style>
         <p:txBody>
           <a:bodyPr anchor="t">
             <a:spAutoFit/>
           </a:bodyPr>
+          <a:lstStyle/>
           <a:p>
             <a:pPr>
               <a:lnSpc>
                 <a:spcPct val="100000"/>
               </a:lnSpc>
               <a:tabLst>
-                <a:tab algn="l" pos="0"/>
+                <a:tab pos="0" algn="l"/>
               </a:tabLst>
             </a:pPr>
             <a:r>
-              <a:rPr b="1" lang="es-CO" sz="5400" spc="-1" strike="noStrike">
+              <a:rPr lang="es-CO" sz="5400" b="1" strike="noStrike" spc="-1">
                 <a:solidFill>
-                  <a:srgbClr val="3f3f3f"/>
+                  <a:srgbClr val="3F3F3F"/>
                 </a:solidFill>
                 <a:latin typeface="Work Sans"/>
                 <a:ea typeface="Work Sans"/>
               </a:rPr>
               <a:t>Título</a:t>
             </a:r>
-            <a:endParaRPr b="0" lang="es-CO" sz="5400" spc="-1" strike="noStrike">
+            <a:endParaRPr lang="es-CO" sz="5400" b="0" strike="noStrike" spc="-1">
               <a:solidFill>
                 <a:srgbClr val="000000"/>
               </a:solidFill>
@@ -3297,20 +4505,20 @@
                 <a:spcPct val="100000"/>
               </a:lnSpc>
               <a:tabLst>
-                <a:tab algn="l" pos="0"/>
+                <a:tab pos="0" algn="l"/>
               </a:tabLst>
             </a:pPr>
             <a:r>
-              <a:rPr b="1" lang="es-CO" sz="5400" spc="-1" strike="noStrike">
+              <a:rPr lang="es-CO" sz="5400" b="1" strike="noStrike" spc="-1">
                 <a:solidFill>
-                  <a:srgbClr val="3f3f3f"/>
+                  <a:srgbClr val="3F3F3F"/>
                 </a:solidFill>
                 <a:latin typeface="Work Sans"/>
                 <a:ea typeface="Work Sans"/>
               </a:rPr>
               <a:t>presentación</a:t>
             </a:r>
-            <a:endParaRPr b="0" lang="es-CO" sz="5400" spc="-1" strike="noStrike">
+            <a:endParaRPr lang="es-CO" sz="5400" b="0" strike="noStrike" spc="-1">
               <a:solidFill>
                 <a:srgbClr val="000000"/>
               </a:solidFill>
@@ -3326,8 +4534,8 @@
           <p:nvPr/>
         </p:nvPicPr>
         <p:blipFill>
-          <a:blip r:embed="rId2"/>
-          <a:srcRect l="0" t="16091" r="0" b="26995"/>
+          <a:blip r:embed="rId3"/>
+          <a:srcRect t="16091" b="26995"/>
           <a:stretch/>
         </p:blipFill>
         <p:spPr>
@@ -3345,26 +4553,22 @@
       </p:pic>
     </p:spTree>
   </p:cSld>
-  <mc:AlternateContent>
-    <mc:Choice Requires="p14">
-      <p:transition spd="slow" p14:dur="2000"/>
-    </mc:Choice>
-    <mc:Fallback>
-      <p:transition spd="slow"/>
-    </mc:Fallback>
-  </mc:AlternateContent>
+  <p:clrMapOvr>
+    <a:masterClrMapping/>
+  </p:clrMapOvr>
 </p:sld>
 </file>
 
 <file path=ppt/slides/slide3.xml><?xml version="1.0" encoding="utf-8"?>
-<p:sld xmlns:a="http://schemas.openxmlformats.org/drawingml/2006/main" xmlns:p="http://schemas.openxmlformats.org/presentationml/2006/main" xmlns:r="http://schemas.openxmlformats.org/officeDocument/2006/relationships" xmlns:p14="http://schemas.microsoft.com/office/powerpoint/2010/main" xmlns:p15="http://schemas.microsoft.com/office/powerpoint/2012/main" xmlns:mc="http://schemas.openxmlformats.org/markup-compatibility/2006">
+<p:sld xmlns:a="http://schemas.openxmlformats.org/drawingml/2006/main" xmlns:r="http://schemas.openxmlformats.org/officeDocument/2006/relationships" xmlns:p="http://schemas.openxmlformats.org/presentationml/2006/main">
   <p:cSld>
     <p:bg>
       <p:bgPr>
         <a:blipFill rotWithShape="0">
-          <a:blip r:embed="rId1"/>
+          <a:blip r:embed="rId2"/>
           <a:stretch/>
         </a:blipFill>
+        <a:effectLst/>
       </p:bgPr>
     </p:bg>
     <p:spTree>
@@ -3401,35 +4605,42 @@
           </a:ln>
         </p:spPr>
         <p:style>
-          <a:lnRef idx="0"/>
-          <a:fillRef idx="0"/>
-          <a:effectRef idx="0"/>
+          <a:lnRef idx="0">
+            <a:scrgbClr r="0" g="0" b="0"/>
+          </a:lnRef>
+          <a:fillRef idx="0">
+            <a:scrgbClr r="0" g="0" b="0"/>
+          </a:fillRef>
+          <a:effectRef idx="0">
+            <a:scrgbClr r="0" g="0" b="0"/>
+          </a:effectRef>
           <a:fontRef idx="minor"/>
         </p:style>
         <p:txBody>
           <a:bodyPr anchor="t">
             <a:spAutoFit/>
           </a:bodyPr>
+          <a:lstStyle/>
           <a:p>
             <a:pPr algn="ctr">
               <a:lnSpc>
                 <a:spcPct val="100000"/>
               </a:lnSpc>
               <a:tabLst>
-                <a:tab algn="l" pos="0"/>
+                <a:tab pos="0" algn="l"/>
               </a:tabLst>
             </a:pPr>
             <a:r>
-              <a:rPr b="1" lang="es-CO" sz="6000" spc="-1" strike="noStrike">
+              <a:rPr lang="es-CO" sz="6000" b="1" strike="noStrike" spc="-1">
                 <a:solidFill>
-                  <a:srgbClr val="4d4d4c"/>
+                  <a:srgbClr val="4D4D4C"/>
                 </a:solidFill>
                 <a:latin typeface="Work Sans"/>
                 <a:ea typeface="Work Sans"/>
               </a:rPr>
               <a:t>Resumen</a:t>
             </a:r>
-            <a:endParaRPr b="0" lang="es-CO" sz="6000" spc="-1" strike="noStrike">
+            <a:endParaRPr lang="es-CO" sz="6000" b="0" strike="noStrike" spc="-1">
               <a:solidFill>
                 <a:srgbClr val="000000"/>
               </a:solidFill>
@@ -3454,7 +4665,7 @@
           </a:prstGeom>
           <a:ln w="12700">
             <a:solidFill>
-              <a:srgbClr val="38aa00"/>
+              <a:srgbClr val="38AA00"/>
             </a:solidFill>
             <a:miter/>
           </a:ln>
@@ -3480,26 +4691,33 @@
           </a:ln>
         </p:spPr>
         <p:style>
-          <a:lnRef idx="0"/>
-          <a:fillRef idx="0"/>
-          <a:effectRef idx="0"/>
+          <a:lnRef idx="0">
+            <a:scrgbClr r="0" g="0" b="0"/>
+          </a:lnRef>
+          <a:fillRef idx="0">
+            <a:scrgbClr r="0" g="0" b="0"/>
+          </a:fillRef>
+          <a:effectRef idx="0">
+            <a:scrgbClr r="0" g="0" b="0"/>
+          </a:effectRef>
           <a:fontRef idx="minor"/>
         </p:style>
         <p:txBody>
           <a:bodyPr anchor="t">
             <a:spAutoFit/>
           </a:bodyPr>
+          <a:lstStyle/>
           <a:p>
             <a:pPr algn="ctr">
               <a:lnSpc>
                 <a:spcPct val="100000"/>
               </a:lnSpc>
               <a:tabLst>
-                <a:tab algn="l" pos="0"/>
+                <a:tab pos="0" algn="l"/>
               </a:tabLst>
             </a:pPr>
             <a:r>
-              <a:rPr b="0" lang="es-CO" sz="1600" spc="-1" strike="noStrike">
+              <a:rPr lang="es-CO" sz="1600" b="0" strike="noStrike" spc="-1" dirty="0">
                 <a:solidFill>
                   <a:srgbClr val="000000"/>
                 </a:solidFill>
@@ -3508,7 +4726,7 @@
               </a:rPr>
               <a:t>texto corto descriptivo</a:t>
             </a:r>
-            <a:endParaRPr b="0" lang="es-CO" sz="1600" spc="-1" strike="noStrike">
+            <a:endParaRPr lang="es-CO" sz="1600" b="0" strike="noStrike" spc="-1" dirty="0">
               <a:solidFill>
                 <a:srgbClr val="000000"/>
               </a:solidFill>
@@ -3521,11 +4739,11 @@
                 <a:spcPct val="100000"/>
               </a:lnSpc>
               <a:tabLst>
-                <a:tab algn="l" pos="0"/>
+                <a:tab pos="0" algn="l"/>
               </a:tabLst>
             </a:pPr>
             <a:r>
-              <a:rPr b="0" lang="es-CO" sz="1600" spc="-1" strike="noStrike">
+              <a:rPr lang="es-CO" sz="1600" b="0" strike="noStrike" spc="-1" dirty="0">
                 <a:solidFill>
                   <a:srgbClr val="000000"/>
                 </a:solidFill>
@@ -3534,7 +4752,7 @@
               </a:rPr>
               <a:t>a 2 o 3 líneas</a:t>
             </a:r>
-            <a:endParaRPr b="0" lang="es-CO" sz="1600" spc="-1" strike="noStrike">
+            <a:endParaRPr lang="es-CO" sz="1600" b="0" strike="noStrike" spc="-1" dirty="0">
               <a:solidFill>
                 <a:srgbClr val="000000"/>
               </a:solidFill>
@@ -3545,26 +4763,21 @@
       </p:sp>
     </p:spTree>
   </p:cSld>
-  <mc:AlternateContent>
-    <mc:Choice Requires="p14">
-      <p:transition spd="slow" p14:dur="2000"/>
-    </mc:Choice>
-    <mc:Fallback>
-      <p:transition spd="slow"/>
-    </mc:Fallback>
-  </mc:AlternateContent>
+  <p:clrMapOvr>
+    <a:masterClrMapping/>
+  </p:clrMapOvr>
 </p:sld>
 </file>
 
 <file path=ppt/slides/slide4.xml><?xml version="1.0" encoding="utf-8"?>
-<p:sld xmlns:a="http://schemas.openxmlformats.org/drawingml/2006/main" xmlns:p="http://schemas.openxmlformats.org/presentationml/2006/main" xmlns:r="http://schemas.openxmlformats.org/officeDocument/2006/relationships" xmlns:p14="http://schemas.microsoft.com/office/powerpoint/2010/main" xmlns:p15="http://schemas.microsoft.com/office/powerpoint/2012/main" xmlns:mc="http://schemas.openxmlformats.org/markup-compatibility/2006">
+<p:sld xmlns:a="http://schemas.openxmlformats.org/drawingml/2006/main" xmlns:r="http://schemas.openxmlformats.org/officeDocument/2006/relationships" xmlns:p="http://schemas.openxmlformats.org/presentationml/2006/main">
   <p:cSld>
     <p:bg>
       <p:bgPr>
-        <a:blipFill rotWithShape="0">
-          <a:blip r:embed="rId1"/>
-          <a:stretch/>
-        </a:blipFill>
+        <a:solidFill>
+          <a:schemeClr val="bg1"/>
+        </a:solidFill>
+        <a:effectLst/>
       </p:bgPr>
     </p:bg>
     <p:spTree>
@@ -3581,6 +4794,66 @@
           <a:chExt cx="0" cy="0"/>
         </a:xfrm>
       </p:grpSpPr>
+      <p:sp useBgFill="1">
+        <p:nvSpPr>
+          <p:cNvPr id="61" name="Rectangle 53">
+            <a:extLst>
+              <a:ext uri="{FF2B5EF4-FFF2-40B4-BE49-F238E27FC236}">
+                <a16:creationId xmlns:a16="http://schemas.microsoft.com/office/drawing/2014/main" id="{6ECA6DCB-B7E1-40A9-9524-540C6DA40B1B}"/>
+              </a:ext>
+              <a:ext uri="{C183D7F6-B498-43B3-948B-1728B52AA6E4}">
+                <adec:decorative xmlns:adec="http://schemas.microsoft.com/office/drawing/2017/decorative" val="1"/>
+              </a:ext>
+            </a:extLst>
+          </p:cNvPr>
+          <p:cNvSpPr>
+            <a:spLocks noGrp="1" noRot="1" noChangeAspect="1" noMove="1" noResize="1" noEditPoints="1" noAdjustHandles="1" noChangeArrowheads="1" noChangeShapeType="1" noTextEdit="1"/>
+          </p:cNvSpPr>
+          <p:nvPr>
+            <p:extLst>
+              <p:ext uri="{386F3935-93C4-4BCD-93E2-E3B085C9AB24}">
+                <p16:designElem xmlns:p16="http://schemas.microsoft.com/office/powerpoint/2015/main" val="1"/>
+              </p:ext>
+            </p:extLst>
+          </p:nvPr>
+        </p:nvSpPr>
+        <p:spPr>
+          <a:xfrm>
+            <a:off x="0" y="0"/>
+            <a:ext cx="12191999" cy="6857365"/>
+          </a:xfrm>
+          <a:prstGeom prst="rect">
+            <a:avLst/>
+          </a:prstGeom>
+          <a:ln>
+            <a:noFill/>
+          </a:ln>
+        </p:spPr>
+        <p:style>
+          <a:lnRef idx="2">
+            <a:schemeClr val="accent1">
+              <a:shade val="50000"/>
+            </a:schemeClr>
+          </a:lnRef>
+          <a:fillRef idx="1">
+            <a:schemeClr val="accent1"/>
+          </a:fillRef>
+          <a:effectRef idx="0">
+            <a:schemeClr val="accent1"/>
+          </a:effectRef>
+          <a:fontRef idx="minor">
+            <a:schemeClr val="lt1"/>
+          </a:fontRef>
+        </p:style>
+        <p:txBody>
+          <a:bodyPr rtlCol="0" anchor="ctr"/>
+          <a:lstStyle/>
+          <a:p>
+            <a:pPr algn="ctr"/>
+            <a:endParaRPr lang="en-US"/>
+          </a:p>
+        </p:txBody>
+      </p:sp>
       <p:sp>
         <p:nvSpPr>
           <p:cNvPr id="47" name="Google Shape;111;p5"/>
@@ -3589,52 +4862,281 @@
         </p:nvSpPr>
         <p:spPr>
           <a:xfrm>
-            <a:off x="970560" y="449280"/>
-            <a:ext cx="3579120" cy="676080"/>
-          </a:xfrm>
-          <a:prstGeom prst="rect">
-            <a:avLst/>
-          </a:prstGeom>
-          <a:noFill/>
-          <a:ln w="0">
-            <a:noFill/>
-          </a:ln>
+            <a:off x="589560" y="856180"/>
+            <a:ext cx="5279408" cy="1128068"/>
+          </a:xfrm>
+          <a:prstGeom prst="rect">
+            <a:avLst/>
+          </a:prstGeom>
         </p:spPr>
         <p:style>
-          <a:lnRef idx="0"/>
-          <a:fillRef idx="0"/>
-          <a:effectRef idx="0"/>
+          <a:lnRef idx="0">
+            <a:scrgbClr r="0" g="0" b="0"/>
+          </a:lnRef>
+          <a:fillRef idx="0">
+            <a:scrgbClr r="0" g="0" b="0"/>
+          </a:fillRef>
+          <a:effectRef idx="0">
+            <a:scrgbClr r="0" g="0" b="0"/>
+          </a:effectRef>
           <a:fontRef idx="minor"/>
         </p:style>
         <p:txBody>
-          <a:bodyPr anchor="t">
-            <a:noAutofit/>
+          <a:bodyPr vert="horz" lIns="91440" tIns="45720" rIns="91440" bIns="45720" rtlCol="0" anchor="ctr">
+            <a:normAutofit/>
           </a:bodyPr>
+          <a:lstStyle/>
           <a:p>
             <a:pPr>
               <a:lnSpc>
                 <a:spcPct val="90000"/>
               </a:lnSpc>
+              <a:spcBef>
+                <a:spcPct val="0"/>
+              </a:spcBef>
+              <a:spcAft>
+                <a:spcPts val="600"/>
+              </a:spcAft>
               <a:tabLst>
-                <a:tab algn="l" pos="0"/>
+                <a:tab pos="0" algn="l"/>
               </a:tabLst>
             </a:pPr>
             <a:r>
-              <a:rPr b="1" lang="es-CO" sz="3600" spc="-1" strike="noStrike">
+              <a:rPr lang="en-US" sz="4000" b="1" strike="noStrike" kern="1200" spc="-1">
                 <a:solidFill>
-                  <a:srgbClr val="38aa00"/>
+                  <a:schemeClr val="tx1"/>
                 </a:solidFill>
-                <a:latin typeface="Work Sans"/>
-                <a:ea typeface="Work Sans"/>
+                <a:latin typeface="+mj-lt"/>
+                <a:ea typeface="+mj-ea"/>
+                <a:cs typeface="+mj-cs"/>
               </a:rPr>
               <a:t>Introducción</a:t>
             </a:r>
-            <a:endParaRPr b="0" lang="es-CO" sz="3600" spc="-1" strike="noStrike">
+            <a:endParaRPr lang="en-US" sz="4000" b="0" strike="noStrike" kern="1200" spc="-1">
               <a:solidFill>
-                <a:srgbClr val="000000"/>
+                <a:schemeClr val="tx1"/>
               </a:solidFill>
-              <a:latin typeface="Arial"/>
+              <a:latin typeface="+mj-lt"/>
+              <a:ea typeface="+mj-ea"/>
+              <a:cs typeface="+mj-cs"/>
             </a:endParaRPr>
+          </a:p>
+        </p:txBody>
+      </p:sp>
+      <p:grpSp>
+        <p:nvGrpSpPr>
+          <p:cNvPr id="63" name="Group 55">
+            <a:extLst>
+              <a:ext uri="{FF2B5EF4-FFF2-40B4-BE49-F238E27FC236}">
+                <a16:creationId xmlns:a16="http://schemas.microsoft.com/office/drawing/2014/main" id="{1DE889C7-FAD6-4397-98E2-05D503484459}"/>
+              </a:ext>
+              <a:ext uri="{C183D7F6-B498-43B3-948B-1728B52AA6E4}">
+                <adec:decorative xmlns:adec="http://schemas.microsoft.com/office/drawing/2017/decorative" val="1"/>
+              </a:ext>
+            </a:extLst>
+          </p:cNvPr>
+          <p:cNvGrpSpPr>
+            <a:grpSpLocks noGrp="1" noUngrp="1" noRot="1" noChangeAspect="1" noMove="1" noResize="1"/>
+          </p:cNvGrpSpPr>
+          <p:nvPr>
+            <p:extLst>
+              <p:ext uri="{386F3935-93C4-4BCD-93E2-E3B085C9AB24}">
+                <p16:designElem xmlns:p16="http://schemas.microsoft.com/office/powerpoint/2015/main" val="1"/>
+              </p:ext>
+            </p:extLst>
+          </p:nvPr>
+        </p:nvGrpSpPr>
+        <p:grpSpPr>
+          <a:xfrm>
+            <a:off x="0" y="1083484"/>
+            <a:ext cx="355196" cy="673460"/>
+            <a:chOff x="0" y="823811"/>
+            <a:chExt cx="355196" cy="673460"/>
+          </a:xfrm>
+        </p:grpSpPr>
+        <p:sp>
+          <p:nvSpPr>
+            <p:cNvPr id="57" name="Rectangle 56">
+              <a:extLst>
+                <a:ext uri="{FF2B5EF4-FFF2-40B4-BE49-F238E27FC236}">
+                  <a16:creationId xmlns:a16="http://schemas.microsoft.com/office/drawing/2014/main" id="{F399A70F-F8CD-4992-9EF5-6CF15472E73F}"/>
+                </a:ext>
+                <a:ext uri="{C183D7F6-B498-43B3-948B-1728B52AA6E4}">
+                  <adec:decorative xmlns:adec="http://schemas.microsoft.com/office/drawing/2017/decorative" val="1"/>
+                </a:ext>
+              </a:extLst>
+            </p:cNvPr>
+            <p:cNvSpPr/>
+            <p:nvPr>
+              <p:extLst>
+                <p:ext uri="{386F3935-93C4-4BCD-93E2-E3B085C9AB24}">
+                  <p16:designElem xmlns:p16="http://schemas.microsoft.com/office/powerpoint/2015/main" val="1"/>
+                </p:ext>
+              </p:extLst>
+            </p:nvPr>
+          </p:nvSpPr>
+          <p:spPr>
+            <a:xfrm>
+              <a:off x="0" y="823811"/>
+              <a:ext cx="87363" cy="673460"/>
+            </a:xfrm>
+            <a:prstGeom prst="rect">
+              <a:avLst/>
+            </a:prstGeom>
+            <a:solidFill>
+              <a:schemeClr val="accent4"/>
+            </a:solidFill>
+            <a:ln>
+              <a:noFill/>
+            </a:ln>
+          </p:spPr>
+          <p:style>
+            <a:lnRef idx="2">
+              <a:schemeClr val="accent1">
+                <a:shade val="50000"/>
+              </a:schemeClr>
+            </a:lnRef>
+            <a:fillRef idx="1">
+              <a:schemeClr val="accent1"/>
+            </a:fillRef>
+            <a:effectRef idx="0">
+              <a:schemeClr val="accent1"/>
+            </a:effectRef>
+            <a:fontRef idx="minor">
+              <a:schemeClr val="lt1"/>
+            </a:fontRef>
+          </p:style>
+          <p:txBody>
+            <a:bodyPr rtlCol="0" anchor="ctr"/>
+            <a:lstStyle/>
+            <a:p>
+              <a:pPr algn="ctr"/>
+              <a:endParaRPr lang="en-US"/>
+            </a:p>
+          </p:txBody>
+        </p:sp>
+        <p:sp>
+          <p:nvSpPr>
+            <p:cNvPr id="65" name="Rectangle 57">
+              <a:extLst>
+                <a:ext uri="{FF2B5EF4-FFF2-40B4-BE49-F238E27FC236}">
+                  <a16:creationId xmlns:a16="http://schemas.microsoft.com/office/drawing/2014/main" id="{48F4FEDC-6D80-458C-A665-075D9B9500FD}"/>
+                </a:ext>
+                <a:ext uri="{C183D7F6-B498-43B3-948B-1728B52AA6E4}">
+                  <adec:decorative xmlns:adec="http://schemas.microsoft.com/office/drawing/2017/decorative" val="1"/>
+                </a:ext>
+              </a:extLst>
+            </p:cNvPr>
+            <p:cNvSpPr/>
+            <p:nvPr>
+              <p:extLst>
+                <p:ext uri="{386F3935-93C4-4BCD-93E2-E3B085C9AB24}">
+                  <p16:designElem xmlns:p16="http://schemas.microsoft.com/office/powerpoint/2015/main" val="1"/>
+                </p:ext>
+              </p:extLst>
+            </p:nvPr>
+          </p:nvSpPr>
+          <p:spPr>
+            <a:xfrm>
+              <a:off x="159341" y="823811"/>
+              <a:ext cx="195855" cy="673460"/>
+            </a:xfrm>
+            <a:prstGeom prst="rect">
+              <a:avLst/>
+            </a:prstGeom>
+            <a:solidFill>
+              <a:schemeClr val="accent4"/>
+            </a:solidFill>
+            <a:ln>
+              <a:noFill/>
+            </a:ln>
+          </p:spPr>
+          <p:style>
+            <a:lnRef idx="2">
+              <a:schemeClr val="accent1">
+                <a:shade val="50000"/>
+              </a:schemeClr>
+            </a:lnRef>
+            <a:fillRef idx="1">
+              <a:schemeClr val="accent1"/>
+            </a:fillRef>
+            <a:effectRef idx="0">
+              <a:schemeClr val="accent1"/>
+            </a:effectRef>
+            <a:fontRef idx="minor">
+              <a:schemeClr val="lt1"/>
+            </a:fontRef>
+          </p:style>
+          <p:txBody>
+            <a:bodyPr rtlCol="0" anchor="ctr"/>
+            <a:lstStyle/>
+            <a:p>
+              <a:pPr algn="ctr"/>
+              <a:endParaRPr lang="en-US"/>
+            </a:p>
+          </p:txBody>
+        </p:sp>
+      </p:grpSp>
+      <p:sp>
+        <p:nvSpPr>
+          <p:cNvPr id="60" name="Rectangle 59">
+            <a:extLst>
+              <a:ext uri="{FF2B5EF4-FFF2-40B4-BE49-F238E27FC236}">
+                <a16:creationId xmlns:a16="http://schemas.microsoft.com/office/drawing/2014/main" id="{3873B707-463F-40B0-8227-E8CC6C67EB25}"/>
+              </a:ext>
+              <a:ext uri="{C183D7F6-B498-43B3-948B-1728B52AA6E4}">
+                <adec:decorative xmlns:adec="http://schemas.microsoft.com/office/drawing/2017/decorative" val="1"/>
+              </a:ext>
+            </a:extLst>
+          </p:cNvPr>
+          <p:cNvSpPr>
+            <a:spLocks noGrp="1" noRot="1" noChangeAspect="1" noMove="1" noResize="1" noEditPoints="1" noAdjustHandles="1" noChangeArrowheads="1" noChangeShapeType="1" noTextEdit="1"/>
+          </p:cNvSpPr>
+          <p:nvPr>
+            <p:extLst>
+              <p:ext uri="{386F3935-93C4-4BCD-93E2-E3B085C9AB24}">
+                <p16:designElem xmlns:p16="http://schemas.microsoft.com/office/powerpoint/2015/main" val="1"/>
+              </p:ext>
+            </p:extLst>
+          </p:nvPr>
+        </p:nvSpPr>
+        <p:spPr>
+          <a:xfrm flipH="1">
+            <a:off x="665085" y="2123821"/>
+            <a:ext cx="4975066" cy="27432"/>
+          </a:xfrm>
+          <a:prstGeom prst="rect">
+            <a:avLst/>
+          </a:prstGeom>
+          <a:solidFill>
+            <a:schemeClr val="accent4"/>
+          </a:solidFill>
+          <a:ln>
+            <a:noFill/>
+          </a:ln>
+        </p:spPr>
+        <p:style>
+          <a:lnRef idx="2">
+            <a:schemeClr val="accent1">
+              <a:shade val="50000"/>
+            </a:schemeClr>
+          </a:lnRef>
+          <a:fillRef idx="1">
+            <a:schemeClr val="accent1"/>
+          </a:fillRef>
+          <a:effectRef idx="0">
+            <a:schemeClr val="accent1"/>
+          </a:effectRef>
+          <a:fontRef idx="minor">
+            <a:schemeClr val="lt1"/>
+          </a:fontRef>
+        </p:style>
+        <p:txBody>
+          <a:bodyPr rtlCol="0" anchor="ctr"/>
+          <a:lstStyle/>
+          <a:p>
+            <a:pPr algn="ctr"/>
+            <a:endParaRPr lang="en-US"/>
           </a:p>
         </p:txBody>
       </p:sp>
@@ -3646,77 +5148,516 @@
         </p:nvSpPr>
         <p:spPr>
           <a:xfrm>
-            <a:off x="970560" y="1279080"/>
-            <a:ext cx="3764520" cy="3410280"/>
-          </a:xfrm>
-          <a:prstGeom prst="rect">
-            <a:avLst/>
-          </a:prstGeom>
-          <a:noFill/>
-          <a:ln w="0">
-            <a:noFill/>
-          </a:ln>
+            <a:off x="590719" y="2330505"/>
+            <a:ext cx="5278066" cy="3979585"/>
+          </a:xfrm>
+          <a:prstGeom prst="rect">
+            <a:avLst/>
+          </a:prstGeom>
         </p:spPr>
         <p:style>
-          <a:lnRef idx="0"/>
-          <a:fillRef idx="0"/>
-          <a:effectRef idx="0"/>
+          <a:lnRef idx="0">
+            <a:scrgbClr r="0" g="0" b="0"/>
+          </a:lnRef>
+          <a:fillRef idx="0">
+            <a:scrgbClr r="0" g="0" b="0"/>
+          </a:fillRef>
+          <a:effectRef idx="0">
+            <a:scrgbClr r="0" g="0" b="0"/>
+          </a:effectRef>
           <a:fontRef idx="minor"/>
         </p:style>
         <p:txBody>
-          <a:bodyPr anchor="t">
-            <a:spAutoFit/>
+          <a:bodyPr vert="horz" lIns="91440" tIns="45720" rIns="91440" bIns="45720" rtlCol="0" anchor="ctr">
+            <a:normAutofit/>
           </a:bodyPr>
-          <a:p>
-            <a:pPr algn="just">
+          <a:lstStyle/>
+          <a:p>
+            <a:pPr indent="-228600">
               <a:lnSpc>
-                <a:spcPct val="150000"/>
+                <a:spcPct val="90000"/>
               </a:lnSpc>
               <a:spcBef>
                 <a:spcPts val="1199"/>
               </a:spcBef>
+              <a:buFont typeface="Arial" panose="020B0604020202020204" pitchFamily="34" charset="0"/>
+              <a:buChar char="•"/>
               <a:tabLst>
-                <a:tab algn="l" pos="0"/>
+                <a:tab pos="0" algn="l"/>
               </a:tabLst>
             </a:pPr>
             <a:r>
-              <a:rPr b="0" lang="es-CO" sz="1600" spc="-1" strike="noStrike">
-                <a:solidFill>
-                  <a:schemeClr val="dk1"/>
-                </a:solidFill>
-                <a:latin typeface="Work Sans Light"/>
-                <a:ea typeface="Work Sans Light"/>
-              </a:rPr>
-              <a:t>En este apartado se debe desarrollar el acercamiento a la problemática, objeto de estudio desde su importancia y relevancia, de forma que se plantee la pregunta y objeto de investigación (debe estar soportado en referentes).</a:t>
-            </a:r>
-            <a:endParaRPr b="0" lang="es-CO" sz="1600" spc="-1" strike="noStrike">
-              <a:solidFill>
-                <a:srgbClr val="000000"/>
-              </a:solidFill>
-              <a:latin typeface="Arial"/>
-            </a:endParaRPr>
-          </a:p>
-          <a:p>
-            <a:pPr marL="457200">
+              <a:rPr lang="en-US" sz="2000" b="0" strike="noStrike" spc="-1" dirty="0"/>
+              <a:t>En </a:t>
+            </a:r>
+            <a:r>
+              <a:rPr lang="en-US" sz="2000" b="0" strike="noStrike" spc="-1" dirty="0" err="1"/>
+              <a:t>este</a:t>
+            </a:r>
+            <a:r>
+              <a:rPr lang="en-US" sz="2000" b="0" strike="noStrike" spc="-1" dirty="0"/>
+              <a:t> </a:t>
+            </a:r>
+            <a:r>
+              <a:rPr lang="en-US" sz="2000" b="0" strike="noStrike" spc="-1" dirty="0" err="1"/>
+              <a:t>apartado</a:t>
+            </a:r>
+            <a:r>
+              <a:rPr lang="en-US" sz="2000" b="0" strike="noStrike" spc="-1" dirty="0"/>
+              <a:t> se </a:t>
+            </a:r>
+            <a:r>
+              <a:rPr lang="en-US" sz="2000" b="0" strike="noStrike" spc="-1" dirty="0" err="1"/>
+              <a:t>debe</a:t>
+            </a:r>
+            <a:r>
+              <a:rPr lang="en-US" sz="2000" b="0" strike="noStrike" spc="-1" dirty="0"/>
+              <a:t> </a:t>
+            </a:r>
+            <a:r>
+              <a:rPr lang="en-US" sz="2000" b="0" strike="noStrike" spc="-1" dirty="0" err="1"/>
+              <a:t>desarrollar</a:t>
+            </a:r>
+            <a:r>
+              <a:rPr lang="en-US" sz="2000" b="0" strike="noStrike" spc="-1" dirty="0"/>
+              <a:t> </a:t>
+            </a:r>
+            <a:r>
+              <a:rPr lang="en-US" sz="2000" b="0" strike="noStrike" spc="-1" dirty="0" err="1"/>
+              <a:t>el</a:t>
+            </a:r>
+            <a:r>
+              <a:rPr lang="en-US" sz="2000" b="0" strike="noStrike" spc="-1" dirty="0"/>
+              <a:t> </a:t>
+            </a:r>
+            <a:r>
+              <a:rPr lang="en-US" sz="2000" b="0" strike="noStrike" spc="-1" dirty="0" err="1"/>
+              <a:t>acercamiento</a:t>
+            </a:r>
+            <a:r>
+              <a:rPr lang="en-US" sz="2000" b="0" strike="noStrike" spc="-1" dirty="0"/>
+              <a:t> a la </a:t>
+            </a:r>
+            <a:r>
+              <a:rPr lang="en-US" sz="2000" b="0" strike="noStrike" spc="-1" dirty="0" err="1"/>
+              <a:t>problemática</a:t>
+            </a:r>
+            <a:r>
+              <a:rPr lang="en-US" sz="2000" b="0" strike="noStrike" spc="-1" dirty="0"/>
+              <a:t>, </a:t>
+            </a:r>
+            <a:r>
+              <a:rPr lang="en-US" sz="2000" b="0" strike="noStrike" spc="-1" dirty="0" err="1"/>
+              <a:t>objeto</a:t>
+            </a:r>
+            <a:r>
+              <a:rPr lang="en-US" sz="2000" b="0" strike="noStrike" spc="-1" dirty="0"/>
+              <a:t> de </a:t>
+            </a:r>
+            <a:r>
+              <a:rPr lang="en-US" sz="2000" b="0" strike="noStrike" spc="-1" dirty="0" err="1"/>
+              <a:t>estudio</a:t>
+            </a:r>
+            <a:r>
+              <a:rPr lang="en-US" sz="2000" b="0" strike="noStrike" spc="-1" dirty="0"/>
+              <a:t> </a:t>
+            </a:r>
+            <a:r>
+              <a:rPr lang="en-US" sz="2000" b="0" strike="noStrike" spc="-1" dirty="0" err="1"/>
+              <a:t>desde</a:t>
+            </a:r>
+            <a:r>
+              <a:rPr lang="en-US" sz="2000" b="0" strike="noStrike" spc="-1" dirty="0"/>
+              <a:t> </a:t>
+            </a:r>
+            <a:r>
+              <a:rPr lang="en-US" sz="2000" b="0" strike="noStrike" spc="-1" dirty="0" err="1"/>
+              <a:t>su</a:t>
+            </a:r>
+            <a:r>
+              <a:rPr lang="en-US" sz="2000" b="0" strike="noStrike" spc="-1" dirty="0"/>
+              <a:t> </a:t>
+            </a:r>
+            <a:r>
+              <a:rPr lang="en-US" sz="2000" b="0" strike="noStrike" spc="-1" dirty="0" err="1"/>
+              <a:t>importancia</a:t>
+            </a:r>
+            <a:r>
+              <a:rPr lang="en-US" sz="2000" b="0" strike="noStrike" spc="-1" dirty="0"/>
+              <a:t> y </a:t>
+            </a:r>
+            <a:r>
+              <a:rPr lang="en-US" sz="2000" b="0" strike="noStrike" spc="-1" dirty="0" err="1"/>
+              <a:t>relevancia</a:t>
+            </a:r>
+            <a:r>
+              <a:rPr lang="en-US" sz="2000" b="0" strike="noStrike" spc="-1" dirty="0"/>
+              <a:t>, de forma que se </a:t>
+            </a:r>
+            <a:r>
+              <a:rPr lang="en-US" sz="2000" b="0" strike="noStrike" spc="-1" dirty="0" err="1"/>
+              <a:t>plantee</a:t>
+            </a:r>
+            <a:r>
+              <a:rPr lang="en-US" sz="2000" b="0" strike="noStrike" spc="-1" dirty="0"/>
+              <a:t> la </a:t>
+            </a:r>
+            <a:r>
+              <a:rPr lang="en-US" sz="2000" b="0" strike="noStrike" spc="-1" dirty="0" err="1"/>
+              <a:t>pregunta</a:t>
+            </a:r>
+            <a:r>
+              <a:rPr lang="en-US" sz="2000" b="0" strike="noStrike" spc="-1" dirty="0"/>
+              <a:t> y </a:t>
+            </a:r>
+            <a:r>
+              <a:rPr lang="en-US" sz="2000" b="0" strike="noStrike" spc="-1" dirty="0" err="1"/>
+              <a:t>objeto</a:t>
+            </a:r>
+            <a:r>
+              <a:rPr lang="en-US" sz="2000" b="0" strike="noStrike" spc="-1" dirty="0"/>
+              <a:t> de </a:t>
+            </a:r>
+            <a:r>
+              <a:rPr lang="en-US" sz="2000" b="0" strike="noStrike" spc="-1" dirty="0" err="1"/>
+              <a:t>investigación</a:t>
+            </a:r>
+            <a:r>
+              <a:rPr lang="en-US" sz="2000" b="0" strike="noStrike" spc="-1" dirty="0"/>
+              <a:t> (</a:t>
+            </a:r>
+            <a:r>
+              <a:rPr lang="en-US" sz="2000" b="0" strike="noStrike" spc="-1" dirty="0" err="1"/>
+              <a:t>debe</a:t>
+            </a:r>
+            <a:r>
+              <a:rPr lang="en-US" sz="2000" b="0" strike="noStrike" spc="-1" dirty="0"/>
+              <a:t> </a:t>
+            </a:r>
+            <a:r>
+              <a:rPr lang="en-US" sz="2000" b="0" strike="noStrike" spc="-1" dirty="0" err="1"/>
+              <a:t>estar</a:t>
+            </a:r>
+            <a:r>
+              <a:rPr lang="en-US" sz="2000" b="0" strike="noStrike" spc="-1" dirty="0"/>
+              <a:t> </a:t>
+            </a:r>
+            <a:r>
+              <a:rPr lang="en-US" sz="2000" b="0" strike="noStrike" spc="-1" dirty="0" err="1"/>
+              <a:t>soportado</a:t>
+            </a:r>
+            <a:r>
+              <a:rPr lang="en-US" sz="2000" b="0" strike="noStrike" spc="-1" dirty="0"/>
+              <a:t> </a:t>
+            </a:r>
+            <a:r>
+              <a:rPr lang="en-US" sz="2000" b="0" strike="noStrike" spc="-1" dirty="0" err="1"/>
+              <a:t>en</a:t>
+            </a:r>
+            <a:r>
+              <a:rPr lang="en-US" sz="2000" b="0" strike="noStrike" spc="-1" dirty="0"/>
+              <a:t> </a:t>
+            </a:r>
+            <a:r>
+              <a:rPr lang="en-US" sz="2000" b="0" strike="noStrike" spc="-1" dirty="0" err="1"/>
+              <a:t>referentes</a:t>
+            </a:r>
+            <a:r>
+              <a:rPr lang="en-US" sz="2000" b="0" strike="noStrike" spc="-1" dirty="0"/>
+              <a:t>).</a:t>
+            </a:r>
+          </a:p>
+          <a:p>
+            <a:pPr marL="457200" indent="-228600">
               <a:lnSpc>
-                <a:spcPct val="100000"/>
+                <a:spcPct val="90000"/>
               </a:lnSpc>
               <a:spcBef>
                 <a:spcPts val="1199"/>
               </a:spcBef>
+              <a:buFont typeface="Arial" panose="020B0604020202020204" pitchFamily="34" charset="0"/>
+              <a:buChar char="•"/>
               <a:tabLst>
-                <a:tab algn="l" pos="0"/>
+                <a:tab pos="0" algn="l"/>
               </a:tabLst>
             </a:pPr>
-            <a:endParaRPr b="0" lang="es-CO" sz="1600" spc="-1" strike="noStrike">
-              <a:solidFill>
-                <a:srgbClr val="000000"/>
-              </a:solidFill>
-              <a:latin typeface="Arial"/>
-            </a:endParaRPr>
-          </a:p>
-        </p:txBody>
-      </p:sp>
+            <a:endParaRPr lang="en-US" sz="2000" b="0" strike="noStrike" spc="-1" dirty="0"/>
+          </a:p>
+        </p:txBody>
+      </p:sp>
+      <p:sp>
+        <p:nvSpPr>
+          <p:cNvPr id="62" name="Rectangle 61">
+            <a:extLst>
+              <a:ext uri="{FF2B5EF4-FFF2-40B4-BE49-F238E27FC236}">
+                <a16:creationId xmlns:a16="http://schemas.microsoft.com/office/drawing/2014/main" id="{C13237C8-E62C-4F0D-A318-BD6FB6C2D138}"/>
+              </a:ext>
+              <a:ext uri="{C183D7F6-B498-43B3-948B-1728B52AA6E4}">
+                <adec:decorative xmlns:adec="http://schemas.microsoft.com/office/drawing/2017/decorative" val="1"/>
+              </a:ext>
+            </a:extLst>
+          </p:cNvPr>
+          <p:cNvSpPr>
+            <a:spLocks noGrp="1" noRot="1" noChangeAspect="1" noMove="1" noResize="1" noEditPoints="1" noAdjustHandles="1" noChangeArrowheads="1" noChangeShapeType="1" noTextEdit="1"/>
+          </p:cNvSpPr>
+          <p:nvPr>
+            <p:extLst>
+              <p:ext uri="{386F3935-93C4-4BCD-93E2-E3B085C9AB24}">
+                <p16:designElem xmlns:p16="http://schemas.microsoft.com/office/powerpoint/2015/main" val="1"/>
+              </p:ext>
+            </p:extLst>
+          </p:nvPr>
+        </p:nvSpPr>
+        <p:spPr>
+          <a:xfrm flipH="1">
+            <a:off x="10697670" y="0"/>
+            <a:ext cx="1494330" cy="6858000"/>
+          </a:xfrm>
+          <a:prstGeom prst="rect">
+            <a:avLst/>
+          </a:prstGeom>
+          <a:solidFill>
+            <a:schemeClr val="accent4"/>
+          </a:solidFill>
+          <a:ln>
+            <a:noFill/>
+          </a:ln>
+        </p:spPr>
+        <p:style>
+          <a:lnRef idx="2">
+            <a:schemeClr val="accent1">
+              <a:shade val="50000"/>
+            </a:schemeClr>
+          </a:lnRef>
+          <a:fillRef idx="1">
+            <a:schemeClr val="accent1"/>
+          </a:fillRef>
+          <a:effectRef idx="0">
+            <a:schemeClr val="accent1"/>
+          </a:effectRef>
+          <a:fontRef idx="minor">
+            <a:schemeClr val="lt1"/>
+          </a:fontRef>
+        </p:style>
+        <p:txBody>
+          <a:bodyPr rtlCol="0" anchor="ctr"/>
+          <a:lstStyle/>
+          <a:p>
+            <a:pPr algn="ctr"/>
+            <a:endParaRPr lang="en-US"/>
+          </a:p>
+        </p:txBody>
+      </p:sp>
+      <p:sp>
+        <p:nvSpPr>
+          <p:cNvPr id="64" name="Rectangle 63">
+            <a:extLst>
+              <a:ext uri="{FF2B5EF4-FFF2-40B4-BE49-F238E27FC236}">
+                <a16:creationId xmlns:a16="http://schemas.microsoft.com/office/drawing/2014/main" id="{19C9EAEA-39D0-4B0E-A0EB-51E7B26740B1}"/>
+              </a:ext>
+              <a:ext uri="{C183D7F6-B498-43B3-948B-1728B52AA6E4}">
+                <adec:decorative xmlns:adec="http://schemas.microsoft.com/office/drawing/2017/decorative" val="1"/>
+              </a:ext>
+            </a:extLst>
+          </p:cNvPr>
+          <p:cNvSpPr>
+            <a:spLocks noGrp="1" noRot="1" noChangeAspect="1" noMove="1" noResize="1" noEditPoints="1" noAdjustHandles="1" noChangeArrowheads="1" noChangeShapeType="1" noTextEdit="1"/>
+          </p:cNvSpPr>
+          <p:nvPr>
+            <p:extLst>
+              <p:ext uri="{386F3935-93C4-4BCD-93E2-E3B085C9AB24}">
+                <p16:designElem xmlns:p16="http://schemas.microsoft.com/office/powerpoint/2015/main" val="1"/>
+              </p:ext>
+            </p:extLst>
+          </p:nvPr>
+        </p:nvSpPr>
+        <p:spPr>
+          <a:xfrm>
+            <a:off x="6849687" y="357447"/>
+            <a:ext cx="4845488" cy="2923587"/>
+          </a:xfrm>
+          <a:prstGeom prst="rect">
+            <a:avLst/>
+          </a:prstGeom>
+          <a:solidFill>
+            <a:schemeClr val="bg1"/>
+          </a:solidFill>
+          <a:ln>
+            <a:noFill/>
+          </a:ln>
+          <a:effectLst>
+            <a:outerShdw blurRad="139700" dist="127000" dir="5400000" algn="t" rotWithShape="0">
+              <a:prstClr val="black">
+                <a:alpha val="15000"/>
+              </a:prstClr>
+            </a:outerShdw>
+          </a:effectLst>
+        </p:spPr>
+        <p:style>
+          <a:lnRef idx="2">
+            <a:schemeClr val="accent1">
+              <a:shade val="50000"/>
+            </a:schemeClr>
+          </a:lnRef>
+          <a:fillRef idx="1">
+            <a:schemeClr val="accent1"/>
+          </a:fillRef>
+          <a:effectRef idx="0">
+            <a:schemeClr val="accent1"/>
+          </a:effectRef>
+          <a:fontRef idx="minor">
+            <a:schemeClr val="lt1"/>
+          </a:fontRef>
+        </p:style>
+        <p:txBody>
+          <a:bodyPr rtlCol="0" anchor="ctr"/>
+          <a:lstStyle/>
+          <a:p>
+            <a:pPr algn="ctr"/>
+            <a:endParaRPr lang="en-US"/>
+          </a:p>
+        </p:txBody>
+      </p:sp>
+      <p:pic>
+        <p:nvPicPr>
+          <p:cNvPr id="5" name="Imagen 4" descr="Un grupo de personas de pie&#10;&#10;Descripción generada automáticamente con confianza media">
+            <a:extLst>
+              <a:ext uri="{FF2B5EF4-FFF2-40B4-BE49-F238E27FC236}">
+                <a16:creationId xmlns:a16="http://schemas.microsoft.com/office/drawing/2014/main" id="{2E68B861-D042-6E4C-BD71-BB9EC85BC648}"/>
+              </a:ext>
+            </a:extLst>
+          </p:cNvPr>
+          <p:cNvPicPr>
+            <a:picLocks noChangeAspect="1"/>
+          </p:cNvPicPr>
+          <p:nvPr/>
+        </p:nvPicPr>
+        <p:blipFill rotWithShape="1">
+          <a:blip r:embed="rId2">
+            <a:extLst>
+              <a:ext uri="{28A0092B-C50C-407E-A947-70E740481C1C}">
+                <a14:useLocalDpi xmlns:a14="http://schemas.microsoft.com/office/drawing/2010/main" val="0"/>
+              </a:ext>
+            </a:extLst>
+          </a:blip>
+          <a:srcRect l="-1558" t="45580" r="1557" b="22201"/>
+          <a:stretch/>
+        </p:blipFill>
+        <p:spPr>
+          <a:xfrm>
+            <a:off x="7083423" y="581892"/>
+            <a:ext cx="4397433" cy="2518756"/>
+          </a:xfrm>
+          <a:prstGeom prst="rect">
+            <a:avLst/>
+          </a:prstGeom>
+        </p:spPr>
+      </p:pic>
+      <p:sp>
+        <p:nvSpPr>
+          <p:cNvPr id="66" name="Rectangle 65">
+            <a:extLst>
+              <a:ext uri="{FF2B5EF4-FFF2-40B4-BE49-F238E27FC236}">
+                <a16:creationId xmlns:a16="http://schemas.microsoft.com/office/drawing/2014/main" id="{8CB5D2D7-DF65-4E86-BFBA-FFB9B5ACEB64}"/>
+              </a:ext>
+              <a:ext uri="{C183D7F6-B498-43B3-948B-1728B52AA6E4}">
+                <adec:decorative xmlns:adec="http://schemas.microsoft.com/office/drawing/2017/decorative" val="1"/>
+              </a:ext>
+            </a:extLst>
+          </p:cNvPr>
+          <p:cNvSpPr>
+            <a:spLocks noGrp="1" noRot="1" noChangeAspect="1" noMove="1" noResize="1" noEditPoints="1" noAdjustHandles="1" noChangeArrowheads="1" noChangeShapeType="1" noTextEdit="1"/>
+          </p:cNvSpPr>
+          <p:nvPr>
+            <p:extLst>
+              <p:ext uri="{386F3935-93C4-4BCD-93E2-E3B085C9AB24}">
+                <p16:designElem xmlns:p16="http://schemas.microsoft.com/office/powerpoint/2015/main" val="1"/>
+              </p:ext>
+            </p:extLst>
+          </p:nvPr>
+        </p:nvSpPr>
+        <p:spPr>
+          <a:xfrm>
+            <a:off x="6849687" y="3505479"/>
+            <a:ext cx="4845488" cy="2923587"/>
+          </a:xfrm>
+          <a:prstGeom prst="rect">
+            <a:avLst/>
+          </a:prstGeom>
+          <a:solidFill>
+            <a:schemeClr val="bg1"/>
+          </a:solidFill>
+          <a:ln>
+            <a:noFill/>
+          </a:ln>
+          <a:effectLst>
+            <a:outerShdw blurRad="139700" dist="127000" dir="5400000" algn="t" rotWithShape="0">
+              <a:prstClr val="black">
+                <a:alpha val="15000"/>
+              </a:prstClr>
+            </a:outerShdw>
+          </a:effectLst>
+        </p:spPr>
+        <p:style>
+          <a:lnRef idx="2">
+            <a:schemeClr val="accent1">
+              <a:shade val="50000"/>
+            </a:schemeClr>
+          </a:lnRef>
+          <a:fillRef idx="1">
+            <a:schemeClr val="accent1"/>
+          </a:fillRef>
+          <a:effectRef idx="0">
+            <a:schemeClr val="accent1"/>
+          </a:effectRef>
+          <a:fontRef idx="minor">
+            <a:schemeClr val="lt1"/>
+          </a:fontRef>
+        </p:style>
+        <p:txBody>
+          <a:bodyPr rtlCol="0" anchor="ctr"/>
+          <a:lstStyle/>
+          <a:p>
+            <a:pPr algn="ctr"/>
+            <a:endParaRPr lang="en-US"/>
+          </a:p>
+        </p:txBody>
+      </p:sp>
+      <p:pic>
+        <p:nvPicPr>
+          <p:cNvPr id="3" name="Imagen 2" descr="Un par de personas en una oficina&#10;&#10;Descripción generada automáticamente con confianza media">
+            <a:extLst>
+              <a:ext uri="{FF2B5EF4-FFF2-40B4-BE49-F238E27FC236}">
+                <a16:creationId xmlns:a16="http://schemas.microsoft.com/office/drawing/2014/main" id="{4BBDE497-6972-D1AB-E8A9-5CC1D93ADB13}"/>
+              </a:ext>
+            </a:extLst>
+          </p:cNvPr>
+          <p:cNvPicPr>
+            <a:picLocks noChangeAspect="1"/>
+          </p:cNvPicPr>
+          <p:nvPr/>
+        </p:nvPicPr>
+        <p:blipFill rotWithShape="1">
+          <a:blip r:embed="rId3" cstate="print">
+            <a:extLst>
+              <a:ext uri="{28A0092B-C50C-407E-A947-70E740481C1C}">
+                <a14:useLocalDpi xmlns:a14="http://schemas.microsoft.com/office/drawing/2010/main" val="0"/>
+              </a:ext>
+            </a:extLst>
+          </a:blip>
+          <a:srcRect l="-39" t="23775" r="40" b="33248"/>
+          <a:stretch/>
+        </p:blipFill>
+        <p:spPr>
+          <a:xfrm>
+            <a:off x="7083423" y="3707894"/>
+            <a:ext cx="4395569" cy="2518756"/>
+          </a:xfrm>
+          <a:prstGeom prst="rect">
+            <a:avLst/>
+          </a:prstGeom>
+        </p:spPr>
+      </p:pic>
       <p:cxnSp>
         <p:nvCxnSpPr>
           <p:cNvPr id="49" name="Google Shape;113;p5"/>
@@ -3733,58 +5674,30 @@
           </a:prstGeom>
           <a:ln w="12700">
             <a:solidFill>
-              <a:srgbClr val="4d4d4c"/>
+              <a:srgbClr val="4D4D4C"/>
             </a:solidFill>
             <a:miter/>
           </a:ln>
         </p:spPr>
       </p:cxnSp>
-      <p:pic>
-        <p:nvPicPr>
-          <p:cNvPr id="50" name="Google Shape;114;p5" descr=""/>
-          <p:cNvPicPr/>
-          <p:nvPr/>
-        </p:nvPicPr>
-        <p:blipFill>
-          <a:blip r:embed="rId2"/>
-          <a:srcRect l="13164" t="0" r="239" b="0"/>
-          <a:stretch/>
-        </p:blipFill>
-        <p:spPr>
-          <a:xfrm>
-            <a:off x="6095880" y="0"/>
-            <a:ext cx="6095520" cy="6857640"/>
-          </a:xfrm>
-          <a:prstGeom prst="rect">
-            <a:avLst/>
-          </a:prstGeom>
-          <a:ln w="0">
-            <a:noFill/>
-          </a:ln>
-        </p:spPr>
-      </p:pic>
     </p:spTree>
   </p:cSld>
-  <mc:AlternateContent>
-    <mc:Choice Requires="p14">
-      <p:transition spd="slow" p14:dur="2000"/>
-    </mc:Choice>
-    <mc:Fallback>
-      <p:transition spd="slow"/>
-    </mc:Fallback>
-  </mc:AlternateContent>
+  <p:clrMapOvr>
+    <a:masterClrMapping/>
+  </p:clrMapOvr>
 </p:sld>
 </file>
 
 <file path=ppt/slides/slide5.xml><?xml version="1.0" encoding="utf-8"?>
-<p:sld xmlns:a="http://schemas.openxmlformats.org/drawingml/2006/main" xmlns:p="http://schemas.openxmlformats.org/presentationml/2006/main" xmlns:r="http://schemas.openxmlformats.org/officeDocument/2006/relationships" xmlns:p14="http://schemas.microsoft.com/office/powerpoint/2010/main" xmlns:p15="http://schemas.microsoft.com/office/powerpoint/2012/main" xmlns:mc="http://schemas.openxmlformats.org/markup-compatibility/2006">
+<p:sld xmlns:a="http://schemas.openxmlformats.org/drawingml/2006/main" xmlns:r="http://schemas.openxmlformats.org/officeDocument/2006/relationships" xmlns:p="http://schemas.openxmlformats.org/presentationml/2006/main">
   <p:cSld>
     <p:bg>
       <p:bgPr>
         <a:blipFill rotWithShape="0">
-          <a:blip r:embed="rId1"/>
+          <a:blip r:embed="rId2"/>
           <a:stretch/>
         </a:blipFill>
+        <a:effectLst/>
       </p:bgPr>
     </p:bg>
     <p:spTree>
@@ -3821,35 +5734,42 @@
           </a:ln>
         </p:spPr>
         <p:style>
-          <a:lnRef idx="0"/>
-          <a:fillRef idx="0"/>
-          <a:effectRef idx="0"/>
+          <a:lnRef idx="0">
+            <a:scrgbClr r="0" g="0" b="0"/>
+          </a:lnRef>
+          <a:fillRef idx="0">
+            <a:scrgbClr r="0" g="0" b="0"/>
+          </a:fillRef>
+          <a:effectRef idx="0">
+            <a:scrgbClr r="0" g="0" b="0"/>
+          </a:effectRef>
           <a:fontRef idx="minor"/>
         </p:style>
         <p:txBody>
           <a:bodyPr anchor="t">
             <a:noAutofit/>
           </a:bodyPr>
+          <a:lstStyle/>
           <a:p>
             <a:pPr>
               <a:lnSpc>
                 <a:spcPct val="90000"/>
               </a:lnSpc>
               <a:tabLst>
-                <a:tab algn="l" pos="0"/>
+                <a:tab pos="0" algn="l"/>
               </a:tabLst>
             </a:pPr>
             <a:r>
-              <a:rPr b="1" lang="es-CO" sz="3600" spc="-1" strike="noStrike">
+              <a:rPr lang="es-CO" sz="3600" b="1" strike="noStrike" spc="-1">
                 <a:solidFill>
-                  <a:srgbClr val="4d4d4c"/>
+                  <a:srgbClr val="4D4D4C"/>
                 </a:solidFill>
                 <a:latin typeface="Work Sans"/>
                 <a:ea typeface="Work Sans"/>
               </a:rPr>
               <a:t>Metodología</a:t>
             </a:r>
-            <a:endParaRPr b="0" lang="es-CO" sz="3600" spc="-1" strike="noStrike">
+            <a:endParaRPr lang="es-CO" sz="3600" b="0" strike="noStrike" spc="-1">
               <a:solidFill>
                 <a:srgbClr val="000000"/>
               </a:solidFill>
@@ -3878,15 +5798,22 @@
           </a:ln>
         </p:spPr>
         <p:style>
-          <a:lnRef idx="0"/>
-          <a:fillRef idx="0"/>
-          <a:effectRef idx="0"/>
+          <a:lnRef idx="0">
+            <a:scrgbClr r="0" g="0" b="0"/>
+          </a:lnRef>
+          <a:fillRef idx="0">
+            <a:scrgbClr r="0" g="0" b="0"/>
+          </a:fillRef>
+          <a:effectRef idx="0">
+            <a:scrgbClr r="0" g="0" b="0"/>
+          </a:effectRef>
           <a:fontRef idx="minor"/>
         </p:style>
         <p:txBody>
           <a:bodyPr anchor="t">
             <a:spAutoFit/>
           </a:bodyPr>
+          <a:lstStyle/>
           <a:p>
             <a:pPr>
               <a:lnSpc>
@@ -3896,11 +5823,11 @@
                 <a:spcPts val="1199"/>
               </a:spcBef>
               <a:tabLst>
-                <a:tab algn="l" pos="0"/>
+                <a:tab pos="0" algn="l"/>
               </a:tabLst>
             </a:pPr>
             <a:r>
-              <a:rPr b="0" lang="es-CO" sz="1600" spc="-1" strike="noStrike">
+              <a:rPr lang="es-CO" sz="1600" b="0" strike="noStrike" spc="-1" dirty="0">
                 <a:solidFill>
                   <a:schemeClr val="dk1"/>
                 </a:solidFill>
@@ -3909,7 +5836,7 @@
               </a:rPr>
               <a:t>En este apartado definir la naturaleza de la investigación, al igual que los participantes, materiales, instrumentos y procedimientos llevados a cabo para el correcto desarrollo del acercamiento investigativo. </a:t>
             </a:r>
-            <a:endParaRPr b="0" lang="es-CO" sz="1600" spc="-1" strike="noStrike">
+            <a:endParaRPr lang="es-CO" sz="1600" b="0" strike="noStrike" spc="-1" dirty="0">
               <a:solidFill>
                 <a:srgbClr val="000000"/>
               </a:solidFill>
@@ -3925,10 +5852,10 @@
                 <a:spcPts val="1199"/>
               </a:spcBef>
               <a:tabLst>
-                <a:tab algn="l" pos="0"/>
+                <a:tab pos="0" algn="l"/>
               </a:tabLst>
             </a:pPr>
-            <a:endParaRPr b="0" lang="es-CO" sz="1600" spc="-1" strike="noStrike">
+            <a:endParaRPr lang="es-CO" sz="1600" b="0" strike="noStrike" spc="-1" dirty="0">
               <a:solidFill>
                 <a:srgbClr val="000000"/>
               </a:solidFill>
@@ -3939,26 +5866,22 @@
       </p:sp>
     </p:spTree>
   </p:cSld>
-  <mc:AlternateContent>
-    <mc:Choice Requires="p14">
-      <p:transition spd="slow" p14:dur="2000"/>
-    </mc:Choice>
-    <mc:Fallback>
-      <p:transition spd="slow"/>
-    </mc:Fallback>
-  </mc:AlternateContent>
+  <p:clrMapOvr>
+    <a:masterClrMapping/>
+  </p:clrMapOvr>
 </p:sld>
 </file>
 
 <file path=ppt/slides/slide6.xml><?xml version="1.0" encoding="utf-8"?>
-<p:sld xmlns:a="http://schemas.openxmlformats.org/drawingml/2006/main" xmlns:p="http://schemas.openxmlformats.org/presentationml/2006/main" xmlns:r="http://schemas.openxmlformats.org/officeDocument/2006/relationships" xmlns:p14="http://schemas.microsoft.com/office/powerpoint/2010/main" xmlns:p15="http://schemas.microsoft.com/office/powerpoint/2012/main" xmlns:mc="http://schemas.openxmlformats.org/markup-compatibility/2006">
+<p:sld xmlns:a="http://schemas.openxmlformats.org/drawingml/2006/main" xmlns:r="http://schemas.openxmlformats.org/officeDocument/2006/relationships" xmlns:p="http://schemas.openxmlformats.org/presentationml/2006/main">
   <p:cSld>
     <p:bg>
       <p:bgPr>
         <a:blipFill rotWithShape="0">
-          <a:blip r:embed="rId1"/>
+          <a:blip r:embed="rId2"/>
           <a:stretch/>
         </a:blipFill>
+        <a:effectLst/>
       </p:bgPr>
     </p:bg>
     <p:spTree>
@@ -3977,12 +5900,12 @@
       </p:grpSpPr>
       <p:pic>
         <p:nvPicPr>
-          <p:cNvPr id="53" name="Google Shape;125;p7" descr=""/>
+          <p:cNvPr id="53" name="Google Shape;125;p7"/>
           <p:cNvPicPr/>
           <p:nvPr/>
         </p:nvPicPr>
         <p:blipFill>
-          <a:blip r:embed="rId2"/>
+          <a:blip r:embed="rId3"/>
           <a:stretch/>
         </p:blipFill>
         <p:spPr>
@@ -4018,35 +5941,42 @@
           </a:ln>
         </p:spPr>
         <p:style>
-          <a:lnRef idx="0"/>
-          <a:fillRef idx="0"/>
-          <a:effectRef idx="0"/>
+          <a:lnRef idx="0">
+            <a:scrgbClr r="0" g="0" b="0"/>
+          </a:lnRef>
+          <a:fillRef idx="0">
+            <a:scrgbClr r="0" g="0" b="0"/>
+          </a:fillRef>
+          <a:effectRef idx="0">
+            <a:scrgbClr r="0" g="0" b="0"/>
+          </a:effectRef>
           <a:fontRef idx="minor"/>
         </p:style>
         <p:txBody>
           <a:bodyPr anchor="t">
             <a:noAutofit/>
           </a:bodyPr>
+          <a:lstStyle/>
           <a:p>
             <a:pPr>
               <a:lnSpc>
                 <a:spcPct val="90000"/>
               </a:lnSpc>
               <a:tabLst>
-                <a:tab algn="l" pos="0"/>
+                <a:tab pos="0" algn="l"/>
               </a:tabLst>
             </a:pPr>
             <a:r>
-              <a:rPr b="1" lang="es-CO" sz="3600" spc="-1" strike="noStrike">
+              <a:rPr lang="es-CO" sz="3600" b="1" strike="noStrike" spc="-1">
                 <a:solidFill>
-                  <a:srgbClr val="ffffff"/>
+                  <a:srgbClr val="FFFFFF"/>
                 </a:solidFill>
                 <a:latin typeface="Work Sans"/>
                 <a:ea typeface="Work Sans"/>
               </a:rPr>
               <a:t>Resultados</a:t>
             </a:r>
-            <a:endParaRPr b="0" lang="es-CO" sz="3600" spc="-1" strike="noStrike">
+            <a:endParaRPr lang="es-CO" sz="3600" b="0" strike="noStrike" spc="-1">
               <a:solidFill>
                 <a:srgbClr val="000000"/>
               </a:solidFill>
@@ -4075,15 +6005,22 @@
           </a:ln>
         </p:spPr>
         <p:style>
-          <a:lnRef idx="0"/>
-          <a:fillRef idx="0"/>
-          <a:effectRef idx="0"/>
+          <a:lnRef idx="0">
+            <a:scrgbClr r="0" g="0" b="0"/>
+          </a:lnRef>
+          <a:fillRef idx="0">
+            <a:scrgbClr r="0" g="0" b="0"/>
+          </a:fillRef>
+          <a:effectRef idx="0">
+            <a:scrgbClr r="0" g="0" b="0"/>
+          </a:effectRef>
           <a:fontRef idx="minor"/>
         </p:style>
         <p:txBody>
           <a:bodyPr anchor="t">
             <a:spAutoFit/>
           </a:bodyPr>
+          <a:lstStyle/>
           <a:p>
             <a:pPr>
               <a:lnSpc>
@@ -4096,11 +6033,11 @@
                 <a:spcPts val="1199"/>
               </a:spcAft>
               <a:tabLst>
-                <a:tab algn="l" pos="0"/>
+                <a:tab pos="0" algn="l"/>
               </a:tabLst>
             </a:pPr>
             <a:r>
-              <a:rPr b="0" lang="es-CO" sz="1600" spc="-1" strike="noStrike">
+              <a:rPr lang="es-CO" sz="1600" b="0" strike="noStrike" spc="-1" dirty="0">
                 <a:solidFill>
                   <a:schemeClr val="dk1"/>
                 </a:solidFill>
@@ -4109,7 +6046,7 @@
               </a:rPr>
               <a:t>En este apartado evidenciar y analizar los hallazgos obtenidos en el proceso de investigación mencionados en la metodología, respondiendo a la pregunta y objeto de estudio.</a:t>
             </a:r>
-            <a:endParaRPr b="0" lang="es-CO" sz="1600" spc="-1" strike="noStrike">
+            <a:endParaRPr lang="es-CO" sz="1600" b="0" strike="noStrike" spc="-1" dirty="0">
               <a:solidFill>
                 <a:srgbClr val="000000"/>
               </a:solidFill>
@@ -4120,26 +6057,22 @@
       </p:sp>
     </p:spTree>
   </p:cSld>
-  <mc:AlternateContent>
-    <mc:Choice Requires="p14">
-      <p:transition spd="slow" p14:dur="2000"/>
-    </mc:Choice>
-    <mc:Fallback>
-      <p:transition spd="slow"/>
-    </mc:Fallback>
-  </mc:AlternateContent>
+  <p:clrMapOvr>
+    <a:masterClrMapping/>
+  </p:clrMapOvr>
 </p:sld>
 </file>
 
 <file path=ppt/slides/slide7.xml><?xml version="1.0" encoding="utf-8"?>
-<p:sld xmlns:a="http://schemas.openxmlformats.org/drawingml/2006/main" xmlns:p="http://schemas.openxmlformats.org/presentationml/2006/main" xmlns:r="http://schemas.openxmlformats.org/officeDocument/2006/relationships" xmlns:p14="http://schemas.microsoft.com/office/powerpoint/2010/main" xmlns:p15="http://schemas.microsoft.com/office/powerpoint/2012/main" xmlns:mc="http://schemas.openxmlformats.org/markup-compatibility/2006">
+<p:sld xmlns:a="http://schemas.openxmlformats.org/drawingml/2006/main" xmlns:r="http://schemas.openxmlformats.org/officeDocument/2006/relationships" xmlns:p="http://schemas.openxmlformats.org/presentationml/2006/main">
   <p:cSld>
     <p:bg>
       <p:bgPr>
         <a:blipFill rotWithShape="0">
-          <a:blip r:embed="rId1"/>
+          <a:blip r:embed="rId2"/>
           <a:stretch/>
         </a:blipFill>
+        <a:effectLst/>
       </p:bgPr>
     </p:bg>
     <p:spTree>
@@ -4176,35 +6109,42 @@
           </a:ln>
         </p:spPr>
         <p:style>
-          <a:lnRef idx="0"/>
-          <a:fillRef idx="0"/>
-          <a:effectRef idx="0"/>
+          <a:lnRef idx="0">
+            <a:scrgbClr r="0" g="0" b="0"/>
+          </a:lnRef>
+          <a:fillRef idx="0">
+            <a:scrgbClr r="0" g="0" b="0"/>
+          </a:fillRef>
+          <a:effectRef idx="0">
+            <a:scrgbClr r="0" g="0" b="0"/>
+          </a:effectRef>
           <a:fontRef idx="minor"/>
         </p:style>
         <p:txBody>
           <a:bodyPr anchor="t">
             <a:noAutofit/>
           </a:bodyPr>
+          <a:lstStyle/>
           <a:p>
             <a:pPr>
               <a:lnSpc>
                 <a:spcPct val="90000"/>
               </a:lnSpc>
               <a:tabLst>
-                <a:tab algn="l" pos="0"/>
+                <a:tab pos="0" algn="l"/>
               </a:tabLst>
             </a:pPr>
             <a:r>
-              <a:rPr b="1" lang="es-CO" sz="3600" spc="-1" strike="noStrike">
+              <a:rPr lang="es-CO" sz="3600" b="1" strike="noStrike" spc="-1">
                 <a:solidFill>
-                  <a:srgbClr val="ffffff"/>
+                  <a:srgbClr val="FFFFFF"/>
                 </a:solidFill>
                 <a:latin typeface="Work Sans"/>
                 <a:ea typeface="Work Sans"/>
               </a:rPr>
               <a:t>Conclusiones</a:t>
             </a:r>
-            <a:endParaRPr b="0" lang="es-CO" sz="3600" spc="-1" strike="noStrike">
+            <a:endParaRPr lang="es-CO" sz="3600" b="0" strike="noStrike" spc="-1">
               <a:solidFill>
                 <a:srgbClr val="000000"/>
               </a:solidFill>
@@ -4233,15 +6173,22 @@
           </a:ln>
         </p:spPr>
         <p:style>
-          <a:lnRef idx="0"/>
-          <a:fillRef idx="0"/>
-          <a:effectRef idx="0"/>
+          <a:lnRef idx="0">
+            <a:scrgbClr r="0" g="0" b="0"/>
+          </a:lnRef>
+          <a:fillRef idx="0">
+            <a:scrgbClr r="0" g="0" b="0"/>
+          </a:fillRef>
+          <a:effectRef idx="0">
+            <a:scrgbClr r="0" g="0" b="0"/>
+          </a:effectRef>
           <a:fontRef idx="minor"/>
         </p:style>
         <p:txBody>
           <a:bodyPr anchor="t">
             <a:spAutoFit/>
           </a:bodyPr>
+          <a:lstStyle/>
           <a:p>
             <a:pPr>
               <a:lnSpc>
@@ -4254,11 +6201,11 @@
                 <a:spcPts val="1199"/>
               </a:spcAft>
               <a:tabLst>
-                <a:tab algn="l" pos="0"/>
+                <a:tab pos="0" algn="l"/>
               </a:tabLst>
             </a:pPr>
             <a:r>
-              <a:rPr b="0" lang="es-CO" sz="1400" spc="-1" strike="noStrike">
+              <a:rPr lang="es-CO" sz="1400" b="0" strike="noStrike" spc="-1">
                 <a:solidFill>
                   <a:schemeClr val="dk1"/>
                 </a:solidFill>
@@ -4267,7 +6214,7 @@
               </a:rPr>
               <a:t>En este apartado, desarrollar un análisis conclusivo del proceso de investigación desde sus logros, alcances y limitaciones, frente al cumplimiento del objetivo de estudio. A su vez mencionar las recomendaciones para futuros planes investigativos. </a:t>
             </a:r>
-            <a:endParaRPr b="0" lang="es-CO" sz="1400" spc="-1" strike="noStrike">
+            <a:endParaRPr lang="es-CO" sz="1400" b="0" strike="noStrike" spc="-1">
               <a:solidFill>
                 <a:srgbClr val="000000"/>
               </a:solidFill>
@@ -4278,26 +6225,22 @@
       </p:sp>
     </p:spTree>
   </p:cSld>
-  <mc:AlternateContent>
-    <mc:Choice Requires="p14">
-      <p:transition spd="slow" p14:dur="2000"/>
-    </mc:Choice>
-    <mc:Fallback>
-      <p:transition spd="slow"/>
-    </mc:Fallback>
-  </mc:AlternateContent>
+  <p:clrMapOvr>
+    <a:masterClrMapping/>
+  </p:clrMapOvr>
 </p:sld>
 </file>
 
 <file path=ppt/slides/slide8.xml><?xml version="1.0" encoding="utf-8"?>
-<p:sld xmlns:a="http://schemas.openxmlformats.org/drawingml/2006/main" xmlns:p="http://schemas.openxmlformats.org/presentationml/2006/main" xmlns:r="http://schemas.openxmlformats.org/officeDocument/2006/relationships" xmlns:p14="http://schemas.microsoft.com/office/powerpoint/2010/main" xmlns:p15="http://schemas.microsoft.com/office/powerpoint/2012/main" xmlns:mc="http://schemas.openxmlformats.org/markup-compatibility/2006">
+<p:sld xmlns:a="http://schemas.openxmlformats.org/drawingml/2006/main" xmlns:r="http://schemas.openxmlformats.org/officeDocument/2006/relationships" xmlns:p="http://schemas.openxmlformats.org/presentationml/2006/main">
   <p:cSld>
     <p:bg>
       <p:bgPr>
         <a:blipFill rotWithShape="0">
-          <a:blip r:embed="rId1"/>
+          <a:blip r:embed="rId2"/>
           <a:stretch/>
         </a:blipFill>
+        <a:effectLst/>
       </p:bgPr>
     </p:bg>
     <p:spTree>
@@ -4334,35 +6277,42 @@
           </a:ln>
         </p:spPr>
         <p:style>
-          <a:lnRef idx="0"/>
-          <a:fillRef idx="0"/>
-          <a:effectRef idx="0"/>
+          <a:lnRef idx="0">
+            <a:scrgbClr r="0" g="0" b="0"/>
+          </a:lnRef>
+          <a:fillRef idx="0">
+            <a:scrgbClr r="0" g="0" b="0"/>
+          </a:fillRef>
+          <a:effectRef idx="0">
+            <a:scrgbClr r="0" g="0" b="0"/>
+          </a:effectRef>
           <a:fontRef idx="minor"/>
         </p:style>
         <p:txBody>
           <a:bodyPr anchor="t">
             <a:spAutoFit/>
           </a:bodyPr>
+          <a:lstStyle/>
           <a:p>
             <a:pPr algn="ctr">
               <a:lnSpc>
                 <a:spcPct val="100000"/>
               </a:lnSpc>
               <a:tabLst>
-                <a:tab algn="l" pos="0"/>
+                <a:tab pos="0" algn="l"/>
               </a:tabLst>
             </a:pPr>
             <a:r>
-              <a:rPr b="1" lang="es-CO" sz="3600" spc="-1" strike="noStrike">
+              <a:rPr lang="es-CO" sz="3600" b="1" strike="noStrike" spc="-1">
                 <a:solidFill>
-                  <a:srgbClr val="4d4d4c"/>
+                  <a:srgbClr val="4D4D4C"/>
                 </a:solidFill>
                 <a:latin typeface="Work Sans"/>
                 <a:ea typeface="Work Sans"/>
               </a:rPr>
               <a:t>Referencias</a:t>
             </a:r>
-            <a:endParaRPr b="0" lang="es-CO" sz="3600" spc="-1" strike="noStrike">
+            <a:endParaRPr lang="es-CO" sz="3600" b="0" strike="noStrike" spc="-1">
               <a:solidFill>
                 <a:srgbClr val="000000"/>
               </a:solidFill>
@@ -4391,15 +6341,22 @@
           </a:ln>
         </p:spPr>
         <p:style>
-          <a:lnRef idx="0"/>
-          <a:fillRef idx="0"/>
-          <a:effectRef idx="0"/>
+          <a:lnRef idx="0">
+            <a:scrgbClr r="0" g="0" b="0"/>
+          </a:lnRef>
+          <a:fillRef idx="0">
+            <a:scrgbClr r="0" g="0" b="0"/>
+          </a:fillRef>
+          <a:effectRef idx="0">
+            <a:scrgbClr r="0" g="0" b="0"/>
+          </a:effectRef>
           <a:fontRef idx="minor"/>
         </p:style>
         <p:txBody>
           <a:bodyPr anchor="t">
             <a:spAutoFit/>
           </a:bodyPr>
+          <a:lstStyle/>
           <a:p>
             <a:pPr>
               <a:lnSpc>
@@ -4409,11 +6366,11 @@
                 <a:spcPts val="1199"/>
               </a:spcBef>
               <a:tabLst>
-                <a:tab algn="l" pos="0"/>
+                <a:tab pos="0" algn="l"/>
               </a:tabLst>
             </a:pPr>
             <a:r>
-              <a:rPr b="0" lang="es-CO" sz="1400" spc="-1" strike="noStrike">
+              <a:rPr lang="es-CO" sz="1400" b="0" strike="noStrike" spc="-1">
                 <a:solidFill>
                   <a:schemeClr val="dk1"/>
                 </a:solidFill>
@@ -4423,19 +6380,19 @@
               <a:t>Usar norma APA última edición:</a:t>
             </a:r>
             <a:r>
-              <a:rPr b="0" lang="es-CO" sz="1400" spc="-1" strike="noStrike" u="sng">
+              <a:rPr lang="es-CO" sz="1400" b="0" u="sng" strike="noStrike" spc="-1">
                 <a:solidFill>
                   <a:schemeClr val="dk1"/>
                 </a:solidFill>
                 <a:uFillTx/>
                 <a:latin typeface="Arial"/>
                 <a:ea typeface="Arial"/>
-                <a:hlinkClick r:id="rId2"/>
+                <a:hlinkClick r:id="rId3"/>
               </a:rPr>
               <a:t> </a:t>
             </a:r>
             <a:r>
-              <a:rPr b="0" lang="es-CO" sz="1400" spc="-1" strike="noStrike" u="sng">
+              <a:rPr lang="es-CO" sz="1400" b="0" u="sng" strike="noStrike" spc="-1">
                 <a:solidFill>
                   <a:schemeClr val="hlink"/>
                 </a:solidFill>
@@ -4446,7 +6403,7 @@
               </a:rPr>
               <a:t>https://normas-apa.org/wp-content/uploads/Guia-Normas-APA-7ma-edicion.pdf</a:t>
             </a:r>
-            <a:endParaRPr b="0" lang="es-CO" sz="1400" spc="-1" strike="noStrike">
+            <a:endParaRPr lang="es-CO" sz="1400" b="0" strike="noStrike" spc="-1">
               <a:solidFill>
                 <a:srgbClr val="000000"/>
               </a:solidFill>
@@ -4465,10 +6422,10 @@
                 <a:spcPts val="1199"/>
               </a:spcAft>
               <a:tabLst>
-                <a:tab algn="l" pos="0"/>
+                <a:tab pos="0" algn="l"/>
               </a:tabLst>
             </a:pPr>
-            <a:endParaRPr b="0" lang="es-CO" sz="1400" spc="-1" strike="noStrike">
+            <a:endParaRPr lang="es-CO" sz="1400" b="0" strike="noStrike" spc="-1">
               <a:solidFill>
                 <a:srgbClr val="000000"/>
               </a:solidFill>
@@ -4479,26 +6436,22 @@
       </p:sp>
     </p:spTree>
   </p:cSld>
-  <mc:AlternateContent>
-    <mc:Choice Requires="p14">
-      <p:transition spd="slow" p14:dur="2000"/>
-    </mc:Choice>
-    <mc:Fallback>
-      <p:transition spd="slow"/>
-    </mc:Fallback>
-  </mc:AlternateContent>
+  <p:clrMapOvr>
+    <a:masterClrMapping/>
+  </p:clrMapOvr>
 </p:sld>
 </file>
 
 <file path=ppt/slides/slide9.xml><?xml version="1.0" encoding="utf-8"?>
-<p:sld xmlns:a="http://schemas.openxmlformats.org/drawingml/2006/main" xmlns:p="http://schemas.openxmlformats.org/presentationml/2006/main" xmlns:r="http://schemas.openxmlformats.org/officeDocument/2006/relationships" xmlns:p14="http://schemas.microsoft.com/office/powerpoint/2010/main" xmlns:p15="http://schemas.microsoft.com/office/powerpoint/2012/main" xmlns:mc="http://schemas.openxmlformats.org/markup-compatibility/2006">
+<p:sld xmlns:a="http://schemas.openxmlformats.org/drawingml/2006/main" xmlns:r="http://schemas.openxmlformats.org/officeDocument/2006/relationships" xmlns:p="http://schemas.openxmlformats.org/presentationml/2006/main">
   <p:cSld>
     <p:bg>
       <p:bgPr>
         <a:blipFill rotWithShape="0">
-          <a:blip r:embed="rId1"/>
+          <a:blip r:embed="rId2"/>
           <a:stretch/>
         </a:blipFill>
+        <a:effectLst/>
       </p:bgPr>
     </p:bg>
     <p:spTree>
@@ -4517,66 +6470,61 @@
       </p:grpSpPr>
     </p:spTree>
   </p:cSld>
-  <mc:AlternateContent>
-    <mc:Choice Requires="p14">
-      <p:transition spd="slow" p14:dur="2000"/>
-    </mc:Choice>
-    <mc:Fallback>
-      <p:transition spd="slow"/>
-    </mc:Fallback>
-  </mc:AlternateContent>
+  <p:clrMapOvr>
+    <a:masterClrMapping/>
+  </p:clrMapOvr>
 </p:sld>
 </file>
 
 <file path=ppt/theme/theme1.xml><?xml version="1.0" encoding="utf-8"?>
-<a:theme xmlns:a="http://schemas.openxmlformats.org/drawingml/2006/main" xmlns:r="http://schemas.openxmlformats.org/officeDocument/2006/relationships" name="Tema de Office">
+<a:theme xmlns:a="http://schemas.openxmlformats.org/drawingml/2006/main" name="Tema de Office">
   <a:themeElements>
     <a:clrScheme name="Office">
       <a:dk1>
         <a:srgbClr val="000000"/>
       </a:dk1>
       <a:lt1>
-        <a:srgbClr val="ffffff"/>
+        <a:srgbClr val="FFFFFF"/>
       </a:lt1>
       <a:dk2>
-        <a:srgbClr val="44546a"/>
+        <a:srgbClr val="44546A"/>
       </a:dk2>
       <a:lt2>
-        <a:srgbClr val="e7e6e6"/>
+        <a:srgbClr val="E7E6E6"/>
       </a:lt2>
       <a:accent1>
-        <a:srgbClr val="4472c4"/>
+        <a:srgbClr val="4472C4"/>
       </a:accent1>
       <a:accent2>
-        <a:srgbClr val="ed7d31"/>
+        <a:srgbClr val="ED7D31"/>
       </a:accent2>
       <a:accent3>
-        <a:srgbClr val="a5a5a5"/>
+        <a:srgbClr val="A5A5A5"/>
       </a:accent3>
       <a:accent4>
-        <a:srgbClr val="ffc000"/>
+        <a:srgbClr val="FFC000"/>
       </a:accent4>
       <a:accent5>
-        <a:srgbClr val="5b9bd5"/>
+        <a:srgbClr val="5B9BD5"/>
       </a:accent5>
       <a:accent6>
-        <a:srgbClr val="70ad47"/>
+        <a:srgbClr val="70AD47"/>
       </a:accent6>
       <a:hlink>
-        <a:srgbClr val="0563c1"/>
+        <a:srgbClr val="0563C1"/>
       </a:hlink>
       <a:folHlink>
-        <a:srgbClr val="954f72"/>
+        <a:srgbClr val="954F72"/>
       </a:folHlink>
     </a:clrScheme>
     <a:fontScheme name="Office">
       <a:majorFont>
-        <a:latin typeface="Arial" pitchFamily="0" charset="1"/>
+        <a:latin typeface="Arial"/>
         <a:ea typeface=""/>
         <a:cs typeface=""/>
       </a:majorFont>
       <a:minorFont>
-        <a:latin typeface="Arial" pitchFamily="0" charset="1"/>
+        <a:latin typeface="Arial"/>
         <a:ea typeface=""/>
         <a:cs typeface=""/>
       </a:minorFont>
@@ -4605,7 +6553,7 @@
             </a:gs>
           </a:gsLst>
           <a:lin ang="16200000" scaled="1"/>
-          <a:tileRect l="0" t="0" r="0" b="0"/>
+          <a:tileRect/>
         </a:gradFill>
         <a:gradFill>
           <a:gsLst>
@@ -4623,7 +6571,7 @@
             </a:gs>
           </a:gsLst>
           <a:lin ang="16200000" scaled="0"/>
-          <a:tileRect l="0" t="0" r="0" b="0"/>
+          <a:tileRect/>
         </a:gradFill>
       </a:fillStyleLst>
       <a:lnStyleLst>
@@ -4674,7 +6622,7 @@
           <a:path path="circle">
             <a:fillToRect l="50000" t="-80000" r="50000" b="180000"/>
           </a:path>
-          <a:tileRect l="0" t="0" r="0" b="0"/>
+          <a:tileRect/>
         </a:gradFill>
         <a:gradFill>
           <a:gsLst>
@@ -4692,10 +6640,12 @@
           <a:path path="circle">
             <a:fillToRect l="50000" t="50000" r="50000" b="50000"/>
           </a:path>
-          <a:tileRect l="0" t="0" r="0" b="0"/>
+          <a:tileRect/>
         </a:gradFill>
       </a:bgFillStyleLst>
     </a:fmtScheme>
   </a:themeElements>
+  <a:objectDefaults/>
+  <a:extraClrSchemeLst/>
 </a:theme>
 </file>
--- a/ponencia_sena_obtencion_visualizacion_modelacion_AMSC/presentacion_yeiner_marco_obtencion_visualizacion_modelacion.pptx
+++ b/ponencia_sena_obtencion_visualizacion_modelacion_AMSC/presentacion_yeiner_marco_obtencion_visualizacion_modelacion.pptx
@@ -6,14 +6,12 @@
   </p:sldMasterIdLst>
   <p:sldIdLst>
     <p:sldId id="256" r:id="rId2"/>
-    <p:sldId id="257" r:id="rId3"/>
-    <p:sldId id="258" r:id="rId4"/>
-    <p:sldId id="259" r:id="rId5"/>
-    <p:sldId id="260" r:id="rId6"/>
-    <p:sldId id="261" r:id="rId7"/>
-    <p:sldId id="262" r:id="rId8"/>
-    <p:sldId id="263" r:id="rId9"/>
-    <p:sldId id="264" r:id="rId10"/>
+    <p:sldId id="258" r:id="rId3"/>
+    <p:sldId id="259" r:id="rId4"/>
+    <p:sldId id="260" r:id="rId5"/>
+    <p:sldId id="261" r:id="rId6"/>
+    <p:sldId id="263" r:id="rId7"/>
+    <p:sldId id="264" r:id="rId8"/>
   </p:sldIdLst>
   <p:sldSz cx="12192000" cy="6858000"/>
   <p:notesSz cx="6858000" cy="9144000"/>
@@ -112,6 +110,11 @@
       </a:defRPr>
     </a:lvl9pPr>
   </p:defaultTextStyle>
+  <p:extLst>
+    <p:ext uri="{EFAFB233-063F-42B5-8137-9DF3F51BA10A}">
+      <p15:sldGuideLst xmlns:p15="http://schemas.microsoft.com/office/powerpoint/2012/main"/>
+    </p:ext>
+  </p:extLst>
 </p:presentation>
 </file>
 
@@ -3539,235 +3542,105 @@
         </p:nvSpPr>
         <p:spPr>
           <a:xfrm>
-            <a:off x="589560" y="856180"/>
-            <a:ext cx="5279408" cy="1128068"/>
-          </a:xfrm>
-          <a:prstGeom prst="rect">
-            <a:avLst/>
-          </a:prstGeom>
-        </p:spPr>
-        <p:txBody>
-          <a:bodyPr vert="horz" lIns="91440" tIns="45720" rIns="91440" bIns="45720" rtlCol="0" anchor="ctr">
-            <a:noAutofit/>
+            <a:off x="617950" y="771339"/>
+            <a:ext cx="5279408" cy="1815882"/>
+          </a:xfrm>
+          <a:prstGeom prst="rect">
+            <a:avLst/>
+          </a:prstGeom>
+          <a:noFill/>
+          <a:ln w="0">
+            <a:noFill/>
+          </a:ln>
+        </p:spPr>
+        <p:style>
+          <a:lnRef idx="0">
+            <a:scrgbClr r="0" g="0" b="0"/>
+          </a:lnRef>
+          <a:fillRef idx="0">
+            <a:scrgbClr r="0" g="0" b="0"/>
+          </a:fillRef>
+          <a:effectRef idx="0">
+            <a:scrgbClr r="0" g="0" b="0"/>
+          </a:effectRef>
+          <a:fontRef idx="minor"/>
+        </p:style>
+        <p:txBody>
+          <a:bodyPr anchor="t">
+            <a:spAutoFit/>
           </a:bodyPr>
-          <a:lstStyle/>
-          <a:p>
-            <a:pPr>
+          <a:lstStyle>
+            <a:defPPr>
+              <a:defRPr lang="es-CO"/>
+            </a:defPPr>
+            <a:lvl1pPr>
               <a:lnSpc>
-                <a:spcPct val="90000"/>
+                <a:spcPct val="100000"/>
               </a:lnSpc>
-              <a:spcBef>
-                <a:spcPct val="0"/>
-              </a:spcBef>
-              <a:spcAft>
-                <a:spcPts val="600"/>
-              </a:spcAft>
-            </a:pPr>
-            <a:r>
-              <a:rPr lang="en-US" sz="2800" b="1" strike="noStrike" spc="-1" dirty="0" err="1">
-                <a:effectLst>
-                  <a:outerShdw blurRad="38100" dist="38100" dir="2700000" algn="tl">
-                    <a:srgbClr val="000000">
-                      <a:alpha val="43137"/>
-                    </a:srgbClr>
-                  </a:outerShdw>
-                </a:effectLst>
-                <a:latin typeface="+mj-lt"/>
-                <a:ea typeface="+mj-ea"/>
-                <a:cs typeface="+mj-cs"/>
-              </a:rPr>
+              <a:tabLst>
+                <a:tab pos="0" algn="l"/>
+              </a:tabLst>
+              <a:defRPr sz="5400" b="1" strike="noStrike" spc="-1">
+                <a:solidFill>
+                  <a:srgbClr val="3F3F3F"/>
+                </a:solidFill>
+                <a:latin typeface="Work Sans"/>
+                <a:ea typeface="Work Sans"/>
+              </a:defRPr>
+            </a:lvl1pPr>
+          </a:lstStyle>
+          <a:p>
+            <a:r>
+              <a:rPr lang="en-US" sz="2800" dirty="0" err="1"/>
               <a:t>Obtención</a:t>
             </a:r>
             <a:r>
-              <a:rPr lang="en-US" sz="2800" b="1" strike="noStrike" spc="-1" dirty="0">
-                <a:effectLst>
-                  <a:outerShdw blurRad="38100" dist="38100" dir="2700000" algn="tl">
-                    <a:srgbClr val="000000">
-                      <a:alpha val="43137"/>
-                    </a:srgbClr>
-                  </a:outerShdw>
-                </a:effectLst>
-                <a:latin typeface="+mj-lt"/>
-                <a:ea typeface="+mj-ea"/>
-                <a:cs typeface="+mj-cs"/>
-              </a:rPr>
+              <a:rPr lang="en-US" sz="2800" dirty="0"/>
               <a:t>, </a:t>
             </a:r>
             <a:r>
-              <a:rPr lang="en-US" sz="2800" b="1" strike="noStrike" spc="-1" dirty="0" err="1">
-                <a:effectLst>
-                  <a:outerShdw blurRad="38100" dist="38100" dir="2700000" algn="tl">
-                    <a:srgbClr val="000000">
-                      <a:alpha val="43137"/>
-                    </a:srgbClr>
-                  </a:outerShdw>
-                </a:effectLst>
-                <a:latin typeface="+mj-lt"/>
-                <a:ea typeface="+mj-ea"/>
-                <a:cs typeface="+mj-cs"/>
-              </a:rPr>
+              <a:rPr lang="en-US" sz="2800" dirty="0" err="1"/>
               <a:t>visualización</a:t>
             </a:r>
             <a:r>
-              <a:rPr lang="en-US" sz="2800" b="1" strike="noStrike" spc="-1" dirty="0">
-                <a:effectLst>
-                  <a:outerShdw blurRad="38100" dist="38100" dir="2700000" algn="tl">
-                    <a:srgbClr val="000000">
-                      <a:alpha val="43137"/>
-                    </a:srgbClr>
-                  </a:outerShdw>
-                </a:effectLst>
-                <a:latin typeface="+mj-lt"/>
-                <a:ea typeface="+mj-ea"/>
-                <a:cs typeface="+mj-cs"/>
-              </a:rPr>
+              <a:rPr lang="en-US" sz="2800" dirty="0"/>
               <a:t> y </a:t>
             </a:r>
             <a:r>
-              <a:rPr lang="en-US" sz="2800" b="1" strike="noStrike" spc="-1" dirty="0" err="1">
-                <a:effectLst>
-                  <a:outerShdw blurRad="38100" dist="38100" dir="2700000" algn="tl">
-                    <a:srgbClr val="000000">
-                      <a:alpha val="43137"/>
-                    </a:srgbClr>
-                  </a:outerShdw>
-                </a:effectLst>
-                <a:latin typeface="+mj-lt"/>
-                <a:ea typeface="+mj-ea"/>
-                <a:cs typeface="+mj-cs"/>
-              </a:rPr>
+              <a:rPr lang="en-US" sz="2800" dirty="0" err="1"/>
               <a:t>modelación</a:t>
             </a:r>
             <a:r>
-              <a:rPr lang="en-US" sz="2800" b="1" strike="noStrike" spc="-1" dirty="0">
-                <a:effectLst>
-                  <a:outerShdw blurRad="38100" dist="38100" dir="2700000" algn="tl">
-                    <a:srgbClr val="000000">
-                      <a:alpha val="43137"/>
-                    </a:srgbClr>
-                  </a:outerShdw>
-                </a:effectLst>
-                <a:latin typeface="+mj-lt"/>
-                <a:ea typeface="+mj-ea"/>
-                <a:cs typeface="+mj-cs"/>
-              </a:rPr>
+              <a:rPr lang="en-US" sz="2800" dirty="0"/>
               <a:t> de </a:t>
             </a:r>
             <a:r>
-              <a:rPr lang="en-US" sz="2800" b="1" strike="noStrike" spc="-1" dirty="0" err="1">
-                <a:effectLst>
-                  <a:outerShdw blurRad="38100" dist="38100" dir="2700000" algn="tl">
-                    <a:srgbClr val="000000">
-                      <a:alpha val="43137"/>
-                    </a:srgbClr>
-                  </a:outerShdw>
-                </a:effectLst>
-                <a:latin typeface="+mj-lt"/>
-                <a:ea typeface="+mj-ea"/>
-                <a:cs typeface="+mj-cs"/>
-              </a:rPr>
+              <a:rPr lang="en-US" sz="2800" dirty="0" err="1"/>
               <a:t>datos</a:t>
             </a:r>
             <a:r>
-              <a:rPr lang="en-US" sz="2800" b="1" strike="noStrike" spc="-1" dirty="0">
-                <a:effectLst>
-                  <a:outerShdw blurRad="38100" dist="38100" dir="2700000" algn="tl">
-                    <a:srgbClr val="000000">
-                      <a:alpha val="43137"/>
-                    </a:srgbClr>
-                  </a:outerShdw>
-                </a:effectLst>
-                <a:latin typeface="+mj-lt"/>
-                <a:ea typeface="+mj-ea"/>
-                <a:cs typeface="+mj-cs"/>
-              </a:rPr>
+              <a:rPr lang="en-US" sz="2800" dirty="0"/>
               <a:t> del </a:t>
             </a:r>
             <a:r>
-              <a:rPr lang="en-US" sz="2800" b="1" strike="noStrike" spc="-1" dirty="0" err="1">
-                <a:effectLst>
-                  <a:outerShdw blurRad="38100" dist="38100" dir="2700000" algn="tl">
-                    <a:srgbClr val="000000">
-                      <a:alpha val="43137"/>
-                    </a:srgbClr>
-                  </a:outerShdw>
-                </a:effectLst>
-                <a:latin typeface="+mj-lt"/>
-                <a:ea typeface="+mj-ea"/>
-                <a:cs typeface="+mj-cs"/>
-              </a:rPr>
+              <a:rPr lang="en-US" sz="2800" dirty="0" err="1"/>
               <a:t>proyecto</a:t>
             </a:r>
             <a:r>
-              <a:rPr lang="en-US" sz="2800" b="1" strike="noStrike" spc="-1" dirty="0">
-                <a:effectLst>
-                  <a:outerShdw blurRad="38100" dist="38100" dir="2700000" algn="tl">
-                    <a:srgbClr val="000000">
-                      <a:alpha val="43137"/>
-                    </a:srgbClr>
-                  </a:outerShdw>
-                </a:effectLst>
-                <a:latin typeface="+mj-lt"/>
-                <a:ea typeface="+mj-ea"/>
-                <a:cs typeface="+mj-cs"/>
-              </a:rPr>
+              <a:rPr lang="en-US" sz="2800" dirty="0"/>
               <a:t> </a:t>
             </a:r>
             <a:r>
-              <a:rPr lang="en-US" sz="2800" b="1" strike="noStrike" spc="-1" dirty="0" err="1">
-                <a:effectLst>
-                  <a:outerShdw blurRad="38100" dist="38100" dir="2700000" algn="tl">
-                    <a:srgbClr val="000000">
-                      <a:alpha val="43137"/>
-                    </a:srgbClr>
-                  </a:outerShdw>
-                </a:effectLst>
-                <a:latin typeface="+mj-lt"/>
-                <a:ea typeface="+mj-ea"/>
-                <a:cs typeface="+mj-cs"/>
-              </a:rPr>
+              <a:rPr lang="en-US" sz="2800" dirty="0" err="1"/>
               <a:t>investigativo</a:t>
             </a:r>
             <a:r>
-              <a:rPr lang="en-US" sz="2800" b="1" strike="noStrike" spc="-1" dirty="0">
-                <a:effectLst>
-                  <a:outerShdw blurRad="38100" dist="38100" dir="2700000" algn="tl">
-                    <a:srgbClr val="000000">
-                      <a:alpha val="43137"/>
-                    </a:srgbClr>
-                  </a:outerShdw>
-                </a:effectLst>
-                <a:latin typeface="+mj-lt"/>
-                <a:ea typeface="+mj-ea"/>
-                <a:cs typeface="+mj-cs"/>
-              </a:rPr>
+              <a:rPr lang="en-US" sz="2800" dirty="0"/>
               <a:t> AMSC</a:t>
             </a:r>
           </a:p>
           <a:p>
-            <a:pPr>
-              <a:lnSpc>
-                <a:spcPct val="90000"/>
-              </a:lnSpc>
-              <a:spcBef>
-                <a:spcPct val="0"/>
-              </a:spcBef>
-              <a:spcAft>
-                <a:spcPts val="600"/>
-              </a:spcAft>
-            </a:pPr>
-            <a:endParaRPr lang="en-US" sz="2800" b="1" dirty="0">
-              <a:effectLst>
-                <a:outerShdw blurRad="38100" dist="38100" dir="2700000" algn="tl">
-                  <a:srgbClr val="000000">
-                    <a:alpha val="43137"/>
-                  </a:srgbClr>
-                </a:outerShdw>
-              </a:effectLst>
-              <a:latin typeface="+mj-lt"/>
-              <a:ea typeface="+mj-ea"/>
-              <a:cs typeface="+mj-cs"/>
-            </a:endParaRPr>
+            <a:endParaRPr lang="en-US" sz="2800" dirty="0"/>
           </a:p>
         </p:txBody>
       </p:sp>
@@ -4439,14 +4312,14 @@
       </p:grpSpPr>
       <p:sp>
         <p:nvSpPr>
-          <p:cNvPr id="42" name="Google Shape;98;p2"/>
+          <p:cNvPr id="44" name="Google Shape;104;p3"/>
           <p:cNvSpPr/>
           <p:nvPr/>
         </p:nvSpPr>
         <p:spPr>
           <a:xfrm>
-            <a:off x="995400" y="2551680"/>
-            <a:ext cx="6453360" cy="1737000"/>
+            <a:off x="3913920" y="463320"/>
+            <a:ext cx="4050720" cy="1919880"/>
           </a:xfrm>
           <a:prstGeom prst="rect">
             <a:avLst/>
@@ -4474,7 +4347,7 @@
           </a:bodyPr>
           <a:lstStyle/>
           <a:p>
-            <a:pPr>
+            <a:pPr algn="ctr">
               <a:lnSpc>
                 <a:spcPct val="100000"/>
               </a:lnSpc>
@@ -4483,118 +4356,56 @@
               </a:tabLst>
             </a:pPr>
             <a:r>
-              <a:rPr lang="es-CO" sz="5400" b="1" strike="noStrike" spc="-1">
+              <a:rPr lang="es-CO" sz="6000" b="1" strike="noStrike" spc="-1">
                 <a:solidFill>
-                  <a:srgbClr val="3F3F3F"/>
+                  <a:srgbClr val="4D4D4C"/>
                 </a:solidFill>
                 <a:latin typeface="Work Sans"/>
                 <a:ea typeface="Work Sans"/>
               </a:rPr>
-              <a:t>Título</a:t>
-            </a:r>
-            <a:endParaRPr lang="es-CO" sz="5400" b="0" strike="noStrike" spc="-1">
+              <a:t>Resumen</a:t>
+            </a:r>
+            <a:endParaRPr lang="es-CO" sz="6000" b="0" strike="noStrike" spc="-1">
               <a:solidFill>
                 <a:srgbClr val="000000"/>
               </a:solidFill>
               <a:latin typeface="Arial"/>
             </a:endParaRPr>
           </a:p>
-          <a:p>
-            <a:pPr>
-              <a:lnSpc>
-                <a:spcPct val="100000"/>
-              </a:lnSpc>
-              <a:tabLst>
-                <a:tab pos="0" algn="l"/>
-              </a:tabLst>
-            </a:pPr>
-            <a:r>
-              <a:rPr lang="es-CO" sz="5400" b="1" strike="noStrike" spc="-1">
-                <a:solidFill>
-                  <a:srgbClr val="3F3F3F"/>
-                </a:solidFill>
-                <a:latin typeface="Work Sans"/>
-                <a:ea typeface="Work Sans"/>
-              </a:rPr>
-              <a:t>presentación</a:t>
-            </a:r>
-            <a:endParaRPr lang="es-CO" sz="5400" b="0" strike="noStrike" spc="-1">
-              <a:solidFill>
-                <a:srgbClr val="000000"/>
-              </a:solidFill>
-              <a:latin typeface="Arial"/>
-            </a:endParaRPr>
-          </a:p>
-        </p:txBody>
-      </p:sp>
-      <p:pic>
-        <p:nvPicPr>
-          <p:cNvPr id="43" name="Google Shape;99;p2" descr="Imagen que contiene Diagrama&#10;&#10;Descripción generada automáticamente"/>
-          <p:cNvPicPr/>
+        </p:txBody>
+      </p:sp>
+      <p:cxnSp>
+        <p:nvCxnSpPr>
+          <p:cNvPr id="45" name="Google Shape;105;p3"/>
+          <p:cNvCxnSpPr/>
           <p:nvPr/>
-        </p:nvPicPr>
-        <p:blipFill>
-          <a:blip r:embed="rId3"/>
-          <a:srcRect t="16091" b="26995"/>
-          <a:stretch/>
-        </p:blipFill>
-        <p:spPr>
-          <a:xfrm>
-            <a:off x="9329040" y="4559040"/>
-            <a:ext cx="2145240" cy="1220760"/>
-          </a:xfrm>
-          <a:prstGeom prst="rect">
-            <a:avLst/>
-          </a:prstGeom>
-          <a:ln w="0">
-            <a:noFill/>
+        </p:nvCxnSpPr>
+        <p:spPr>
+          <a:xfrm>
+            <a:off x="4914000" y="1479240"/>
+            <a:ext cx="2247840" cy="360"/>
+          </a:xfrm>
+          <a:prstGeom prst="straightConnector1">
+            <a:avLst/>
+          </a:prstGeom>
+          <a:ln w="12700">
+            <a:solidFill>
+              <a:srgbClr val="38AA00"/>
+            </a:solidFill>
+            <a:miter/>
           </a:ln>
         </p:spPr>
-      </p:pic>
-    </p:spTree>
-  </p:cSld>
-  <p:clrMapOvr>
-    <a:masterClrMapping/>
-  </p:clrMapOvr>
-</p:sld>
-</file>
-
-<file path=ppt/slides/slide3.xml><?xml version="1.0" encoding="utf-8"?>
-<p:sld xmlns:a="http://schemas.openxmlformats.org/drawingml/2006/main" xmlns:r="http://schemas.openxmlformats.org/officeDocument/2006/relationships" xmlns:p="http://schemas.openxmlformats.org/presentationml/2006/main">
-  <p:cSld>
-    <p:bg>
-      <p:bgPr>
-        <a:blipFill rotWithShape="0">
-          <a:blip r:embed="rId2"/>
-          <a:stretch/>
-        </a:blipFill>
-        <a:effectLst/>
-      </p:bgPr>
-    </p:bg>
-    <p:spTree>
-      <p:nvGrpSpPr>
-        <p:cNvPr id="1" name=""/>
-        <p:cNvGrpSpPr/>
-        <p:nvPr/>
-      </p:nvGrpSpPr>
-      <p:grpSpPr>
-        <a:xfrm>
-          <a:off x="0" y="0"/>
-          <a:ext cx="0" cy="0"/>
-          <a:chOff x="0" y="0"/>
-          <a:chExt cx="0" cy="0"/>
-        </a:xfrm>
-      </p:grpSpPr>
-      <p:sp>
-        <p:nvSpPr>
-          <p:cNvPr id="44" name="Google Shape;104;p3"/>
+      </p:cxnSp>
+      <p:sp>
+        <p:nvSpPr>
+          <p:cNvPr id="46" name="Google Shape;106;p3"/>
           <p:cNvSpPr/>
           <p:nvPr/>
         </p:nvSpPr>
         <p:spPr>
           <a:xfrm>
-            <a:off x="3913920" y="463320"/>
-            <a:ext cx="4050720" cy="1919880"/>
+            <a:off x="2595078" y="1816523"/>
+            <a:ext cx="7001843" cy="830997"/>
           </a:xfrm>
           <a:prstGeom prst="rect">
             <a:avLst/>
@@ -4622,145 +4433,70 @@
           </a:bodyPr>
           <a:lstStyle/>
           <a:p>
-            <a:pPr algn="ctr">
+            <a:pPr>
               <a:lnSpc>
-                <a:spcPct val="100000"/>
+                <a:spcPct val="150000"/>
               </a:lnSpc>
+              <a:spcBef>
+                <a:spcPts val="1199"/>
+              </a:spcBef>
               <a:tabLst>
                 <a:tab pos="0" algn="l"/>
               </a:tabLst>
             </a:pPr>
             <a:r>
-              <a:rPr lang="es-CO" sz="6000" b="1" strike="noStrike" spc="-1">
+              <a:rPr lang="es-MX" sz="1600" spc="-1" dirty="0">
                 <a:solidFill>
-                  <a:srgbClr val="4D4D4C"/>
-                </a:solidFill>
-                <a:latin typeface="Work Sans"/>
-                <a:ea typeface="Work Sans"/>
-              </a:rPr>
-              <a:t>Resumen</a:t>
-            </a:r>
-            <a:endParaRPr lang="es-CO" sz="6000" b="0" strike="noStrike" spc="-1">
-              <a:solidFill>
-                <a:srgbClr val="000000"/>
-              </a:solidFill>
-              <a:latin typeface="Arial"/>
-            </a:endParaRPr>
-          </a:p>
-        </p:txBody>
-      </p:sp>
-      <p:cxnSp>
-        <p:nvCxnSpPr>
-          <p:cNvPr id="45" name="Google Shape;105;p3"/>
-          <p:cNvCxnSpPr/>
-          <p:nvPr/>
-        </p:nvCxnSpPr>
-        <p:spPr>
-          <a:xfrm>
-            <a:off x="4914000" y="1479240"/>
-            <a:ext cx="2247840" cy="360"/>
-          </a:xfrm>
-          <a:prstGeom prst="straightConnector1">
-            <a:avLst/>
-          </a:prstGeom>
-          <a:ln w="12700">
-            <a:solidFill>
-              <a:srgbClr val="38AA00"/>
-            </a:solidFill>
-            <a:miter/>
-          </a:ln>
-        </p:spPr>
-      </p:cxnSp>
-      <p:sp>
-        <p:nvSpPr>
-          <p:cNvPr id="46" name="Google Shape;106;p3"/>
-          <p:cNvSpPr/>
-          <p:nvPr/>
-        </p:nvSpPr>
-        <p:spPr>
-          <a:xfrm>
-            <a:off x="4110840" y="1618560"/>
-            <a:ext cx="3854160" cy="578520"/>
-          </a:xfrm>
-          <a:prstGeom prst="rect">
-            <a:avLst/>
-          </a:prstGeom>
-          <a:noFill/>
-          <a:ln w="0">
-            <a:noFill/>
-          </a:ln>
-        </p:spPr>
-        <p:style>
-          <a:lnRef idx="0">
-            <a:scrgbClr r="0" g="0" b="0"/>
-          </a:lnRef>
-          <a:fillRef idx="0">
-            <a:scrgbClr r="0" g="0" b="0"/>
-          </a:fillRef>
-          <a:effectRef idx="0">
-            <a:scrgbClr r="0" g="0" b="0"/>
-          </a:effectRef>
-          <a:fontRef idx="minor"/>
-        </p:style>
-        <p:txBody>
-          <a:bodyPr anchor="t">
-            <a:spAutoFit/>
-          </a:bodyPr>
-          <a:lstStyle/>
-          <a:p>
-            <a:pPr algn="ctr">
-              <a:lnSpc>
-                <a:spcPct val="100000"/>
-              </a:lnSpc>
-              <a:tabLst>
-                <a:tab pos="0" algn="l"/>
-              </a:tabLst>
-            </a:pPr>
-            <a:r>
-              <a:rPr lang="es-CO" sz="1600" b="0" strike="noStrike" spc="-1" dirty="0">
-                <a:solidFill>
-                  <a:srgbClr val="000000"/>
+                  <a:schemeClr val="dk1"/>
                 </a:solidFill>
                 <a:latin typeface="Work Sans Light"/>
-                <a:ea typeface="Work Sans Light"/>
               </a:rPr>
-              <a:t>texto corto descriptivo</a:t>
-            </a:r>
-            <a:endParaRPr lang="es-CO" sz="1600" b="0" strike="noStrike" spc="-1" dirty="0">
+              <a:t>A través del uso de estaciones de monitoreo permanente, imágenes satelitales y modelos teóricos computacionales, estudiaremos el comportamiento de la atmósfera sobre el Departamento de Antioquia.</a:t>
+            </a:r>
+            <a:endParaRPr lang="es-CO" sz="1600" spc="-1" dirty="0">
               <a:solidFill>
-                <a:srgbClr val="000000"/>
+                <a:schemeClr val="dk1"/>
               </a:solidFill>
-              <a:latin typeface="Arial"/>
+              <a:latin typeface="Work Sans Light"/>
             </a:endParaRPr>
           </a:p>
-          <a:p>
-            <a:pPr algn="ctr">
-              <a:lnSpc>
-                <a:spcPct val="100000"/>
-              </a:lnSpc>
-              <a:tabLst>
-                <a:tab pos="0" algn="l"/>
-              </a:tabLst>
-            </a:pPr>
-            <a:r>
-              <a:rPr lang="es-CO" sz="1600" b="0" strike="noStrike" spc="-1" dirty="0">
-                <a:solidFill>
-                  <a:srgbClr val="000000"/>
-                </a:solidFill>
-                <a:latin typeface="Work Sans Light"/>
-                <a:ea typeface="Work Sans Light"/>
-              </a:rPr>
-              <a:t>a 2 o 3 líneas</a:t>
-            </a:r>
-            <a:endParaRPr lang="es-CO" sz="1600" b="0" strike="noStrike" spc="-1" dirty="0">
-              <a:solidFill>
-                <a:srgbClr val="000000"/>
-              </a:solidFill>
-              <a:latin typeface="Arial"/>
-            </a:endParaRPr>
-          </a:p>
-        </p:txBody>
-      </p:sp>
+        </p:txBody>
+      </p:sp>
+      <p:pic>
+        <p:nvPicPr>
+          <p:cNvPr id="2" name="Imagen 1" descr="Un grupo de personas de pie&#10;&#10;Descripción generada automáticamente">
+            <a:extLst>
+              <a:ext uri="{FF2B5EF4-FFF2-40B4-BE49-F238E27FC236}">
+                <a16:creationId xmlns:a16="http://schemas.microsoft.com/office/drawing/2014/main" id="{40C489FB-56C7-FFAB-FAB1-84A3A1B926E3}"/>
+              </a:ext>
+            </a:extLst>
+          </p:cNvPr>
+          <p:cNvPicPr>
+            <a:picLocks noChangeAspect="1"/>
+          </p:cNvPicPr>
+          <p:nvPr/>
+        </p:nvPicPr>
+        <p:blipFill rotWithShape="1">
+          <a:blip r:embed="rId3" cstate="print">
+            <a:extLst>
+              <a:ext uri="{28A0092B-C50C-407E-A947-70E740481C1C}">
+                <a14:useLocalDpi xmlns:a14="http://schemas.microsoft.com/office/drawing/2010/main" val="0"/>
+              </a:ext>
+            </a:extLst>
+          </a:blip>
+          <a:srcRect t="21570" b="19545"/>
+          <a:stretch/>
+        </p:blipFill>
+        <p:spPr>
+          <a:xfrm>
+            <a:off x="4417452" y="3399120"/>
+            <a:ext cx="3805555" cy="2987863"/>
+          </a:xfrm>
+          <a:prstGeom prst="rect">
+            <a:avLst/>
+          </a:prstGeom>
+        </p:spPr>
+      </p:pic>
     </p:spTree>
   </p:cSld>
   <p:clrMapOvr>
@@ -4769,7 +4505,7 @@
 </p:sld>
 </file>
 
-<file path=ppt/slides/slide4.xml><?xml version="1.0" encoding="utf-8"?>
+<file path=ppt/slides/slide3.xml><?xml version="1.0" encoding="utf-8"?>
 <p:sld xmlns:a="http://schemas.openxmlformats.org/drawingml/2006/main" xmlns:r="http://schemas.openxmlformats.org/officeDocument/2006/relationships" xmlns:p="http://schemas.openxmlformats.org/presentationml/2006/main">
   <p:cSld>
     <p:bg>
@@ -4902,7 +4638,7 @@
               </a:tabLst>
             </a:pPr>
             <a:r>
-              <a:rPr lang="en-US" sz="4000" b="1" strike="noStrike" kern="1200" spc="-1">
+              <a:rPr lang="en-US" sz="4000" b="1" strike="noStrike" kern="1200" spc="-1" dirty="0" err="1">
                 <a:solidFill>
                   <a:schemeClr val="tx1"/>
                 </a:solidFill>
@@ -4912,7 +4648,7 @@
               </a:rPr>
               <a:t>Introducción</a:t>
             </a:r>
-            <a:endParaRPr lang="en-US" sz="4000" b="0" strike="noStrike" kern="1200" spc="-1">
+            <a:endParaRPr lang="en-US" sz="4000" b="0" strike="noStrike" kern="1200" spc="-1" dirty="0">
               <a:solidFill>
                 <a:schemeClr val="tx1"/>
               </a:solidFill>
@@ -5173,210 +4909,13 @@
           </a:bodyPr>
           <a:lstStyle/>
           <a:p>
-            <a:pPr indent="-228600">
+            <a:pPr marL="228600">
               <a:lnSpc>
                 <a:spcPct val="90000"/>
               </a:lnSpc>
               <a:spcBef>
                 <a:spcPts val="1199"/>
               </a:spcBef>
-              <a:buFont typeface="Arial" panose="020B0604020202020204" pitchFamily="34" charset="0"/>
-              <a:buChar char="•"/>
-              <a:tabLst>
-                <a:tab pos="0" algn="l"/>
-              </a:tabLst>
-            </a:pPr>
-            <a:r>
-              <a:rPr lang="en-US" sz="2000" b="0" strike="noStrike" spc="-1" dirty="0"/>
-              <a:t>En </a:t>
-            </a:r>
-            <a:r>
-              <a:rPr lang="en-US" sz="2000" b="0" strike="noStrike" spc="-1" dirty="0" err="1"/>
-              <a:t>este</a:t>
-            </a:r>
-            <a:r>
-              <a:rPr lang="en-US" sz="2000" b="0" strike="noStrike" spc="-1" dirty="0"/>
-              <a:t> </a:t>
-            </a:r>
-            <a:r>
-              <a:rPr lang="en-US" sz="2000" b="0" strike="noStrike" spc="-1" dirty="0" err="1"/>
-              <a:t>apartado</a:t>
-            </a:r>
-            <a:r>
-              <a:rPr lang="en-US" sz="2000" b="0" strike="noStrike" spc="-1" dirty="0"/>
-              <a:t> se </a:t>
-            </a:r>
-            <a:r>
-              <a:rPr lang="en-US" sz="2000" b="0" strike="noStrike" spc="-1" dirty="0" err="1"/>
-              <a:t>debe</a:t>
-            </a:r>
-            <a:r>
-              <a:rPr lang="en-US" sz="2000" b="0" strike="noStrike" spc="-1" dirty="0"/>
-              <a:t> </a:t>
-            </a:r>
-            <a:r>
-              <a:rPr lang="en-US" sz="2000" b="0" strike="noStrike" spc="-1" dirty="0" err="1"/>
-              <a:t>desarrollar</a:t>
-            </a:r>
-            <a:r>
-              <a:rPr lang="en-US" sz="2000" b="0" strike="noStrike" spc="-1" dirty="0"/>
-              <a:t> </a:t>
-            </a:r>
-            <a:r>
-              <a:rPr lang="en-US" sz="2000" b="0" strike="noStrike" spc="-1" dirty="0" err="1"/>
-              <a:t>el</a:t>
-            </a:r>
-            <a:r>
-              <a:rPr lang="en-US" sz="2000" b="0" strike="noStrike" spc="-1" dirty="0"/>
-              <a:t> </a:t>
-            </a:r>
-            <a:r>
-              <a:rPr lang="en-US" sz="2000" b="0" strike="noStrike" spc="-1" dirty="0" err="1"/>
-              <a:t>acercamiento</a:t>
-            </a:r>
-            <a:r>
-              <a:rPr lang="en-US" sz="2000" b="0" strike="noStrike" spc="-1" dirty="0"/>
-              <a:t> a la </a:t>
-            </a:r>
-            <a:r>
-              <a:rPr lang="en-US" sz="2000" b="0" strike="noStrike" spc="-1" dirty="0" err="1"/>
-              <a:t>problemática</a:t>
-            </a:r>
-            <a:r>
-              <a:rPr lang="en-US" sz="2000" b="0" strike="noStrike" spc="-1" dirty="0"/>
-              <a:t>, </a:t>
-            </a:r>
-            <a:r>
-              <a:rPr lang="en-US" sz="2000" b="0" strike="noStrike" spc="-1" dirty="0" err="1"/>
-              <a:t>objeto</a:t>
-            </a:r>
-            <a:r>
-              <a:rPr lang="en-US" sz="2000" b="0" strike="noStrike" spc="-1" dirty="0"/>
-              <a:t> de </a:t>
-            </a:r>
-            <a:r>
-              <a:rPr lang="en-US" sz="2000" b="0" strike="noStrike" spc="-1" dirty="0" err="1"/>
-              <a:t>estudio</a:t>
-            </a:r>
-            <a:r>
-              <a:rPr lang="en-US" sz="2000" b="0" strike="noStrike" spc="-1" dirty="0"/>
-              <a:t> </a:t>
-            </a:r>
-            <a:r>
-              <a:rPr lang="en-US" sz="2000" b="0" strike="noStrike" spc="-1" dirty="0" err="1"/>
-              <a:t>desde</a:t>
-            </a:r>
-            <a:r>
-              <a:rPr lang="en-US" sz="2000" b="0" strike="noStrike" spc="-1" dirty="0"/>
-              <a:t> </a:t>
-            </a:r>
-            <a:r>
-              <a:rPr lang="en-US" sz="2000" b="0" strike="noStrike" spc="-1" dirty="0" err="1"/>
-              <a:t>su</a:t>
-            </a:r>
-            <a:r>
-              <a:rPr lang="en-US" sz="2000" b="0" strike="noStrike" spc="-1" dirty="0"/>
-              <a:t> </a:t>
-            </a:r>
-            <a:r>
-              <a:rPr lang="en-US" sz="2000" b="0" strike="noStrike" spc="-1" dirty="0" err="1"/>
-              <a:t>importancia</a:t>
-            </a:r>
-            <a:r>
-              <a:rPr lang="en-US" sz="2000" b="0" strike="noStrike" spc="-1" dirty="0"/>
-              <a:t> y </a:t>
-            </a:r>
-            <a:r>
-              <a:rPr lang="en-US" sz="2000" b="0" strike="noStrike" spc="-1" dirty="0" err="1"/>
-              <a:t>relevancia</a:t>
-            </a:r>
-            <a:r>
-              <a:rPr lang="en-US" sz="2000" b="0" strike="noStrike" spc="-1" dirty="0"/>
-              <a:t>, de forma que se </a:t>
-            </a:r>
-            <a:r>
-              <a:rPr lang="en-US" sz="2000" b="0" strike="noStrike" spc="-1" dirty="0" err="1"/>
-              <a:t>plantee</a:t>
-            </a:r>
-            <a:r>
-              <a:rPr lang="en-US" sz="2000" b="0" strike="noStrike" spc="-1" dirty="0"/>
-              <a:t> la </a:t>
-            </a:r>
-            <a:r>
-              <a:rPr lang="en-US" sz="2000" b="0" strike="noStrike" spc="-1" dirty="0" err="1"/>
-              <a:t>pregunta</a:t>
-            </a:r>
-            <a:r>
-              <a:rPr lang="en-US" sz="2000" b="0" strike="noStrike" spc="-1" dirty="0"/>
-              <a:t> y </a:t>
-            </a:r>
-            <a:r>
-              <a:rPr lang="en-US" sz="2000" b="0" strike="noStrike" spc="-1" dirty="0" err="1"/>
-              <a:t>objeto</a:t>
-            </a:r>
-            <a:r>
-              <a:rPr lang="en-US" sz="2000" b="0" strike="noStrike" spc="-1" dirty="0"/>
-              <a:t> de </a:t>
-            </a:r>
-            <a:r>
-              <a:rPr lang="en-US" sz="2000" b="0" strike="noStrike" spc="-1" dirty="0" err="1"/>
-              <a:t>investigación</a:t>
-            </a:r>
-            <a:r>
-              <a:rPr lang="en-US" sz="2000" b="0" strike="noStrike" spc="-1" dirty="0"/>
-              <a:t> (</a:t>
-            </a:r>
-            <a:r>
-              <a:rPr lang="en-US" sz="2000" b="0" strike="noStrike" spc="-1" dirty="0" err="1"/>
-              <a:t>debe</a:t>
-            </a:r>
-            <a:r>
-              <a:rPr lang="en-US" sz="2000" b="0" strike="noStrike" spc="-1" dirty="0"/>
-              <a:t> </a:t>
-            </a:r>
-            <a:r>
-              <a:rPr lang="en-US" sz="2000" b="0" strike="noStrike" spc="-1" dirty="0" err="1"/>
-              <a:t>estar</a:t>
-            </a:r>
-            <a:r>
-              <a:rPr lang="en-US" sz="2000" b="0" strike="noStrike" spc="-1" dirty="0"/>
-              <a:t> </a:t>
-            </a:r>
-            <a:r>
-              <a:rPr lang="en-US" sz="2000" b="0" strike="noStrike" spc="-1" dirty="0" err="1"/>
-              <a:t>soportado</a:t>
-            </a:r>
-            <a:r>
-              <a:rPr lang="en-US" sz="2000" b="0" strike="noStrike" spc="-1" dirty="0"/>
-              <a:t> </a:t>
-            </a:r>
-            <a:r>
-              <a:rPr lang="en-US" sz="2000" b="0" strike="noStrike" spc="-1" dirty="0" err="1"/>
-              <a:t>en</a:t>
-            </a:r>
-            <a:r>
-              <a:rPr lang="en-US" sz="2000" b="0" strike="noStrike" spc="-1" dirty="0"/>
-              <a:t> </a:t>
-            </a:r>
-            <a:r>
-              <a:rPr lang="en-US" sz="2000" b="0" strike="noStrike" spc="-1" dirty="0" err="1"/>
-              <a:t>referentes</a:t>
-            </a:r>
-            <a:r>
-              <a:rPr lang="en-US" sz="2000" b="0" strike="noStrike" spc="-1" dirty="0"/>
-              <a:t>).</a:t>
-            </a:r>
-          </a:p>
-          <a:p>
-            <a:pPr marL="457200" indent="-228600">
-              <a:lnSpc>
-                <a:spcPct val="90000"/>
-              </a:lnSpc>
-              <a:spcBef>
-                <a:spcPts val="1199"/>
-              </a:spcBef>
-              <a:buFont typeface="Arial" panose="020B0604020202020204" pitchFamily="34" charset="0"/>
-              <a:buChar char="•"/>
               <a:tabLst>
                 <a:tab pos="0" algn="l"/>
               </a:tabLst>
@@ -5680,6 +5219,449 @@
           </a:ln>
         </p:spPr>
       </p:cxnSp>
+      <p:sp>
+        <p:nvSpPr>
+          <p:cNvPr id="8" name="Google Shape;120;p6">
+            <a:extLst>
+              <a:ext uri="{FF2B5EF4-FFF2-40B4-BE49-F238E27FC236}">
+                <a16:creationId xmlns:a16="http://schemas.microsoft.com/office/drawing/2014/main" id="{5016EEFE-F83E-150E-7567-C99ABA5F3BAF}"/>
+              </a:ext>
+            </a:extLst>
+          </p:cNvPr>
+          <p:cNvSpPr/>
+          <p:nvPr/>
+        </p:nvSpPr>
+        <p:spPr>
+          <a:xfrm>
+            <a:off x="295015" y="2184308"/>
+            <a:ext cx="6057848" cy="1896801"/>
+          </a:xfrm>
+          <a:prstGeom prst="rect">
+            <a:avLst/>
+          </a:prstGeom>
+          <a:noFill/>
+          <a:ln w="0">
+            <a:noFill/>
+          </a:ln>
+        </p:spPr>
+        <p:style>
+          <a:lnRef idx="0">
+            <a:scrgbClr r="0" g="0" b="0"/>
+          </a:lnRef>
+          <a:fillRef idx="0">
+            <a:scrgbClr r="0" g="0" b="0"/>
+          </a:fillRef>
+          <a:effectRef idx="0">
+            <a:scrgbClr r="0" g="0" b="0"/>
+          </a:effectRef>
+          <a:fontRef idx="minor"/>
+        </p:style>
+        <p:txBody>
+          <a:bodyPr wrap="square" anchor="t">
+            <a:spAutoFit/>
+          </a:bodyPr>
+          <a:lstStyle/>
+          <a:p>
+            <a:pPr algn="just">
+              <a:lnSpc>
+                <a:spcPct val="150000"/>
+              </a:lnSpc>
+              <a:spcBef>
+                <a:spcPts val="1199"/>
+              </a:spcBef>
+              <a:tabLst>
+                <a:tab pos="0" algn="l"/>
+              </a:tabLst>
+            </a:pPr>
+            <a:r>
+              <a:rPr lang="es-MX" sz="1600" b="0" strike="noStrike" spc="-1" dirty="0">
+                <a:solidFill>
+                  <a:schemeClr val="dk1"/>
+                </a:solidFill>
+                <a:latin typeface="Work Sans Light"/>
+                <a:ea typeface="Work Sans Light"/>
+              </a:rPr>
+              <a:t>En este trabajo, se analizan datos meteorológicos, centrándose en variables como temperatura, presión atmosférica y humedad relativa. Se lleva a cabo un análisis completo que incluye la obtención, visualización, limpieza y clasificación de los datos. </a:t>
+            </a:r>
+            <a:endParaRPr lang="es-CO" sz="1600" b="0" strike="noStrike" spc="-1" dirty="0">
+              <a:solidFill>
+                <a:srgbClr val="000000"/>
+              </a:solidFill>
+              <a:latin typeface="Arial"/>
+            </a:endParaRPr>
+          </a:p>
+        </p:txBody>
+      </p:sp>
+    </p:spTree>
+  </p:cSld>
+  <p:clrMapOvr>
+    <a:masterClrMapping/>
+  </p:clrMapOvr>
+</p:sld>
+</file>
+
+<file path=ppt/slides/slide4.xml><?xml version="1.0" encoding="utf-8"?>
+<p:sld xmlns:a="http://schemas.openxmlformats.org/drawingml/2006/main" xmlns:r="http://schemas.openxmlformats.org/officeDocument/2006/relationships" xmlns:p="http://schemas.openxmlformats.org/presentationml/2006/main">
+  <p:cSld>
+    <p:bg>
+      <p:bgPr>
+        <a:blipFill rotWithShape="0">
+          <a:blip r:embed="rId2"/>
+          <a:stretch/>
+        </a:blipFill>
+        <a:effectLst/>
+      </p:bgPr>
+    </p:bg>
+    <p:spTree>
+      <p:nvGrpSpPr>
+        <p:cNvPr id="1" name=""/>
+        <p:cNvGrpSpPr/>
+        <p:nvPr/>
+      </p:nvGrpSpPr>
+      <p:grpSpPr>
+        <a:xfrm>
+          <a:off x="0" y="0"/>
+          <a:ext cx="0" cy="0"/>
+          <a:chOff x="0" y="0"/>
+          <a:chExt cx="0" cy="0"/>
+        </a:xfrm>
+      </p:grpSpPr>
+      <p:sp>
+        <p:nvSpPr>
+          <p:cNvPr id="51" name="Google Shape;119;p6"/>
+          <p:cNvSpPr/>
+          <p:nvPr/>
+        </p:nvSpPr>
+        <p:spPr>
+          <a:xfrm>
+            <a:off x="456120" y="416520"/>
+            <a:ext cx="9815400" cy="741240"/>
+          </a:xfrm>
+          <a:prstGeom prst="rect">
+            <a:avLst/>
+          </a:prstGeom>
+          <a:noFill/>
+          <a:ln w="0">
+            <a:noFill/>
+          </a:ln>
+        </p:spPr>
+        <p:style>
+          <a:lnRef idx="0">
+            <a:scrgbClr r="0" g="0" b="0"/>
+          </a:lnRef>
+          <a:fillRef idx="0">
+            <a:scrgbClr r="0" g="0" b="0"/>
+          </a:fillRef>
+          <a:effectRef idx="0">
+            <a:scrgbClr r="0" g="0" b="0"/>
+          </a:effectRef>
+          <a:fontRef idx="minor"/>
+        </p:style>
+        <p:txBody>
+          <a:bodyPr anchor="t">
+            <a:noAutofit/>
+          </a:bodyPr>
+          <a:lstStyle/>
+          <a:p>
+            <a:pPr>
+              <a:lnSpc>
+                <a:spcPct val="90000"/>
+              </a:lnSpc>
+              <a:tabLst>
+                <a:tab pos="0" algn="l"/>
+              </a:tabLst>
+            </a:pPr>
+            <a:r>
+              <a:rPr lang="es-CO" sz="3600" b="1" strike="noStrike" spc="-1">
+                <a:solidFill>
+                  <a:srgbClr val="4D4D4C"/>
+                </a:solidFill>
+                <a:latin typeface="Work Sans"/>
+                <a:ea typeface="Work Sans"/>
+              </a:rPr>
+              <a:t>Metodología</a:t>
+            </a:r>
+            <a:endParaRPr lang="es-CO" sz="3600" b="0" strike="noStrike" spc="-1">
+              <a:solidFill>
+                <a:srgbClr val="000000"/>
+              </a:solidFill>
+              <a:latin typeface="Arial"/>
+            </a:endParaRPr>
+          </a:p>
+        </p:txBody>
+      </p:sp>
+      <p:sp>
+        <p:nvSpPr>
+          <p:cNvPr id="52" name="Google Shape;120;p6"/>
+          <p:cNvSpPr/>
+          <p:nvPr/>
+        </p:nvSpPr>
+        <p:spPr>
+          <a:xfrm>
+            <a:off x="456120" y="1297080"/>
+            <a:ext cx="6695682" cy="1938992"/>
+          </a:xfrm>
+          <a:prstGeom prst="rect">
+            <a:avLst/>
+          </a:prstGeom>
+          <a:noFill/>
+          <a:ln w="0">
+            <a:noFill/>
+          </a:ln>
+        </p:spPr>
+        <p:style>
+          <a:lnRef idx="0">
+            <a:scrgbClr r="0" g="0" b="0"/>
+          </a:lnRef>
+          <a:fillRef idx="0">
+            <a:scrgbClr r="0" g="0" b="0"/>
+          </a:fillRef>
+          <a:effectRef idx="0">
+            <a:scrgbClr r="0" g="0" b="0"/>
+          </a:effectRef>
+          <a:fontRef idx="minor"/>
+        </p:style>
+        <p:txBody>
+          <a:bodyPr wrap="square" anchor="t">
+            <a:spAutoFit/>
+          </a:bodyPr>
+          <a:lstStyle/>
+          <a:p>
+            <a:pPr algn="just">
+              <a:spcBef>
+                <a:spcPts val="1199"/>
+              </a:spcBef>
+              <a:tabLst>
+                <a:tab pos="0" algn="l"/>
+              </a:tabLst>
+            </a:pPr>
+            <a:r>
+              <a:rPr lang="es-MX" sz="1600" b="0" strike="noStrike" spc="-1" dirty="0">
+                <a:solidFill>
+                  <a:schemeClr val="dk1"/>
+                </a:solidFill>
+                <a:latin typeface="Work Sans Light"/>
+                <a:ea typeface="Work Sans Light"/>
+              </a:rPr>
+              <a:t>Este proyecto se enfocará en las 4 líneas vitales: </a:t>
+            </a:r>
+          </a:p>
+          <a:p>
+            <a:pPr marL="285750" indent="-285750" algn="just">
+              <a:spcBef>
+                <a:spcPts val="1199"/>
+              </a:spcBef>
+              <a:buFont typeface="Arial" panose="020B0604020202020204" pitchFamily="34" charset="0"/>
+              <a:buChar char="•"/>
+              <a:tabLst>
+                <a:tab pos="0" algn="l"/>
+              </a:tabLst>
+            </a:pPr>
+            <a:r>
+              <a:rPr lang="es-MX" sz="1600" b="0" strike="noStrike" spc="-1" dirty="0">
+                <a:solidFill>
+                  <a:schemeClr val="dk1"/>
+                </a:solidFill>
+                <a:latin typeface="Work Sans Light"/>
+                <a:ea typeface="Work Sans Light"/>
+              </a:rPr>
+              <a:t>Ciencias de la Atmósfera, </a:t>
+            </a:r>
+          </a:p>
+          <a:p>
+            <a:pPr marL="285750" indent="-285750" algn="just">
+              <a:spcBef>
+                <a:spcPts val="1199"/>
+              </a:spcBef>
+              <a:buFont typeface="Arial" panose="020B0604020202020204" pitchFamily="34" charset="0"/>
+              <a:buChar char="•"/>
+              <a:tabLst>
+                <a:tab pos="0" algn="l"/>
+              </a:tabLst>
+            </a:pPr>
+            <a:r>
+              <a:rPr lang="es-MX" sz="1600" b="0" strike="noStrike" spc="-1" dirty="0">
+                <a:solidFill>
+                  <a:schemeClr val="dk1"/>
+                </a:solidFill>
+                <a:latin typeface="Work Sans Light"/>
+                <a:ea typeface="Work Sans Light"/>
+              </a:rPr>
+              <a:t>Ciencia de Datos, </a:t>
+            </a:r>
+          </a:p>
+          <a:p>
+            <a:pPr marL="285750" indent="-285750" algn="just">
+              <a:spcBef>
+                <a:spcPts val="1199"/>
+              </a:spcBef>
+              <a:buFont typeface="Arial" panose="020B0604020202020204" pitchFamily="34" charset="0"/>
+              <a:buChar char="•"/>
+              <a:tabLst>
+                <a:tab pos="0" algn="l"/>
+              </a:tabLst>
+            </a:pPr>
+            <a:r>
+              <a:rPr lang="es-MX" sz="1600" b="0" strike="noStrike" spc="-1" dirty="0">
+                <a:solidFill>
+                  <a:schemeClr val="dk1"/>
+                </a:solidFill>
+                <a:latin typeface="Work Sans Light"/>
+                <a:ea typeface="Work Sans Light"/>
+              </a:rPr>
+              <a:t>Astronomía</a:t>
+            </a:r>
+          </a:p>
+          <a:p>
+            <a:pPr marL="285750" indent="-285750" algn="just">
+              <a:spcBef>
+                <a:spcPts val="1199"/>
+              </a:spcBef>
+              <a:buFont typeface="Arial" panose="020B0604020202020204" pitchFamily="34" charset="0"/>
+              <a:buChar char="•"/>
+              <a:tabLst>
+                <a:tab pos="0" algn="l"/>
+              </a:tabLst>
+            </a:pPr>
+            <a:r>
+              <a:rPr lang="es-MX" sz="1600" b="0" strike="noStrike" spc="-1" dirty="0">
+                <a:solidFill>
+                  <a:schemeClr val="dk1"/>
+                </a:solidFill>
+                <a:latin typeface="Work Sans Light"/>
+                <a:ea typeface="Work Sans Light"/>
+              </a:rPr>
+              <a:t>Apropiación Social del Conocimiento.</a:t>
+            </a:r>
+            <a:endParaRPr lang="es-CO" sz="1600" b="0" strike="noStrike" spc="-1" dirty="0">
+              <a:solidFill>
+                <a:srgbClr val="000000"/>
+              </a:solidFill>
+              <a:latin typeface="Arial"/>
+            </a:endParaRPr>
+          </a:p>
+        </p:txBody>
+      </p:sp>
+      <p:pic>
+        <p:nvPicPr>
+          <p:cNvPr id="11" name="Imagen 10">
+            <a:extLst>
+              <a:ext uri="{FF2B5EF4-FFF2-40B4-BE49-F238E27FC236}">
+                <a16:creationId xmlns:a16="http://schemas.microsoft.com/office/drawing/2014/main" id="{4EFC41B4-C0B4-6467-CC9A-86C0545028AE}"/>
+              </a:ext>
+            </a:extLst>
+          </p:cNvPr>
+          <p:cNvPicPr>
+            <a:picLocks noChangeAspect="1"/>
+          </p:cNvPicPr>
+          <p:nvPr/>
+        </p:nvPicPr>
+        <p:blipFill>
+          <a:blip r:embed="rId3"/>
+          <a:stretch>
+            <a:fillRect/>
+          </a:stretch>
+        </p:blipFill>
+        <p:spPr>
+          <a:xfrm>
+            <a:off x="6974421" y="416520"/>
+            <a:ext cx="1808480" cy="1808480"/>
+          </a:xfrm>
+          <a:prstGeom prst="rect">
+            <a:avLst/>
+          </a:prstGeom>
+        </p:spPr>
+      </p:pic>
+      <p:pic>
+        <p:nvPicPr>
+          <p:cNvPr id="15" name="Imagen 14">
+            <a:extLst>
+              <a:ext uri="{FF2B5EF4-FFF2-40B4-BE49-F238E27FC236}">
+                <a16:creationId xmlns:a16="http://schemas.microsoft.com/office/drawing/2014/main" id="{96E13AEA-6334-69FB-316F-3C2D82828AA3}"/>
+              </a:ext>
+            </a:extLst>
+          </p:cNvPr>
+          <p:cNvPicPr>
+            <a:picLocks noChangeAspect="1"/>
+          </p:cNvPicPr>
+          <p:nvPr/>
+        </p:nvPicPr>
+        <p:blipFill>
+          <a:blip r:embed="rId4"/>
+          <a:stretch>
+            <a:fillRect/>
+          </a:stretch>
+        </p:blipFill>
+        <p:spPr>
+          <a:xfrm>
+            <a:off x="8890000" y="2266576"/>
+            <a:ext cx="1938992" cy="1938992"/>
+          </a:xfrm>
+          <a:prstGeom prst="rect">
+            <a:avLst/>
+          </a:prstGeom>
+        </p:spPr>
+      </p:pic>
+      <p:pic>
+        <p:nvPicPr>
+          <p:cNvPr id="21" name="Imagen 20">
+            <a:extLst>
+              <a:ext uri="{FF2B5EF4-FFF2-40B4-BE49-F238E27FC236}">
+                <a16:creationId xmlns:a16="http://schemas.microsoft.com/office/drawing/2014/main" id="{3F012F5C-9AF5-38B6-81C1-AE1EFC9E8EA3}"/>
+              </a:ext>
+            </a:extLst>
+          </p:cNvPr>
+          <p:cNvPicPr>
+            <a:picLocks noChangeAspect="1"/>
+          </p:cNvPicPr>
+          <p:nvPr/>
+        </p:nvPicPr>
+        <p:blipFill>
+          <a:blip r:embed="rId5"/>
+          <a:stretch>
+            <a:fillRect/>
+          </a:stretch>
+        </p:blipFill>
+        <p:spPr>
+          <a:xfrm>
+            <a:off x="6458053" y="3621929"/>
+            <a:ext cx="2324848" cy="2324848"/>
+          </a:xfrm>
+          <a:prstGeom prst="rect">
+            <a:avLst/>
+          </a:prstGeom>
+        </p:spPr>
+      </p:pic>
+      <p:pic>
+        <p:nvPicPr>
+          <p:cNvPr id="23" name="Imagen 22">
+            <a:extLst>
+              <a:ext uri="{FF2B5EF4-FFF2-40B4-BE49-F238E27FC236}">
+                <a16:creationId xmlns:a16="http://schemas.microsoft.com/office/drawing/2014/main" id="{ECF6192C-94B9-9279-EAC6-DCAA7C28E5D6}"/>
+              </a:ext>
+            </a:extLst>
+          </p:cNvPr>
+          <p:cNvPicPr>
+            <a:picLocks noChangeAspect="1"/>
+          </p:cNvPicPr>
+          <p:nvPr/>
+        </p:nvPicPr>
+        <p:blipFill>
+          <a:blip r:embed="rId6"/>
+          <a:stretch>
+            <a:fillRect/>
+          </a:stretch>
+        </p:blipFill>
+        <p:spPr>
+          <a:xfrm>
+            <a:off x="2879941" y="3876040"/>
+            <a:ext cx="2438400" cy="2438400"/>
+          </a:xfrm>
+          <a:prstGeom prst="rect">
+            <a:avLst/>
+          </a:prstGeom>
+        </p:spPr>
+      </p:pic>
     </p:spTree>
   </p:cSld>
   <p:clrMapOvr>
@@ -5716,14 +5698,14 @@
       </p:grpSpPr>
       <p:sp>
         <p:nvSpPr>
-          <p:cNvPr id="51" name="Google Shape;119;p6"/>
+          <p:cNvPr id="54" name="Google Shape;126;p7"/>
           <p:cNvSpPr/>
           <p:nvPr/>
         </p:nvSpPr>
         <p:spPr>
           <a:xfrm>
-            <a:off x="456120" y="416520"/>
-            <a:ext cx="9815400" cy="741240"/>
+            <a:off x="317160" y="416520"/>
+            <a:ext cx="9815400" cy="527760"/>
           </a:xfrm>
           <a:prstGeom prst="rect">
             <a:avLst/>
@@ -5762,12 +5744,12 @@
             <a:r>
               <a:rPr lang="es-CO" sz="3600" b="1" strike="noStrike" spc="-1">
                 <a:solidFill>
-                  <a:srgbClr val="4D4D4C"/>
+                  <a:srgbClr val="FFFFFF"/>
                 </a:solidFill>
                 <a:latin typeface="Work Sans"/>
                 <a:ea typeface="Work Sans"/>
               </a:rPr>
-              <a:t>Metodología</a:t>
+              <a:t>Resultados</a:t>
             </a:r>
             <a:endParaRPr lang="es-CO" sz="3600" b="0" strike="noStrike" spc="-1">
               <a:solidFill>
@@ -5780,14 +5762,14 @@
       </p:sp>
       <p:sp>
         <p:nvSpPr>
-          <p:cNvPr id="52" name="Google Shape;120;p6"/>
+          <p:cNvPr id="55" name="Google Shape;127;p7"/>
           <p:cNvSpPr/>
           <p:nvPr/>
         </p:nvSpPr>
         <p:spPr>
           <a:xfrm>
-            <a:off x="456120" y="1297080"/>
-            <a:ext cx="10835280" cy="1583280"/>
+            <a:off x="376200" y="1544400"/>
+            <a:ext cx="10835280" cy="2266133"/>
           </a:xfrm>
           <a:prstGeom prst="rect">
             <a:avLst/>
@@ -5822,19 +5804,22 @@
               <a:spcBef>
                 <a:spcPts val="1199"/>
               </a:spcBef>
+              <a:spcAft>
+                <a:spcPts val="1199"/>
+              </a:spcAft>
               <a:tabLst>
                 <a:tab pos="0" algn="l"/>
               </a:tabLst>
             </a:pPr>
             <a:r>
-              <a:rPr lang="es-CO" sz="1600" b="0" strike="noStrike" spc="-1" dirty="0">
+              <a:rPr lang="es-MX" sz="1600" b="0" strike="noStrike" spc="-1">
                 <a:solidFill>
                   <a:schemeClr val="dk1"/>
                 </a:solidFill>
                 <a:latin typeface="Work Sans Light"/>
                 <a:ea typeface="Work Sans Light"/>
               </a:rPr>
-              <a:t>En este apartado definir la naturaleza de la investigación, al igual que los participantes, materiales, instrumentos y procedimientos llevados a cabo para el correcto desarrollo del acercamiento investigativo. </a:t>
+              <a:t>Herramientas para la presentación de los datos. Dada la cantidad de datos que se obtendrán durante el tiempo del proyecto (y proyectado a futuro) se espera crear un conjunto de herramientas (programas en lenguaje PYTHON y SQL) para el monitoreo de variables y almacenamiento de datos para diferentes estudios en una página web en un servidor de la Universidad, controlado y administrado desde el LUCA. Un ejemplo puede observarse en la página creada para la presentación de los datos de las 8 estaciones: http://54.146.188.73:8501</a:t>
             </a:r>
             <a:endParaRPr lang="es-CO" sz="1600" b="0" strike="noStrike" spc="-1" dirty="0">
               <a:solidFill>
@@ -5843,27 +5828,38 @@
               <a:latin typeface="Arial"/>
             </a:endParaRPr>
           </a:p>
-          <a:p>
-            <a:pPr marL="457200">
-              <a:lnSpc>
-                <a:spcPct val="100000"/>
-              </a:lnSpc>
-              <a:spcBef>
-                <a:spcPts val="1199"/>
-              </a:spcBef>
-              <a:tabLst>
-                <a:tab pos="0" algn="l"/>
-              </a:tabLst>
-            </a:pPr>
-            <a:endParaRPr lang="es-CO" sz="1600" b="0" strike="noStrike" spc="-1" dirty="0">
-              <a:solidFill>
-                <a:srgbClr val="000000"/>
-              </a:solidFill>
-              <a:latin typeface="Arial"/>
-            </a:endParaRPr>
-          </a:p>
-        </p:txBody>
-      </p:sp>
+        </p:txBody>
+      </p:sp>
+      <p:pic>
+        <p:nvPicPr>
+          <p:cNvPr id="3" name="Imagen 2">
+            <a:extLst>
+              <a:ext uri="{FF2B5EF4-FFF2-40B4-BE49-F238E27FC236}">
+                <a16:creationId xmlns:a16="http://schemas.microsoft.com/office/drawing/2014/main" id="{68EBDD84-043F-4E46-7738-441452676492}"/>
+              </a:ext>
+            </a:extLst>
+          </p:cNvPr>
+          <p:cNvPicPr>
+            <a:picLocks noChangeAspect="1"/>
+          </p:cNvPicPr>
+          <p:nvPr/>
+        </p:nvPicPr>
+        <p:blipFill>
+          <a:blip r:embed="rId3"/>
+          <a:stretch>
+            <a:fillRect/>
+          </a:stretch>
+        </p:blipFill>
+        <p:spPr>
+          <a:xfrm>
+            <a:off x="7879404" y="3914690"/>
+            <a:ext cx="2472447" cy="2472447"/>
+          </a:xfrm>
+          <a:prstGeom prst="rect">
+            <a:avLst/>
+          </a:prstGeom>
+        </p:spPr>
+      </p:pic>
     </p:spTree>
   </p:cSld>
   <p:clrMapOvr>
@@ -5898,39 +5894,16 @@
           <a:chExt cx="0" cy="0"/>
         </a:xfrm>
       </p:grpSpPr>
-      <p:pic>
-        <p:nvPicPr>
-          <p:cNvPr id="53" name="Google Shape;125;p7"/>
-          <p:cNvPicPr/>
-          <p:nvPr/>
-        </p:nvPicPr>
-        <p:blipFill>
-          <a:blip r:embed="rId3"/>
-          <a:stretch/>
-        </p:blipFill>
-        <p:spPr>
-          <a:xfrm>
-            <a:off x="376200" y="2505600"/>
-            <a:ext cx="7772040" cy="3490920"/>
-          </a:xfrm>
-          <a:prstGeom prst="rect">
-            <a:avLst/>
-          </a:prstGeom>
-          <a:ln w="0">
-            <a:noFill/>
-          </a:ln>
-        </p:spPr>
-      </p:pic>
-      <p:sp>
-        <p:nvSpPr>
-          <p:cNvPr id="54" name="Google Shape;126;p7"/>
+      <p:sp>
+        <p:nvSpPr>
+          <p:cNvPr id="58" name="Google Shape;138;g2808396b2cb_0_26"/>
           <p:cNvSpPr/>
           <p:nvPr/>
         </p:nvSpPr>
         <p:spPr>
           <a:xfrm>
-            <a:off x="317160" y="416520"/>
-            <a:ext cx="9815400" cy="527760"/>
+            <a:off x="444240" y="416880"/>
+            <a:ext cx="2886840" cy="1188360"/>
           </a:xfrm>
           <a:prstGeom prst="rect">
             <a:avLst/>
@@ -5954,13 +5927,13 @@
         </p:style>
         <p:txBody>
           <a:bodyPr anchor="t">
-            <a:noAutofit/>
+            <a:spAutoFit/>
           </a:bodyPr>
           <a:lstStyle/>
           <a:p>
-            <a:pPr>
+            <a:pPr algn="ctr">
               <a:lnSpc>
-                <a:spcPct val="90000"/>
+                <a:spcPct val="100000"/>
               </a:lnSpc>
               <a:tabLst>
                 <a:tab pos="0" algn="l"/>
@@ -5969,12 +5942,12 @@
             <a:r>
               <a:rPr lang="es-CO" sz="3600" b="1" strike="noStrike" spc="-1">
                 <a:solidFill>
-                  <a:srgbClr val="FFFFFF"/>
+                  <a:srgbClr val="4D4D4C"/>
                 </a:solidFill>
                 <a:latin typeface="Work Sans"/>
                 <a:ea typeface="Work Sans"/>
               </a:rPr>
-              <a:t>Resultados</a:t>
+              <a:t>Referencias</a:t>
             </a:r>
             <a:endParaRPr lang="es-CO" sz="3600" b="0" strike="noStrike" spc="-1">
               <a:solidFill>
@@ -5987,14 +5960,14 @@
       </p:sp>
       <p:sp>
         <p:nvSpPr>
-          <p:cNvPr id="55" name="Google Shape;127;p7"/>
+          <p:cNvPr id="59" name="Google Shape;139;g2808396b2cb_0_26"/>
           <p:cNvSpPr/>
           <p:nvPr/>
         </p:nvSpPr>
         <p:spPr>
           <a:xfrm>
-            <a:off x="376200" y="1544400"/>
-            <a:ext cx="10835280" cy="821880"/>
+            <a:off x="444240" y="1254600"/>
+            <a:ext cx="10835280" cy="1498936"/>
           </a:xfrm>
           <a:prstGeom prst="rect">
             <a:avLst/>
@@ -6022,31 +5995,130 @@
           </a:bodyPr>
           <a:lstStyle/>
           <a:p>
-            <a:pPr>
+            <a:pPr marL="285750" indent="-285750">
               <a:lnSpc>
                 <a:spcPct val="150000"/>
               </a:lnSpc>
               <a:spcBef>
                 <a:spcPts val="1199"/>
               </a:spcBef>
-              <a:spcAft>
-                <a:spcPts val="1199"/>
-              </a:spcAft>
+              <a:buFont typeface="Arial" panose="020B0604020202020204" pitchFamily="34" charset="0"/>
+              <a:buChar char="•"/>
               <a:tabLst>
                 <a:tab pos="0" algn="l"/>
               </a:tabLst>
             </a:pPr>
             <a:r>
-              <a:rPr lang="es-CO" sz="1600" b="0" strike="noStrike" spc="-1" dirty="0">
+              <a:rPr lang="en-US" sz="1400" b="0" strike="noStrike" spc="-1" dirty="0">
                 <a:solidFill>
                   <a:schemeClr val="dk1"/>
                 </a:solidFill>
-                <a:latin typeface="Work Sans Light"/>
-                <a:ea typeface="Work Sans Light"/>
+                <a:latin typeface="Arial"/>
+                <a:ea typeface="Arial"/>
               </a:rPr>
-              <a:t>En este apartado evidenciar y analizar los hallazgos obtenidos en el proceso de investigación mencionados en la metodología, respondiendo a la pregunta y objeto de estudio.</a:t>
-            </a:r>
-            <a:endParaRPr lang="es-CO" sz="1600" b="0" strike="noStrike" spc="-1" dirty="0">
+              <a:t>Arbeláez-Cardona, D., et al. "Estimating the number of clear sky </a:t>
+            </a:r>
+            <a:r>
+              <a:rPr lang="en-US" sz="1400" b="0" strike="noStrike" spc="-1" dirty="0" err="1">
+                <a:solidFill>
+                  <a:schemeClr val="dk1"/>
+                </a:solidFill>
+                <a:latin typeface="Arial"/>
+                <a:ea typeface="Arial"/>
+              </a:rPr>
+              <a:t>nightsusing</a:t>
+            </a:r>
+            <a:r>
+              <a:rPr lang="en-US" sz="1400" b="0" strike="noStrike" spc="-1" dirty="0">
+                <a:solidFill>
+                  <a:schemeClr val="dk1"/>
+                </a:solidFill>
+                <a:latin typeface="Arial"/>
+                <a:ea typeface="Arial"/>
+              </a:rPr>
+              <a:t> GOES-16 images: a search for astronomical sites in </a:t>
+            </a:r>
+            <a:r>
+              <a:rPr lang="en-US" sz="1400" b="0" strike="noStrike" spc="-1" dirty="0" err="1">
+                <a:solidFill>
+                  <a:schemeClr val="dk1"/>
+                </a:solidFill>
+                <a:latin typeface="Arial"/>
+                <a:ea typeface="Arial"/>
+              </a:rPr>
+              <a:t>Colombia."International</a:t>
+            </a:r>
+            <a:r>
+              <a:rPr lang="en-US" sz="1400" b="0" strike="noStrike" spc="-1" dirty="0">
+                <a:solidFill>
+                  <a:schemeClr val="dk1"/>
+                </a:solidFill>
+                <a:latin typeface="Arial"/>
+                <a:ea typeface="Arial"/>
+              </a:rPr>
+              <a:t> Journal of Remote Sensing 41.14 (2020): 5103-5126.https://doi.org/10.1080/01431161.2020.1727051</a:t>
+            </a:r>
+          </a:p>
+          <a:p>
+            <a:pPr marL="285750" indent="-285750">
+              <a:lnSpc>
+                <a:spcPct val="150000"/>
+              </a:lnSpc>
+              <a:spcBef>
+                <a:spcPts val="1199"/>
+              </a:spcBef>
+              <a:buFont typeface="Arial" panose="020B0604020202020204" pitchFamily="34" charset="0"/>
+              <a:buChar char="•"/>
+              <a:tabLst>
+                <a:tab pos="0" algn="l"/>
+              </a:tabLst>
+            </a:pPr>
+            <a:r>
+              <a:rPr lang="es-MX" sz="1400" b="0" strike="noStrike" spc="-1" dirty="0">
+                <a:solidFill>
+                  <a:srgbClr val="000000"/>
+                </a:solidFill>
+                <a:latin typeface="Arial"/>
+              </a:rPr>
+              <a:t>Vásquez, D. 2019. Procesamiento de datos meteorológicos del IDEAM con Python y validación de datos del reanálisis ERA5. Trabajo </a:t>
+            </a:r>
+            <a:r>
+              <a:rPr lang="es-MX" sz="1400" b="0" strike="noStrike" spc="-1" dirty="0" err="1">
+                <a:solidFill>
+                  <a:srgbClr val="000000"/>
+                </a:solidFill>
+                <a:latin typeface="Arial"/>
+              </a:rPr>
+              <a:t>deGrado</a:t>
+            </a:r>
+            <a:r>
+              <a:rPr lang="es-MX" sz="1400" b="0" strike="noStrike" spc="-1" dirty="0">
+                <a:solidFill>
+                  <a:srgbClr val="000000"/>
+                </a:solidFill>
+                <a:latin typeface="Arial"/>
+              </a:rPr>
+              <a:t> Ingeniería Ambiental. Escuela Ambiental. Universidad de </a:t>
+            </a:r>
+            <a:r>
+              <a:rPr lang="es-MX" sz="1400" b="0" strike="noStrike" spc="-1" dirty="0" err="1">
+                <a:solidFill>
+                  <a:srgbClr val="000000"/>
+                </a:solidFill>
+                <a:latin typeface="Arial"/>
+              </a:rPr>
+              <a:t>Antioqui</a:t>
+            </a:r>
+            <a:r>
+              <a:rPr lang="en-US" sz="1400" spc="-1" dirty="0">
+                <a:solidFill>
+                  <a:schemeClr val="dk1"/>
+                </a:solidFill>
+                <a:latin typeface="Arial"/>
+              </a:rPr>
+              <a:t>a</a:t>
+            </a:r>
+            <a:endParaRPr lang="es-CO" sz="1400" b="0" strike="noStrike" spc="-1" dirty="0">
               <a:solidFill>
                 <a:srgbClr val="000000"/>
               </a:solidFill>
@@ -6064,385 +6136,6 @@
 </file>
 
 <file path=ppt/slides/slide7.xml><?xml version="1.0" encoding="utf-8"?>
-<p:sld xmlns:a="http://schemas.openxmlformats.org/drawingml/2006/main" xmlns:r="http://schemas.openxmlformats.org/officeDocument/2006/relationships" xmlns:p="http://schemas.openxmlformats.org/presentationml/2006/main">
-  <p:cSld>
-    <p:bg>
-      <p:bgPr>
-        <a:blipFill rotWithShape="0">
-          <a:blip r:embed="rId2"/>
-          <a:stretch/>
-        </a:blipFill>
-        <a:effectLst/>
-      </p:bgPr>
-    </p:bg>
-    <p:spTree>
-      <p:nvGrpSpPr>
-        <p:cNvPr id="1" name=""/>
-        <p:cNvGrpSpPr/>
-        <p:nvPr/>
-      </p:nvGrpSpPr>
-      <p:grpSpPr>
-        <a:xfrm>
-          <a:off x="0" y="0"/>
-          <a:ext cx="0" cy="0"/>
-          <a:chOff x="0" y="0"/>
-          <a:chExt cx="0" cy="0"/>
-        </a:xfrm>
-      </p:grpSpPr>
-      <p:sp>
-        <p:nvSpPr>
-          <p:cNvPr id="56" name="Google Shape;132;g2808396b2cb_0_11"/>
-          <p:cNvSpPr/>
-          <p:nvPr/>
-        </p:nvSpPr>
-        <p:spPr>
-          <a:xfrm>
-            <a:off x="317160" y="416520"/>
-            <a:ext cx="9815400" cy="527760"/>
-          </a:xfrm>
-          <a:prstGeom prst="rect">
-            <a:avLst/>
-          </a:prstGeom>
-          <a:noFill/>
-          <a:ln w="0">
-            <a:noFill/>
-          </a:ln>
-        </p:spPr>
-        <p:style>
-          <a:lnRef idx="0">
-            <a:scrgbClr r="0" g="0" b="0"/>
-          </a:lnRef>
-          <a:fillRef idx="0">
-            <a:scrgbClr r="0" g="0" b="0"/>
-          </a:fillRef>
-          <a:effectRef idx="0">
-            <a:scrgbClr r="0" g="0" b="0"/>
-          </a:effectRef>
-          <a:fontRef idx="minor"/>
-        </p:style>
-        <p:txBody>
-          <a:bodyPr anchor="t">
-            <a:noAutofit/>
-          </a:bodyPr>
-          <a:lstStyle/>
-          <a:p>
-            <a:pPr>
-              <a:lnSpc>
-                <a:spcPct val="90000"/>
-              </a:lnSpc>
-              <a:tabLst>
-                <a:tab pos="0" algn="l"/>
-              </a:tabLst>
-            </a:pPr>
-            <a:r>
-              <a:rPr lang="es-CO" sz="3600" b="1" strike="noStrike" spc="-1">
-                <a:solidFill>
-                  <a:srgbClr val="FFFFFF"/>
-                </a:solidFill>
-                <a:latin typeface="Work Sans"/>
-                <a:ea typeface="Work Sans"/>
-              </a:rPr>
-              <a:t>Conclusiones</a:t>
-            </a:r>
-            <a:endParaRPr lang="es-CO" sz="3600" b="0" strike="noStrike" spc="-1">
-              <a:solidFill>
-                <a:srgbClr val="000000"/>
-              </a:solidFill>
-              <a:latin typeface="Arial"/>
-            </a:endParaRPr>
-          </a:p>
-        </p:txBody>
-      </p:sp>
-      <p:sp>
-        <p:nvSpPr>
-          <p:cNvPr id="57" name="Google Shape;133;g2808396b2cb_0_11"/>
-          <p:cNvSpPr/>
-          <p:nvPr/>
-        </p:nvSpPr>
-        <p:spPr>
-          <a:xfrm>
-            <a:off x="376200" y="1544400"/>
-            <a:ext cx="10835280" cy="731160"/>
-          </a:xfrm>
-          <a:prstGeom prst="rect">
-            <a:avLst/>
-          </a:prstGeom>
-          <a:noFill/>
-          <a:ln w="0">
-            <a:noFill/>
-          </a:ln>
-        </p:spPr>
-        <p:style>
-          <a:lnRef idx="0">
-            <a:scrgbClr r="0" g="0" b="0"/>
-          </a:lnRef>
-          <a:fillRef idx="0">
-            <a:scrgbClr r="0" g="0" b="0"/>
-          </a:fillRef>
-          <a:effectRef idx="0">
-            <a:scrgbClr r="0" g="0" b="0"/>
-          </a:effectRef>
-          <a:fontRef idx="minor"/>
-        </p:style>
-        <p:txBody>
-          <a:bodyPr anchor="t">
-            <a:spAutoFit/>
-          </a:bodyPr>
-          <a:lstStyle/>
-          <a:p>
-            <a:pPr>
-              <a:lnSpc>
-                <a:spcPct val="150000"/>
-              </a:lnSpc>
-              <a:spcBef>
-                <a:spcPts val="1199"/>
-              </a:spcBef>
-              <a:spcAft>
-                <a:spcPts val="1199"/>
-              </a:spcAft>
-              <a:tabLst>
-                <a:tab pos="0" algn="l"/>
-              </a:tabLst>
-            </a:pPr>
-            <a:r>
-              <a:rPr lang="es-CO" sz="1400" b="0" strike="noStrike" spc="-1">
-                <a:solidFill>
-                  <a:schemeClr val="dk1"/>
-                </a:solidFill>
-                <a:latin typeface="Arial"/>
-                <a:ea typeface="Arial"/>
-              </a:rPr>
-              <a:t>En este apartado, desarrollar un análisis conclusivo del proceso de investigación desde sus logros, alcances y limitaciones, frente al cumplimiento del objetivo de estudio. A su vez mencionar las recomendaciones para futuros planes investigativos. </a:t>
-            </a:r>
-            <a:endParaRPr lang="es-CO" sz="1400" b="0" strike="noStrike" spc="-1">
-              <a:solidFill>
-                <a:srgbClr val="000000"/>
-              </a:solidFill>
-              <a:latin typeface="Arial"/>
-            </a:endParaRPr>
-          </a:p>
-        </p:txBody>
-      </p:sp>
-    </p:spTree>
-  </p:cSld>
-  <p:clrMapOvr>
-    <a:masterClrMapping/>
-  </p:clrMapOvr>
-</p:sld>
-</file>
-
-<file path=ppt/slides/slide8.xml><?xml version="1.0" encoding="utf-8"?>
-<p:sld xmlns:a="http://schemas.openxmlformats.org/drawingml/2006/main" xmlns:r="http://schemas.openxmlformats.org/officeDocument/2006/relationships" xmlns:p="http://schemas.openxmlformats.org/presentationml/2006/main">
-  <p:cSld>
-    <p:bg>
-      <p:bgPr>
-        <a:blipFill rotWithShape="0">
-          <a:blip r:embed="rId2"/>
-          <a:stretch/>
-        </a:blipFill>
-        <a:effectLst/>
-      </p:bgPr>
-    </p:bg>
-    <p:spTree>
-      <p:nvGrpSpPr>
-        <p:cNvPr id="1" name=""/>
-        <p:cNvGrpSpPr/>
-        <p:nvPr/>
-      </p:nvGrpSpPr>
-      <p:grpSpPr>
-        <a:xfrm>
-          <a:off x="0" y="0"/>
-          <a:ext cx="0" cy="0"/>
-          <a:chOff x="0" y="0"/>
-          <a:chExt cx="0" cy="0"/>
-        </a:xfrm>
-      </p:grpSpPr>
-      <p:sp>
-        <p:nvSpPr>
-          <p:cNvPr id="58" name="Google Shape;138;g2808396b2cb_0_26"/>
-          <p:cNvSpPr/>
-          <p:nvPr/>
-        </p:nvSpPr>
-        <p:spPr>
-          <a:xfrm>
-            <a:off x="444240" y="416880"/>
-            <a:ext cx="2886840" cy="1188360"/>
-          </a:xfrm>
-          <a:prstGeom prst="rect">
-            <a:avLst/>
-          </a:prstGeom>
-          <a:noFill/>
-          <a:ln w="0">
-            <a:noFill/>
-          </a:ln>
-        </p:spPr>
-        <p:style>
-          <a:lnRef idx="0">
-            <a:scrgbClr r="0" g="0" b="0"/>
-          </a:lnRef>
-          <a:fillRef idx="0">
-            <a:scrgbClr r="0" g="0" b="0"/>
-          </a:fillRef>
-          <a:effectRef idx="0">
-            <a:scrgbClr r="0" g="0" b="0"/>
-          </a:effectRef>
-          <a:fontRef idx="minor"/>
-        </p:style>
-        <p:txBody>
-          <a:bodyPr anchor="t">
-            <a:spAutoFit/>
-          </a:bodyPr>
-          <a:lstStyle/>
-          <a:p>
-            <a:pPr algn="ctr">
-              <a:lnSpc>
-                <a:spcPct val="100000"/>
-              </a:lnSpc>
-              <a:tabLst>
-                <a:tab pos="0" algn="l"/>
-              </a:tabLst>
-            </a:pPr>
-            <a:r>
-              <a:rPr lang="es-CO" sz="3600" b="1" strike="noStrike" spc="-1">
-                <a:solidFill>
-                  <a:srgbClr val="4D4D4C"/>
-                </a:solidFill>
-                <a:latin typeface="Work Sans"/>
-                <a:ea typeface="Work Sans"/>
-              </a:rPr>
-              <a:t>Referencias</a:t>
-            </a:r>
-            <a:endParaRPr lang="es-CO" sz="3600" b="0" strike="noStrike" spc="-1">
-              <a:solidFill>
-                <a:srgbClr val="000000"/>
-              </a:solidFill>
-              <a:latin typeface="Arial"/>
-            </a:endParaRPr>
-          </a:p>
-        </p:txBody>
-      </p:sp>
-      <p:sp>
-        <p:nvSpPr>
-          <p:cNvPr id="59" name="Google Shape;139;g2808396b2cb_0_26"/>
-          <p:cNvSpPr/>
-          <p:nvPr/>
-        </p:nvSpPr>
-        <p:spPr>
-          <a:xfrm>
-            <a:off x="444240" y="1254600"/>
-            <a:ext cx="10835280" cy="883440"/>
-          </a:xfrm>
-          <a:prstGeom prst="rect">
-            <a:avLst/>
-          </a:prstGeom>
-          <a:noFill/>
-          <a:ln w="0">
-            <a:noFill/>
-          </a:ln>
-        </p:spPr>
-        <p:style>
-          <a:lnRef idx="0">
-            <a:scrgbClr r="0" g="0" b="0"/>
-          </a:lnRef>
-          <a:fillRef idx="0">
-            <a:scrgbClr r="0" g="0" b="0"/>
-          </a:fillRef>
-          <a:effectRef idx="0">
-            <a:scrgbClr r="0" g="0" b="0"/>
-          </a:effectRef>
-          <a:fontRef idx="minor"/>
-        </p:style>
-        <p:txBody>
-          <a:bodyPr anchor="t">
-            <a:spAutoFit/>
-          </a:bodyPr>
-          <a:lstStyle/>
-          <a:p>
-            <a:pPr>
-              <a:lnSpc>
-                <a:spcPct val="150000"/>
-              </a:lnSpc>
-              <a:spcBef>
-                <a:spcPts val="1199"/>
-              </a:spcBef>
-              <a:tabLst>
-                <a:tab pos="0" algn="l"/>
-              </a:tabLst>
-            </a:pPr>
-            <a:r>
-              <a:rPr lang="es-CO" sz="1400" b="0" strike="noStrike" spc="-1">
-                <a:solidFill>
-                  <a:schemeClr val="dk1"/>
-                </a:solidFill>
-                <a:latin typeface="Arial"/>
-                <a:ea typeface="Arial"/>
-              </a:rPr>
-              <a:t>Usar norma APA última edición:</a:t>
-            </a:r>
-            <a:r>
-              <a:rPr lang="es-CO" sz="1400" b="0" u="sng" strike="noStrike" spc="-1">
-                <a:solidFill>
-                  <a:schemeClr val="dk1"/>
-                </a:solidFill>
-                <a:uFillTx/>
-                <a:latin typeface="Arial"/>
-                <a:ea typeface="Arial"/>
-                <a:hlinkClick r:id="rId3"/>
-              </a:rPr>
-              <a:t> </a:t>
-            </a:r>
-            <a:r>
-              <a:rPr lang="es-CO" sz="1400" b="0" u="sng" strike="noStrike" spc="-1">
-                <a:solidFill>
-                  <a:schemeClr val="hlink"/>
-                </a:solidFill>
-                <a:uFillTx/>
-                <a:latin typeface="Arial"/>
-                <a:ea typeface="Arial"/>
-                <a:hlinkClick r:id="rId3"/>
-              </a:rPr>
-              <a:t>https://normas-apa.org/wp-content/uploads/Guia-Normas-APA-7ma-edicion.pdf</a:t>
-            </a:r>
-            <a:endParaRPr lang="es-CO" sz="1400" b="0" strike="noStrike" spc="-1">
-              <a:solidFill>
-                <a:srgbClr val="000000"/>
-              </a:solidFill>
-              <a:latin typeface="Arial"/>
-            </a:endParaRPr>
-          </a:p>
-          <a:p>
-            <a:pPr>
-              <a:lnSpc>
-                <a:spcPct val="150000"/>
-              </a:lnSpc>
-              <a:spcBef>
-                <a:spcPts val="1199"/>
-              </a:spcBef>
-              <a:spcAft>
-                <a:spcPts val="1199"/>
-              </a:spcAft>
-              <a:tabLst>
-                <a:tab pos="0" algn="l"/>
-              </a:tabLst>
-            </a:pPr>
-            <a:endParaRPr lang="es-CO" sz="1400" b="0" strike="noStrike" spc="-1">
-              <a:solidFill>
-                <a:srgbClr val="000000"/>
-              </a:solidFill>
-              <a:latin typeface="Arial"/>
-            </a:endParaRPr>
-          </a:p>
-        </p:txBody>
-      </p:sp>
-    </p:spTree>
-  </p:cSld>
-  <p:clrMapOvr>
-    <a:masterClrMapping/>
-  </p:clrMapOvr>
-</p:sld>
-</file>
-
-<file path=ppt/slides/slide9.xml><?xml version="1.0" encoding="utf-8"?>
 <p:sld xmlns:a="http://schemas.openxmlformats.org/drawingml/2006/main" xmlns:r="http://schemas.openxmlformats.org/officeDocument/2006/relationships" xmlns:p="http://schemas.openxmlformats.org/presentationml/2006/main">
   <p:cSld>
     <p:bg>
